--- a/haddock/figures/Figures_horiz.pptx
+++ b/haddock/figures/Figures_horiz.pptx
@@ -6,6 +6,8 @@
   </p:sldMasterIdLst>
   <p:sldIdLst>
     <p:sldId id="256" r:id="rId2"/>
+    <p:sldId id="257" r:id="rId3"/>
+    <p:sldId id="258" r:id="rId4"/>
   </p:sldIdLst>
   <p:sldSz cx="12192000" cy="6858000"/>
   <p:notesSz cx="6858000" cy="9144000"/>
@@ -243,7 +245,7 @@
           <a:p>
             <a:fld id="{80E57041-87B6-43BA-9C6F-F6D6CF9D7954}" type="datetimeFigureOut">
               <a:rPr lang="en-US" smtClean="0"/>
-              <a:t>10/16/2023</a:t>
+              <a:t>10/23/2023</a:t>
             </a:fld>
             <a:endParaRPr lang="en-US"/>
           </a:p>
@@ -413,7 +415,7 @@
           <a:p>
             <a:fld id="{80E57041-87B6-43BA-9C6F-F6D6CF9D7954}" type="datetimeFigureOut">
               <a:rPr lang="en-US" smtClean="0"/>
-              <a:t>10/16/2023</a:t>
+              <a:t>10/23/2023</a:t>
             </a:fld>
             <a:endParaRPr lang="en-US"/>
           </a:p>
@@ -593,7 +595,7 @@
           <a:p>
             <a:fld id="{80E57041-87B6-43BA-9C6F-F6D6CF9D7954}" type="datetimeFigureOut">
               <a:rPr lang="en-US" smtClean="0"/>
-              <a:t>10/16/2023</a:t>
+              <a:t>10/23/2023</a:t>
             </a:fld>
             <a:endParaRPr lang="en-US"/>
           </a:p>
@@ -763,7 +765,7 @@
           <a:p>
             <a:fld id="{80E57041-87B6-43BA-9C6F-F6D6CF9D7954}" type="datetimeFigureOut">
               <a:rPr lang="en-US" smtClean="0"/>
-              <a:t>10/16/2023</a:t>
+              <a:t>10/23/2023</a:t>
             </a:fld>
             <a:endParaRPr lang="en-US"/>
           </a:p>
@@ -1009,7 +1011,7 @@
           <a:p>
             <a:fld id="{80E57041-87B6-43BA-9C6F-F6D6CF9D7954}" type="datetimeFigureOut">
               <a:rPr lang="en-US" smtClean="0"/>
-              <a:t>10/16/2023</a:t>
+              <a:t>10/23/2023</a:t>
             </a:fld>
             <a:endParaRPr lang="en-US"/>
           </a:p>
@@ -1241,7 +1243,7 @@
           <a:p>
             <a:fld id="{80E57041-87B6-43BA-9C6F-F6D6CF9D7954}" type="datetimeFigureOut">
               <a:rPr lang="en-US" smtClean="0"/>
-              <a:t>10/16/2023</a:t>
+              <a:t>10/23/2023</a:t>
             </a:fld>
             <a:endParaRPr lang="en-US"/>
           </a:p>
@@ -1608,7 +1610,7 @@
           <a:p>
             <a:fld id="{80E57041-87B6-43BA-9C6F-F6D6CF9D7954}" type="datetimeFigureOut">
               <a:rPr lang="en-US" smtClean="0"/>
-              <a:t>10/16/2023</a:t>
+              <a:t>10/23/2023</a:t>
             </a:fld>
             <a:endParaRPr lang="en-US"/>
           </a:p>
@@ -1726,7 +1728,7 @@
           <a:p>
             <a:fld id="{80E57041-87B6-43BA-9C6F-F6D6CF9D7954}" type="datetimeFigureOut">
               <a:rPr lang="en-US" smtClean="0"/>
-              <a:t>10/16/2023</a:t>
+              <a:t>10/23/2023</a:t>
             </a:fld>
             <a:endParaRPr lang="en-US"/>
           </a:p>
@@ -1821,7 +1823,7 @@
           <a:p>
             <a:fld id="{80E57041-87B6-43BA-9C6F-F6D6CF9D7954}" type="datetimeFigureOut">
               <a:rPr lang="en-US" smtClean="0"/>
-              <a:t>10/16/2023</a:t>
+              <a:t>10/23/2023</a:t>
             </a:fld>
             <a:endParaRPr lang="en-US"/>
           </a:p>
@@ -2098,7 +2100,7 @@
           <a:p>
             <a:fld id="{80E57041-87B6-43BA-9C6F-F6D6CF9D7954}" type="datetimeFigureOut">
               <a:rPr lang="en-US" smtClean="0"/>
-              <a:t>10/16/2023</a:t>
+              <a:t>10/23/2023</a:t>
             </a:fld>
             <a:endParaRPr lang="en-US"/>
           </a:p>
@@ -2355,7 +2357,7 @@
           <a:p>
             <a:fld id="{80E57041-87B6-43BA-9C6F-F6D6CF9D7954}" type="datetimeFigureOut">
               <a:rPr lang="en-US" smtClean="0"/>
-              <a:t>10/16/2023</a:t>
+              <a:t>10/23/2023</a:t>
             </a:fld>
             <a:endParaRPr lang="en-US"/>
           </a:p>
@@ -2568,7 +2570,7 @@
           <a:p>
             <a:fld id="{80E57041-87B6-43BA-9C6F-F6D6CF9D7954}" type="datetimeFigureOut">
               <a:rPr lang="en-US" smtClean="0"/>
-              <a:t>10/16/2023</a:t>
+              <a:t>10/23/2023</a:t>
             </a:fld>
             <a:endParaRPr lang="en-US"/>
           </a:p>
@@ -4143,10 +4145,4630 @@
           </a:p>
         </p:txBody>
       </p:sp>
+      <p:cxnSp>
+        <p:nvCxnSpPr>
+          <p:cNvPr id="2" name="Connector: Curved 1">
+            <a:extLst>
+              <a:ext uri="{FF2B5EF4-FFF2-40B4-BE49-F238E27FC236}">
+                <a16:creationId xmlns:a16="http://schemas.microsoft.com/office/drawing/2014/main" id="{F2169F01-9A5F-0F01-3122-524A439ED708}"/>
+              </a:ext>
+            </a:extLst>
+          </p:cNvPr>
+          <p:cNvCxnSpPr>
+            <a:cxnSpLocks/>
+            <a:stCxn id="19" idx="2"/>
+            <a:endCxn id="22" idx="3"/>
+          </p:cNvCxnSpPr>
+          <p:nvPr/>
+        </p:nvCxnSpPr>
+        <p:spPr>
+          <a:xfrm rot="5400000">
+            <a:off x="6235768" y="1747688"/>
+            <a:ext cx="278129" cy="780732"/>
+          </a:xfrm>
+          <a:prstGeom prst="curvedConnector2">
+            <a:avLst/>
+          </a:prstGeom>
+          <a:ln w="28575">
+            <a:solidFill>
+              <a:srgbClr val="FF0000"/>
+            </a:solidFill>
+            <a:prstDash val="dash"/>
+          </a:ln>
+        </p:spPr>
+        <p:style>
+          <a:lnRef idx="1">
+            <a:schemeClr val="accent1"/>
+          </a:lnRef>
+          <a:fillRef idx="0">
+            <a:schemeClr val="accent1"/>
+          </a:fillRef>
+          <a:effectRef idx="0">
+            <a:schemeClr val="accent1"/>
+          </a:effectRef>
+          <a:fontRef idx="minor">
+            <a:schemeClr val="tx1"/>
+          </a:fontRef>
+        </p:style>
+      </p:cxnSp>
+      <p:cxnSp>
+        <p:nvCxnSpPr>
+          <p:cNvPr id="7" name="Connector: Curved 6">
+            <a:extLst>
+              <a:ext uri="{FF2B5EF4-FFF2-40B4-BE49-F238E27FC236}">
+                <a16:creationId xmlns:a16="http://schemas.microsoft.com/office/drawing/2014/main" id="{D96DAF32-A5B5-A64C-8A4B-825C90A62DD8}"/>
+              </a:ext>
+            </a:extLst>
+          </p:cNvPr>
+          <p:cNvCxnSpPr>
+            <a:cxnSpLocks/>
+            <a:stCxn id="27" idx="0"/>
+          </p:cNvCxnSpPr>
+          <p:nvPr/>
+        </p:nvCxnSpPr>
+        <p:spPr>
+          <a:xfrm rot="16200000" flipV="1">
+            <a:off x="6641482" y="532856"/>
+            <a:ext cx="435464" cy="1526424"/>
+          </a:xfrm>
+          <a:prstGeom prst="curvedConnector2">
+            <a:avLst/>
+          </a:prstGeom>
+          <a:ln w="28575">
+            <a:solidFill>
+              <a:srgbClr val="FF0000"/>
+            </a:solidFill>
+            <a:prstDash val="dash"/>
+          </a:ln>
+        </p:spPr>
+        <p:style>
+          <a:lnRef idx="1">
+            <a:schemeClr val="accent1"/>
+          </a:lnRef>
+          <a:fillRef idx="0">
+            <a:schemeClr val="accent1"/>
+          </a:fillRef>
+          <a:effectRef idx="0">
+            <a:schemeClr val="accent1"/>
+          </a:effectRef>
+          <a:fontRef idx="minor">
+            <a:schemeClr val="tx1"/>
+          </a:fontRef>
+        </p:style>
+      </p:cxnSp>
+      <p:cxnSp>
+        <p:nvCxnSpPr>
+          <p:cNvPr id="31" name="Connector: Curved 30">
+            <a:extLst>
+              <a:ext uri="{FF2B5EF4-FFF2-40B4-BE49-F238E27FC236}">
+                <a16:creationId xmlns:a16="http://schemas.microsoft.com/office/drawing/2014/main" id="{FB93E8EF-F9F4-A318-10DE-B5B1CF0ED2D0}"/>
+              </a:ext>
+            </a:extLst>
+          </p:cNvPr>
+          <p:cNvCxnSpPr>
+            <a:cxnSpLocks/>
+            <a:stCxn id="18" idx="2"/>
+            <a:endCxn id="20" idx="2"/>
+          </p:cNvCxnSpPr>
+          <p:nvPr/>
+        </p:nvCxnSpPr>
+        <p:spPr>
+          <a:xfrm rot="5400000">
+            <a:off x="4064896" y="373503"/>
+            <a:ext cx="12700" cy="2419176"/>
+          </a:xfrm>
+          <a:prstGeom prst="curvedConnector3">
+            <a:avLst>
+              <a:gd name="adj1" fmla="val 1800000"/>
+            </a:avLst>
+          </a:prstGeom>
+          <a:ln w="28575">
+            <a:solidFill>
+              <a:srgbClr val="FF0000"/>
+            </a:solidFill>
+            <a:prstDash val="dash"/>
+          </a:ln>
+        </p:spPr>
+        <p:style>
+          <a:lnRef idx="1">
+            <a:schemeClr val="accent1"/>
+          </a:lnRef>
+          <a:fillRef idx="0">
+            <a:schemeClr val="accent1"/>
+          </a:fillRef>
+          <a:effectRef idx="0">
+            <a:schemeClr val="accent1"/>
+          </a:effectRef>
+          <a:fontRef idx="minor">
+            <a:schemeClr val="tx1"/>
+          </a:fontRef>
+        </p:style>
+      </p:cxnSp>
+      <p:cxnSp>
+        <p:nvCxnSpPr>
+          <p:cNvPr id="34" name="Connector: Curved 33">
+            <a:extLst>
+              <a:ext uri="{FF2B5EF4-FFF2-40B4-BE49-F238E27FC236}">
+                <a16:creationId xmlns:a16="http://schemas.microsoft.com/office/drawing/2014/main" id="{08EC3387-D3A0-5C2D-2F3B-52CB38972E14}"/>
+              </a:ext>
+            </a:extLst>
+          </p:cNvPr>
+          <p:cNvCxnSpPr>
+            <a:cxnSpLocks/>
+            <a:stCxn id="17" idx="2"/>
+            <a:endCxn id="21" idx="1"/>
+          </p:cNvCxnSpPr>
+          <p:nvPr/>
+        </p:nvCxnSpPr>
+        <p:spPr>
+          <a:xfrm rot="16200000" flipH="1">
+            <a:off x="2620421" y="2318155"/>
+            <a:ext cx="349219" cy="619055"/>
+          </a:xfrm>
+          <a:prstGeom prst="curvedConnector2">
+            <a:avLst/>
+          </a:prstGeom>
+          <a:ln w="28575">
+            <a:solidFill>
+              <a:srgbClr val="FF0000"/>
+            </a:solidFill>
+            <a:prstDash val="dash"/>
+          </a:ln>
+        </p:spPr>
+        <p:style>
+          <a:lnRef idx="1">
+            <a:schemeClr val="accent1"/>
+          </a:lnRef>
+          <a:fillRef idx="0">
+            <a:schemeClr val="accent1"/>
+          </a:fillRef>
+          <a:effectRef idx="0">
+            <a:schemeClr val="accent1"/>
+          </a:effectRef>
+          <a:fontRef idx="minor">
+            <a:schemeClr val="tx1"/>
+          </a:fontRef>
+        </p:style>
+      </p:cxnSp>
+      <p:cxnSp>
+        <p:nvCxnSpPr>
+          <p:cNvPr id="37" name="Connector: Curved 36">
+            <a:extLst>
+              <a:ext uri="{FF2B5EF4-FFF2-40B4-BE49-F238E27FC236}">
+                <a16:creationId xmlns:a16="http://schemas.microsoft.com/office/drawing/2014/main" id="{19D38EAA-B0E8-6E54-0D54-4A9BFC681689}"/>
+              </a:ext>
+            </a:extLst>
+          </p:cNvPr>
+          <p:cNvCxnSpPr>
+            <a:cxnSpLocks/>
+            <a:stCxn id="13" idx="1"/>
+            <a:endCxn id="24" idx="1"/>
+          </p:cNvCxnSpPr>
+          <p:nvPr/>
+        </p:nvCxnSpPr>
+        <p:spPr>
+          <a:xfrm rot="10800000" flipV="1">
+            <a:off x="7248767" y="4335184"/>
+            <a:ext cx="373658" cy="598465"/>
+          </a:xfrm>
+          <a:prstGeom prst="curvedConnector3">
+            <a:avLst>
+              <a:gd name="adj1" fmla="val 137873"/>
+            </a:avLst>
+          </a:prstGeom>
+          <a:ln w="28575">
+            <a:solidFill>
+              <a:srgbClr val="FF0000"/>
+            </a:solidFill>
+            <a:prstDash val="dash"/>
+          </a:ln>
+        </p:spPr>
+        <p:style>
+          <a:lnRef idx="1">
+            <a:schemeClr val="accent1"/>
+          </a:lnRef>
+          <a:fillRef idx="0">
+            <a:schemeClr val="accent1"/>
+          </a:fillRef>
+          <a:effectRef idx="0">
+            <a:schemeClr val="accent1"/>
+          </a:effectRef>
+          <a:fontRef idx="minor">
+            <a:schemeClr val="tx1"/>
+          </a:fontRef>
+        </p:style>
+      </p:cxnSp>
+      <p:cxnSp>
+        <p:nvCxnSpPr>
+          <p:cNvPr id="45" name="Connector: Curved 44">
+            <a:extLst>
+              <a:ext uri="{FF2B5EF4-FFF2-40B4-BE49-F238E27FC236}">
+                <a16:creationId xmlns:a16="http://schemas.microsoft.com/office/drawing/2014/main" id="{8462E232-ECDC-5569-1137-F1A7E8E660B7}"/>
+              </a:ext>
+            </a:extLst>
+          </p:cNvPr>
+          <p:cNvCxnSpPr>
+            <a:cxnSpLocks/>
+            <a:stCxn id="4" idx="2"/>
+            <a:endCxn id="11" idx="0"/>
+          </p:cNvCxnSpPr>
+          <p:nvPr/>
+        </p:nvCxnSpPr>
+        <p:spPr>
+          <a:xfrm rot="5400000">
+            <a:off x="9894548" y="1436411"/>
+            <a:ext cx="727616" cy="468609"/>
+          </a:xfrm>
+          <a:prstGeom prst="curvedConnector3">
+            <a:avLst>
+              <a:gd name="adj1" fmla="val 50000"/>
+            </a:avLst>
+          </a:prstGeom>
+          <a:ln w="28575">
+            <a:solidFill>
+              <a:srgbClr val="FF0000"/>
+            </a:solidFill>
+            <a:prstDash val="dash"/>
+          </a:ln>
+        </p:spPr>
+        <p:style>
+          <a:lnRef idx="1">
+            <a:schemeClr val="accent1"/>
+          </a:lnRef>
+          <a:fillRef idx="0">
+            <a:schemeClr val="accent1"/>
+          </a:fillRef>
+          <a:effectRef idx="0">
+            <a:schemeClr val="accent1"/>
+          </a:effectRef>
+          <a:fontRef idx="minor">
+            <a:schemeClr val="tx1"/>
+          </a:fontRef>
+        </p:style>
+      </p:cxnSp>
+      <p:cxnSp>
+        <p:nvCxnSpPr>
+          <p:cNvPr id="49" name="Connector: Curved 48">
+            <a:extLst>
+              <a:ext uri="{FF2B5EF4-FFF2-40B4-BE49-F238E27FC236}">
+                <a16:creationId xmlns:a16="http://schemas.microsoft.com/office/drawing/2014/main" id="{2CFE6787-EF39-40A0-43E0-6ED6D6FABD19}"/>
+              </a:ext>
+            </a:extLst>
+          </p:cNvPr>
+          <p:cNvCxnSpPr>
+            <a:cxnSpLocks/>
+            <a:stCxn id="12" idx="2"/>
+            <a:endCxn id="23" idx="3"/>
+          </p:cNvCxnSpPr>
+          <p:nvPr/>
+        </p:nvCxnSpPr>
+        <p:spPr>
+          <a:xfrm rot="5400000">
+            <a:off x="9567588" y="592794"/>
+            <a:ext cx="389979" cy="423421"/>
+          </a:xfrm>
+          <a:prstGeom prst="curvedConnector2">
+            <a:avLst/>
+          </a:prstGeom>
+          <a:ln w="28575">
+            <a:solidFill>
+              <a:srgbClr val="FF0000"/>
+            </a:solidFill>
+            <a:prstDash val="dash"/>
+          </a:ln>
+        </p:spPr>
+        <p:style>
+          <a:lnRef idx="1">
+            <a:schemeClr val="accent1"/>
+          </a:lnRef>
+          <a:fillRef idx="0">
+            <a:schemeClr val="accent1"/>
+          </a:fillRef>
+          <a:effectRef idx="0">
+            <a:schemeClr val="accent1"/>
+          </a:effectRef>
+          <a:fontRef idx="minor">
+            <a:schemeClr val="tx1"/>
+          </a:fontRef>
+        </p:style>
+      </p:cxnSp>
+      <p:cxnSp>
+        <p:nvCxnSpPr>
+          <p:cNvPr id="52" name="Connector: Curved 51">
+            <a:extLst>
+              <a:ext uri="{FF2B5EF4-FFF2-40B4-BE49-F238E27FC236}">
+                <a16:creationId xmlns:a16="http://schemas.microsoft.com/office/drawing/2014/main" id="{5CAE820E-FA08-AAEC-036F-A0E9F42299B2}"/>
+              </a:ext>
+            </a:extLst>
+          </p:cNvPr>
+          <p:cNvCxnSpPr>
+            <a:cxnSpLocks/>
+            <a:stCxn id="27" idx="2"/>
+            <a:endCxn id="19" idx="2"/>
+          </p:cNvCxnSpPr>
+          <p:nvPr/>
+        </p:nvCxnSpPr>
+        <p:spPr>
+          <a:xfrm rot="5400000">
+            <a:off x="7072515" y="1449078"/>
+            <a:ext cx="242595" cy="857228"/>
+          </a:xfrm>
+          <a:prstGeom prst="curvedConnector3">
+            <a:avLst>
+              <a:gd name="adj1" fmla="val 194231"/>
+            </a:avLst>
+          </a:prstGeom>
+          <a:ln w="28575">
+            <a:solidFill>
+              <a:srgbClr val="FF0000"/>
+            </a:solidFill>
+            <a:prstDash val="dash"/>
+          </a:ln>
+        </p:spPr>
+        <p:style>
+          <a:lnRef idx="1">
+            <a:schemeClr val="accent1"/>
+          </a:lnRef>
+          <a:fillRef idx="0">
+            <a:schemeClr val="accent1"/>
+          </a:fillRef>
+          <a:effectRef idx="0">
+            <a:schemeClr val="accent1"/>
+          </a:effectRef>
+          <a:fontRef idx="minor">
+            <a:schemeClr val="tx1"/>
+          </a:fontRef>
+        </p:style>
+      </p:cxnSp>
+      <p:cxnSp>
+        <p:nvCxnSpPr>
+          <p:cNvPr id="57" name="Connector: Curved 56">
+            <a:extLst>
+              <a:ext uri="{FF2B5EF4-FFF2-40B4-BE49-F238E27FC236}">
+                <a16:creationId xmlns:a16="http://schemas.microsoft.com/office/drawing/2014/main" id="{C8C9F0FF-3A97-2FD5-9C2D-786A8E841922}"/>
+              </a:ext>
+            </a:extLst>
+          </p:cNvPr>
+          <p:cNvCxnSpPr>
+            <a:cxnSpLocks/>
+            <a:stCxn id="14" idx="3"/>
+            <a:endCxn id="26" idx="1"/>
+          </p:cNvCxnSpPr>
+          <p:nvPr/>
+        </p:nvCxnSpPr>
+        <p:spPr>
+          <a:xfrm>
+            <a:off x="8609654" y="5654350"/>
+            <a:ext cx="990975" cy="121295"/>
+          </a:xfrm>
+          <a:prstGeom prst="curvedConnector3">
+            <a:avLst>
+              <a:gd name="adj1" fmla="val 50000"/>
+            </a:avLst>
+          </a:prstGeom>
+          <a:ln w="28575">
+            <a:solidFill>
+              <a:srgbClr val="FF0000"/>
+            </a:solidFill>
+            <a:prstDash val="dash"/>
+          </a:ln>
+        </p:spPr>
+        <p:style>
+          <a:lnRef idx="1">
+            <a:schemeClr val="accent1"/>
+          </a:lnRef>
+          <a:fillRef idx="0">
+            <a:schemeClr val="accent1"/>
+          </a:fillRef>
+          <a:effectRef idx="0">
+            <a:schemeClr val="accent1"/>
+          </a:effectRef>
+          <a:fontRef idx="minor">
+            <a:schemeClr val="tx1"/>
+          </a:fontRef>
+        </p:style>
+      </p:cxnSp>
+      <p:cxnSp>
+        <p:nvCxnSpPr>
+          <p:cNvPr id="61" name="Connector: Curved 60">
+            <a:extLst>
+              <a:ext uri="{FF2B5EF4-FFF2-40B4-BE49-F238E27FC236}">
+                <a16:creationId xmlns:a16="http://schemas.microsoft.com/office/drawing/2014/main" id="{25B93136-546B-C819-2AC4-2CC9E288841C}"/>
+              </a:ext>
+            </a:extLst>
+          </p:cNvPr>
+          <p:cNvCxnSpPr>
+            <a:cxnSpLocks/>
+            <a:stCxn id="25" idx="3"/>
+            <a:endCxn id="15" idx="3"/>
+          </p:cNvCxnSpPr>
+          <p:nvPr/>
+        </p:nvCxnSpPr>
+        <p:spPr>
+          <a:xfrm flipH="1">
+            <a:off x="10078271" y="4772793"/>
+            <a:ext cx="40730" cy="1394785"/>
+          </a:xfrm>
+          <a:prstGeom prst="curvedConnector3">
+            <a:avLst>
+              <a:gd name="adj1" fmla="val -1324874"/>
+            </a:avLst>
+          </a:prstGeom>
+          <a:ln w="28575">
+            <a:solidFill>
+              <a:srgbClr val="FF0000"/>
+            </a:solidFill>
+            <a:prstDash val="dash"/>
+          </a:ln>
+        </p:spPr>
+        <p:style>
+          <a:lnRef idx="1">
+            <a:schemeClr val="accent1"/>
+          </a:lnRef>
+          <a:fillRef idx="0">
+            <a:schemeClr val="accent1"/>
+          </a:fillRef>
+          <a:effectRef idx="0">
+            <a:schemeClr val="accent1"/>
+          </a:effectRef>
+          <a:fontRef idx="minor">
+            <a:schemeClr val="tx1"/>
+          </a:fontRef>
+        </p:style>
+      </p:cxnSp>
     </p:spTree>
     <p:extLst>
       <p:ext uri="{BB962C8B-B14F-4D97-AF65-F5344CB8AC3E}">
         <p14:creationId xmlns:p14="http://schemas.microsoft.com/office/powerpoint/2010/main" val="4242607775"/>
+      </p:ext>
+    </p:extLst>
+  </p:cSld>
+  <p:clrMapOvr>
+    <a:masterClrMapping/>
+  </p:clrMapOvr>
+</p:sld>
+</file>
+
+<file path=ppt/slides/slide2.xml><?xml version="1.0" encoding="utf-8"?>
+<p:sld xmlns:a="http://schemas.openxmlformats.org/drawingml/2006/main" xmlns:r="http://schemas.openxmlformats.org/officeDocument/2006/relationships" xmlns:p="http://schemas.openxmlformats.org/presentationml/2006/main">
+  <p:cSld>
+    <p:spTree>
+      <p:nvGrpSpPr>
+        <p:cNvPr id="1" name=""/>
+        <p:cNvGrpSpPr/>
+        <p:nvPr/>
+      </p:nvGrpSpPr>
+      <p:grpSpPr>
+        <a:xfrm>
+          <a:off x="0" y="0"/>
+          <a:ext cx="0" cy="0"/>
+          <a:chOff x="0" y="0"/>
+          <a:chExt cx="0" cy="0"/>
+        </a:xfrm>
+      </p:grpSpPr>
+      <p:pic>
+        <p:nvPicPr>
+          <p:cNvPr id="5" name="Picture 4" descr="A close-up of a structure&#10;&#10;Description automatically generated">
+            <a:extLst>
+              <a:ext uri="{FF2B5EF4-FFF2-40B4-BE49-F238E27FC236}">
+                <a16:creationId xmlns:a16="http://schemas.microsoft.com/office/drawing/2014/main" id="{966329BA-6433-077A-38D5-8150DDD37FCD}"/>
+              </a:ext>
+            </a:extLst>
+          </p:cNvPr>
+          <p:cNvPicPr>
+            <a:picLocks noChangeAspect="1"/>
+          </p:cNvPicPr>
+          <p:nvPr/>
+        </p:nvPicPr>
+        <p:blipFill>
+          <a:blip r:embed="rId2">
+            <a:extLst>
+              <a:ext uri="{28A0092B-C50C-407E-A947-70E740481C1C}">
+                <a14:useLocalDpi xmlns:a14="http://schemas.microsoft.com/office/drawing/2010/main" val="0"/>
+              </a:ext>
+            </a:extLst>
+          </a:blip>
+          <a:stretch>
+            <a:fillRect/>
+          </a:stretch>
+        </p:blipFill>
+        <p:spPr>
+          <a:xfrm>
+            <a:off x="2794687" y="0"/>
+            <a:ext cx="9397313" cy="6858000"/>
+          </a:xfrm>
+          <a:prstGeom prst="rect">
+            <a:avLst/>
+          </a:prstGeom>
+        </p:spPr>
+      </p:pic>
+      <p:sp>
+        <p:nvSpPr>
+          <p:cNvPr id="6" name="Rectangle: Rounded Corners 5">
+            <a:extLst>
+              <a:ext uri="{FF2B5EF4-FFF2-40B4-BE49-F238E27FC236}">
+                <a16:creationId xmlns:a16="http://schemas.microsoft.com/office/drawing/2014/main" id="{9074C17D-D5F3-73E0-5904-97597C957989}"/>
+              </a:ext>
+            </a:extLst>
+          </p:cNvPr>
+          <p:cNvSpPr/>
+          <p:nvPr/>
+        </p:nvSpPr>
+        <p:spPr>
+          <a:xfrm>
+            <a:off x="5601493" y="904193"/>
+            <a:ext cx="747317" cy="242595"/>
+          </a:xfrm>
+          <a:prstGeom prst="roundRect">
+            <a:avLst>
+              <a:gd name="adj" fmla="val 50000"/>
+            </a:avLst>
+          </a:prstGeom>
+          <a:solidFill>
+            <a:srgbClr val="FFFF00"/>
+          </a:solidFill>
+          <a:ln>
+            <a:solidFill>
+              <a:srgbClr val="7030A0"/>
+            </a:solidFill>
+          </a:ln>
+        </p:spPr>
+        <p:style>
+          <a:lnRef idx="2">
+            <a:schemeClr val="accent4">
+              <a:shade val="15000"/>
+            </a:schemeClr>
+          </a:lnRef>
+          <a:fillRef idx="1">
+            <a:schemeClr val="accent4"/>
+          </a:fillRef>
+          <a:effectRef idx="0">
+            <a:schemeClr val="accent4"/>
+          </a:effectRef>
+          <a:fontRef idx="minor">
+            <a:schemeClr val="lt1"/>
+          </a:fontRef>
+        </p:style>
+        <p:txBody>
+          <a:bodyPr rtlCol="0" anchor="ctr"/>
+          <a:lstStyle/>
+          <a:p>
+            <a:pPr algn="ctr"/>
+            <a:r>
+              <a:rPr lang="en-US" sz="1600" dirty="0">
+                <a:solidFill>
+                  <a:srgbClr val="7030A0"/>
+                </a:solidFill>
+              </a:rPr>
+              <a:t>R226</a:t>
+            </a:r>
+          </a:p>
+        </p:txBody>
+      </p:sp>
+      <p:sp>
+        <p:nvSpPr>
+          <p:cNvPr id="7" name="Rectangle: Rounded Corners 6">
+            <a:extLst>
+              <a:ext uri="{FF2B5EF4-FFF2-40B4-BE49-F238E27FC236}">
+                <a16:creationId xmlns:a16="http://schemas.microsoft.com/office/drawing/2014/main" id="{1B8017F8-36C1-AA8A-5C98-C5E1AFFADCFD}"/>
+              </a:ext>
+            </a:extLst>
+          </p:cNvPr>
+          <p:cNvSpPr/>
+          <p:nvPr/>
+        </p:nvSpPr>
+        <p:spPr>
+          <a:xfrm>
+            <a:off x="6746026" y="2449965"/>
+            <a:ext cx="747317" cy="242595"/>
+          </a:xfrm>
+          <a:prstGeom prst="roundRect">
+            <a:avLst>
+              <a:gd name="adj" fmla="val 50000"/>
+            </a:avLst>
+          </a:prstGeom>
+          <a:solidFill>
+            <a:srgbClr val="FFFF00"/>
+          </a:solidFill>
+          <a:ln>
+            <a:solidFill>
+              <a:srgbClr val="7030A0"/>
+            </a:solidFill>
+          </a:ln>
+        </p:spPr>
+        <p:style>
+          <a:lnRef idx="2">
+            <a:schemeClr val="accent4">
+              <a:shade val="15000"/>
+            </a:schemeClr>
+          </a:lnRef>
+          <a:fillRef idx="1">
+            <a:schemeClr val="accent4"/>
+          </a:fillRef>
+          <a:effectRef idx="0">
+            <a:schemeClr val="accent4"/>
+          </a:effectRef>
+          <a:fontRef idx="minor">
+            <a:schemeClr val="lt1"/>
+          </a:fontRef>
+        </p:style>
+        <p:txBody>
+          <a:bodyPr rtlCol="0" anchor="ctr"/>
+          <a:lstStyle/>
+          <a:p>
+            <a:pPr algn="ctr"/>
+            <a:r>
+              <a:rPr lang="en-US" sz="1600" dirty="0">
+                <a:solidFill>
+                  <a:srgbClr val="7030A0"/>
+                </a:solidFill>
+              </a:rPr>
+              <a:t>I320</a:t>
+            </a:r>
+          </a:p>
+        </p:txBody>
+      </p:sp>
+      <p:sp>
+        <p:nvSpPr>
+          <p:cNvPr id="8" name="Rectangle: Rounded Corners 7">
+            <a:extLst>
+              <a:ext uri="{FF2B5EF4-FFF2-40B4-BE49-F238E27FC236}">
+                <a16:creationId xmlns:a16="http://schemas.microsoft.com/office/drawing/2014/main" id="{E05FF7AE-F4CA-18BE-5E4A-8DC57F844BC0}"/>
+              </a:ext>
+            </a:extLst>
+          </p:cNvPr>
+          <p:cNvSpPr/>
+          <p:nvPr/>
+        </p:nvSpPr>
+        <p:spPr>
+          <a:xfrm>
+            <a:off x="6898448" y="3787353"/>
+            <a:ext cx="747317" cy="242595"/>
+          </a:xfrm>
+          <a:prstGeom prst="roundRect">
+            <a:avLst>
+              <a:gd name="adj" fmla="val 50000"/>
+            </a:avLst>
+          </a:prstGeom>
+          <a:solidFill>
+            <a:srgbClr val="FFFF00"/>
+          </a:solidFill>
+          <a:ln>
+            <a:solidFill>
+              <a:srgbClr val="7030A0"/>
+            </a:solidFill>
+          </a:ln>
+        </p:spPr>
+        <p:style>
+          <a:lnRef idx="2">
+            <a:schemeClr val="accent4">
+              <a:shade val="15000"/>
+            </a:schemeClr>
+          </a:lnRef>
+          <a:fillRef idx="1">
+            <a:schemeClr val="accent4"/>
+          </a:fillRef>
+          <a:effectRef idx="0">
+            <a:schemeClr val="accent4"/>
+          </a:effectRef>
+          <a:fontRef idx="minor">
+            <a:schemeClr val="lt1"/>
+          </a:fontRef>
+        </p:style>
+        <p:txBody>
+          <a:bodyPr rtlCol="0" anchor="ctr"/>
+          <a:lstStyle/>
+          <a:p>
+            <a:pPr algn="ctr"/>
+            <a:r>
+              <a:rPr lang="en-US" sz="1600" dirty="0">
+                <a:solidFill>
+                  <a:srgbClr val="7030A0"/>
+                </a:solidFill>
+              </a:rPr>
+              <a:t>R319</a:t>
+            </a:r>
+          </a:p>
+        </p:txBody>
+      </p:sp>
+      <p:sp>
+        <p:nvSpPr>
+          <p:cNvPr id="9" name="Rectangle: Rounded Corners 8">
+            <a:extLst>
+              <a:ext uri="{FF2B5EF4-FFF2-40B4-BE49-F238E27FC236}">
+                <a16:creationId xmlns:a16="http://schemas.microsoft.com/office/drawing/2014/main" id="{2D1CD9FE-0080-DC5E-EFD4-C72904905792}"/>
+              </a:ext>
+            </a:extLst>
+          </p:cNvPr>
+          <p:cNvSpPr/>
+          <p:nvPr/>
+        </p:nvSpPr>
+        <p:spPr>
+          <a:xfrm>
+            <a:off x="2556604" y="2207370"/>
+            <a:ext cx="747317" cy="242595"/>
+          </a:xfrm>
+          <a:prstGeom prst="roundRect">
+            <a:avLst>
+              <a:gd name="adj" fmla="val 50000"/>
+            </a:avLst>
+          </a:prstGeom>
+          <a:solidFill>
+            <a:srgbClr val="FFFF00"/>
+          </a:solidFill>
+          <a:ln>
+            <a:solidFill>
+              <a:srgbClr val="7030A0"/>
+            </a:solidFill>
+          </a:ln>
+        </p:spPr>
+        <p:style>
+          <a:lnRef idx="2">
+            <a:schemeClr val="accent4">
+              <a:shade val="15000"/>
+            </a:schemeClr>
+          </a:lnRef>
+          <a:fillRef idx="1">
+            <a:schemeClr val="accent4"/>
+          </a:fillRef>
+          <a:effectRef idx="0">
+            <a:schemeClr val="accent4"/>
+          </a:effectRef>
+          <a:fontRef idx="minor">
+            <a:schemeClr val="lt1"/>
+          </a:fontRef>
+        </p:style>
+        <p:txBody>
+          <a:bodyPr rtlCol="0" anchor="ctr"/>
+          <a:lstStyle/>
+          <a:p>
+            <a:pPr algn="ctr"/>
+            <a:r>
+              <a:rPr lang="en-US" sz="1600" dirty="0">
+                <a:solidFill>
+                  <a:srgbClr val="7030A0"/>
+                </a:solidFill>
+              </a:rPr>
+              <a:t>F403</a:t>
+            </a:r>
+          </a:p>
+        </p:txBody>
+      </p:sp>
+      <p:sp>
+        <p:nvSpPr>
+          <p:cNvPr id="10" name="Rectangle: Rounded Corners 9">
+            <a:extLst>
+              <a:ext uri="{FF2B5EF4-FFF2-40B4-BE49-F238E27FC236}">
+                <a16:creationId xmlns:a16="http://schemas.microsoft.com/office/drawing/2014/main" id="{D6DED21F-1655-6254-4370-0ADBD9A5489D}"/>
+              </a:ext>
+            </a:extLst>
+          </p:cNvPr>
+          <p:cNvSpPr/>
+          <p:nvPr/>
+        </p:nvSpPr>
+        <p:spPr>
+          <a:xfrm>
+            <a:off x="2086416" y="3615613"/>
+            <a:ext cx="747317" cy="242595"/>
+          </a:xfrm>
+          <a:prstGeom prst="roundRect">
+            <a:avLst>
+              <a:gd name="adj" fmla="val 50000"/>
+            </a:avLst>
+          </a:prstGeom>
+          <a:solidFill>
+            <a:srgbClr val="FFFF00"/>
+          </a:solidFill>
+          <a:ln>
+            <a:solidFill>
+              <a:srgbClr val="7030A0"/>
+            </a:solidFill>
+          </a:ln>
+        </p:spPr>
+        <p:style>
+          <a:lnRef idx="2">
+            <a:schemeClr val="accent4">
+              <a:shade val="15000"/>
+            </a:schemeClr>
+          </a:lnRef>
+          <a:fillRef idx="1">
+            <a:schemeClr val="accent4"/>
+          </a:fillRef>
+          <a:effectRef idx="0">
+            <a:schemeClr val="accent4"/>
+          </a:effectRef>
+          <a:fontRef idx="minor">
+            <a:schemeClr val="lt1"/>
+          </a:fontRef>
+        </p:style>
+        <p:txBody>
+          <a:bodyPr rtlCol="0" anchor="ctr"/>
+          <a:lstStyle/>
+          <a:p>
+            <a:pPr algn="ctr"/>
+            <a:r>
+              <a:rPr lang="en-US" sz="1600" dirty="0">
+                <a:solidFill>
+                  <a:srgbClr val="7030A0"/>
+                </a:solidFill>
+              </a:rPr>
+              <a:t>D401</a:t>
+            </a:r>
+          </a:p>
+        </p:txBody>
+      </p:sp>
+      <p:sp>
+        <p:nvSpPr>
+          <p:cNvPr id="11" name="Rectangle: Rounded Corners 10">
+            <a:extLst>
+              <a:ext uri="{FF2B5EF4-FFF2-40B4-BE49-F238E27FC236}">
+                <a16:creationId xmlns:a16="http://schemas.microsoft.com/office/drawing/2014/main" id="{7FF660EC-17E5-D4A3-73E8-00C091B16391}"/>
+              </a:ext>
+            </a:extLst>
+          </p:cNvPr>
+          <p:cNvSpPr/>
+          <p:nvPr/>
+        </p:nvSpPr>
+        <p:spPr>
+          <a:xfrm>
+            <a:off x="2086416" y="2999792"/>
+            <a:ext cx="747317" cy="242595"/>
+          </a:xfrm>
+          <a:prstGeom prst="roundRect">
+            <a:avLst>
+              <a:gd name="adj" fmla="val 50000"/>
+            </a:avLst>
+          </a:prstGeom>
+          <a:solidFill>
+            <a:srgbClr val="FFFF00"/>
+          </a:solidFill>
+          <a:ln>
+            <a:solidFill>
+              <a:srgbClr val="7030A0"/>
+            </a:solidFill>
+          </a:ln>
+        </p:spPr>
+        <p:style>
+          <a:lnRef idx="2">
+            <a:schemeClr val="accent4">
+              <a:shade val="15000"/>
+            </a:schemeClr>
+          </a:lnRef>
+          <a:fillRef idx="1">
+            <a:schemeClr val="accent4"/>
+          </a:fillRef>
+          <a:effectRef idx="0">
+            <a:schemeClr val="accent4"/>
+          </a:effectRef>
+          <a:fontRef idx="minor">
+            <a:schemeClr val="lt1"/>
+          </a:fontRef>
+        </p:style>
+        <p:txBody>
+          <a:bodyPr rtlCol="0" anchor="ctr"/>
+          <a:lstStyle/>
+          <a:p>
+            <a:pPr algn="ctr"/>
+            <a:r>
+              <a:rPr lang="en-US" sz="1600" dirty="0">
+                <a:solidFill>
+                  <a:srgbClr val="7030A0"/>
+                </a:solidFill>
+              </a:rPr>
+              <a:t>D399</a:t>
+            </a:r>
+          </a:p>
+        </p:txBody>
+      </p:sp>
+      <p:sp>
+        <p:nvSpPr>
+          <p:cNvPr id="12" name="Rectangle: Rounded Corners 11">
+            <a:extLst>
+              <a:ext uri="{FF2B5EF4-FFF2-40B4-BE49-F238E27FC236}">
+                <a16:creationId xmlns:a16="http://schemas.microsoft.com/office/drawing/2014/main" id="{B6DB0EB1-D549-D55A-B304-598C29AB49F8}"/>
+              </a:ext>
+            </a:extLst>
+          </p:cNvPr>
+          <p:cNvSpPr/>
+          <p:nvPr/>
+        </p:nvSpPr>
+        <p:spPr>
+          <a:xfrm>
+            <a:off x="4361476" y="904192"/>
+            <a:ext cx="747317" cy="242595"/>
+          </a:xfrm>
+          <a:prstGeom prst="roundRect">
+            <a:avLst>
+              <a:gd name="adj" fmla="val 50000"/>
+            </a:avLst>
+          </a:prstGeom>
+          <a:solidFill>
+            <a:schemeClr val="accent6"/>
+          </a:solidFill>
+          <a:ln>
+            <a:solidFill>
+              <a:schemeClr val="tx1"/>
+            </a:solidFill>
+          </a:ln>
+        </p:spPr>
+        <p:style>
+          <a:lnRef idx="2">
+            <a:schemeClr val="accent4">
+              <a:shade val="15000"/>
+            </a:schemeClr>
+          </a:lnRef>
+          <a:fillRef idx="1">
+            <a:schemeClr val="accent4"/>
+          </a:fillRef>
+          <a:effectRef idx="0">
+            <a:schemeClr val="accent4"/>
+          </a:effectRef>
+          <a:fontRef idx="minor">
+            <a:schemeClr val="lt1"/>
+          </a:fontRef>
+        </p:style>
+        <p:txBody>
+          <a:bodyPr rtlCol="0" anchor="ctr"/>
+          <a:lstStyle/>
+          <a:p>
+            <a:pPr algn="ctr"/>
+            <a:r>
+              <a:rPr lang="en-US" sz="1600" dirty="0">
+                <a:solidFill>
+                  <a:schemeClr val="tx1"/>
+                </a:solidFill>
+              </a:rPr>
+              <a:t>M72</a:t>
+            </a:r>
+          </a:p>
+        </p:txBody>
+      </p:sp>
+      <p:sp>
+        <p:nvSpPr>
+          <p:cNvPr id="13" name="Rectangle: Rounded Corners 12">
+            <a:extLst>
+              <a:ext uri="{FF2B5EF4-FFF2-40B4-BE49-F238E27FC236}">
+                <a16:creationId xmlns:a16="http://schemas.microsoft.com/office/drawing/2014/main" id="{42ADB851-584A-F1CA-2DC3-EEC22650CA02}"/>
+              </a:ext>
+            </a:extLst>
+          </p:cNvPr>
+          <p:cNvSpPr/>
+          <p:nvPr/>
+        </p:nvSpPr>
+        <p:spPr>
+          <a:xfrm>
+            <a:off x="6054295" y="1929683"/>
+            <a:ext cx="747317" cy="242595"/>
+          </a:xfrm>
+          <a:prstGeom prst="roundRect">
+            <a:avLst>
+              <a:gd name="adj" fmla="val 50000"/>
+            </a:avLst>
+          </a:prstGeom>
+          <a:solidFill>
+            <a:schemeClr val="accent6"/>
+          </a:solidFill>
+          <a:ln>
+            <a:solidFill>
+              <a:schemeClr val="tx1"/>
+            </a:solidFill>
+          </a:ln>
+        </p:spPr>
+        <p:style>
+          <a:lnRef idx="2">
+            <a:schemeClr val="accent4">
+              <a:shade val="15000"/>
+            </a:schemeClr>
+          </a:lnRef>
+          <a:fillRef idx="1">
+            <a:schemeClr val="accent4"/>
+          </a:fillRef>
+          <a:effectRef idx="0">
+            <a:schemeClr val="accent4"/>
+          </a:effectRef>
+          <a:fontRef idx="minor">
+            <a:schemeClr val="lt1"/>
+          </a:fontRef>
+        </p:style>
+        <p:txBody>
+          <a:bodyPr rtlCol="0" anchor="ctr"/>
+          <a:lstStyle/>
+          <a:p>
+            <a:pPr algn="ctr"/>
+            <a:r>
+              <a:rPr lang="en-US" sz="1600" dirty="0">
+                <a:solidFill>
+                  <a:schemeClr val="tx1"/>
+                </a:solidFill>
+              </a:rPr>
+              <a:t>R69</a:t>
+            </a:r>
+          </a:p>
+        </p:txBody>
+      </p:sp>
+      <p:sp>
+        <p:nvSpPr>
+          <p:cNvPr id="14" name="Rectangle: Rounded Corners 13">
+            <a:extLst>
+              <a:ext uri="{FF2B5EF4-FFF2-40B4-BE49-F238E27FC236}">
+                <a16:creationId xmlns:a16="http://schemas.microsoft.com/office/drawing/2014/main" id="{CE424E10-229C-0335-F6D3-956BB88A0FBD}"/>
+              </a:ext>
+            </a:extLst>
+          </p:cNvPr>
+          <p:cNvSpPr/>
+          <p:nvPr/>
+        </p:nvSpPr>
+        <p:spPr>
+          <a:xfrm>
+            <a:off x="4050833" y="2086072"/>
+            <a:ext cx="747317" cy="242595"/>
+          </a:xfrm>
+          <a:prstGeom prst="roundRect">
+            <a:avLst>
+              <a:gd name="adj" fmla="val 50000"/>
+            </a:avLst>
+          </a:prstGeom>
+          <a:solidFill>
+            <a:schemeClr val="accent6"/>
+          </a:solidFill>
+          <a:ln>
+            <a:solidFill>
+              <a:schemeClr val="tx1"/>
+            </a:solidFill>
+          </a:ln>
+        </p:spPr>
+        <p:style>
+          <a:lnRef idx="2">
+            <a:schemeClr val="accent4">
+              <a:shade val="15000"/>
+            </a:schemeClr>
+          </a:lnRef>
+          <a:fillRef idx="1">
+            <a:schemeClr val="accent4"/>
+          </a:fillRef>
+          <a:effectRef idx="0">
+            <a:schemeClr val="accent4"/>
+          </a:effectRef>
+          <a:fontRef idx="minor">
+            <a:schemeClr val="lt1"/>
+          </a:fontRef>
+        </p:style>
+        <p:txBody>
+          <a:bodyPr rtlCol="0" anchor="ctr"/>
+          <a:lstStyle/>
+          <a:p>
+            <a:pPr algn="ctr"/>
+            <a:r>
+              <a:rPr lang="en-US" sz="1600" dirty="0">
+                <a:solidFill>
+                  <a:schemeClr val="tx1"/>
+                </a:solidFill>
+              </a:rPr>
+              <a:t>K64</a:t>
+            </a:r>
+          </a:p>
+        </p:txBody>
+      </p:sp>
+      <p:sp>
+        <p:nvSpPr>
+          <p:cNvPr id="15" name="Rectangle: Rounded Corners 14">
+            <a:extLst>
+              <a:ext uri="{FF2B5EF4-FFF2-40B4-BE49-F238E27FC236}">
+                <a16:creationId xmlns:a16="http://schemas.microsoft.com/office/drawing/2014/main" id="{A52BC62D-A516-9734-AFE8-E87BA4611B5A}"/>
+              </a:ext>
+            </a:extLst>
+          </p:cNvPr>
+          <p:cNvSpPr/>
+          <p:nvPr/>
+        </p:nvSpPr>
+        <p:spPr>
+          <a:xfrm>
+            <a:off x="4184195" y="3121089"/>
+            <a:ext cx="747317" cy="242595"/>
+          </a:xfrm>
+          <a:prstGeom prst="roundRect">
+            <a:avLst>
+              <a:gd name="adj" fmla="val 50000"/>
+            </a:avLst>
+          </a:prstGeom>
+          <a:solidFill>
+            <a:schemeClr val="accent6"/>
+          </a:solidFill>
+          <a:ln>
+            <a:solidFill>
+              <a:schemeClr val="tx1"/>
+            </a:solidFill>
+          </a:ln>
+        </p:spPr>
+        <p:style>
+          <a:lnRef idx="2">
+            <a:schemeClr val="accent4">
+              <a:shade val="15000"/>
+            </a:schemeClr>
+          </a:lnRef>
+          <a:fillRef idx="1">
+            <a:schemeClr val="accent4"/>
+          </a:fillRef>
+          <a:effectRef idx="0">
+            <a:schemeClr val="accent4"/>
+          </a:effectRef>
+          <a:fontRef idx="minor">
+            <a:schemeClr val="lt1"/>
+          </a:fontRef>
+        </p:style>
+        <p:txBody>
+          <a:bodyPr rtlCol="0" anchor="ctr"/>
+          <a:lstStyle/>
+          <a:p>
+            <a:pPr algn="ctr"/>
+            <a:r>
+              <a:rPr lang="en-US" sz="1600" dirty="0">
+                <a:solidFill>
+                  <a:schemeClr val="tx1"/>
+                </a:solidFill>
+              </a:rPr>
+              <a:t>E60</a:t>
+            </a:r>
+          </a:p>
+        </p:txBody>
+      </p:sp>
+      <p:sp>
+        <p:nvSpPr>
+          <p:cNvPr id="16" name="Rectangle: Rounded Corners 15">
+            <a:extLst>
+              <a:ext uri="{FF2B5EF4-FFF2-40B4-BE49-F238E27FC236}">
+                <a16:creationId xmlns:a16="http://schemas.microsoft.com/office/drawing/2014/main" id="{F4D383CD-FED4-4779-652B-B4369D927D11}"/>
+              </a:ext>
+            </a:extLst>
+          </p:cNvPr>
+          <p:cNvSpPr/>
+          <p:nvPr/>
+        </p:nvSpPr>
+        <p:spPr>
+          <a:xfrm>
+            <a:off x="3944170" y="3615613"/>
+            <a:ext cx="747317" cy="242595"/>
+          </a:xfrm>
+          <a:prstGeom prst="roundRect">
+            <a:avLst>
+              <a:gd name="adj" fmla="val 50000"/>
+            </a:avLst>
+          </a:prstGeom>
+          <a:solidFill>
+            <a:schemeClr val="accent6"/>
+          </a:solidFill>
+          <a:ln>
+            <a:solidFill>
+              <a:schemeClr val="tx1"/>
+            </a:solidFill>
+          </a:ln>
+        </p:spPr>
+        <p:style>
+          <a:lnRef idx="2">
+            <a:schemeClr val="accent4">
+              <a:shade val="15000"/>
+            </a:schemeClr>
+          </a:lnRef>
+          <a:fillRef idx="1">
+            <a:schemeClr val="accent4"/>
+          </a:fillRef>
+          <a:effectRef idx="0">
+            <a:schemeClr val="accent4"/>
+          </a:effectRef>
+          <a:fontRef idx="minor">
+            <a:schemeClr val="lt1"/>
+          </a:fontRef>
+        </p:style>
+        <p:txBody>
+          <a:bodyPr rtlCol="0" anchor="ctr"/>
+          <a:lstStyle/>
+          <a:p>
+            <a:pPr algn="ctr"/>
+            <a:r>
+              <a:rPr lang="en-US" sz="1600" dirty="0">
+                <a:solidFill>
+                  <a:schemeClr val="tx1"/>
+                </a:solidFill>
+              </a:rPr>
+              <a:t>K56</a:t>
+            </a:r>
+          </a:p>
+        </p:txBody>
+      </p:sp>
+      <p:sp>
+        <p:nvSpPr>
+          <p:cNvPr id="17" name="Rectangle: Rounded Corners 16">
+            <a:extLst>
+              <a:ext uri="{FF2B5EF4-FFF2-40B4-BE49-F238E27FC236}">
+                <a16:creationId xmlns:a16="http://schemas.microsoft.com/office/drawing/2014/main" id="{C4F0516B-A783-FFF9-778E-018AFFAFD510}"/>
+              </a:ext>
+            </a:extLst>
+          </p:cNvPr>
+          <p:cNvSpPr/>
+          <p:nvPr/>
+        </p:nvSpPr>
+        <p:spPr>
+          <a:xfrm>
+            <a:off x="5169595" y="2878494"/>
+            <a:ext cx="747317" cy="242595"/>
+          </a:xfrm>
+          <a:prstGeom prst="roundRect">
+            <a:avLst>
+              <a:gd name="adj" fmla="val 50000"/>
+            </a:avLst>
+          </a:prstGeom>
+          <a:solidFill>
+            <a:schemeClr val="accent6"/>
+          </a:solidFill>
+          <a:ln>
+            <a:solidFill>
+              <a:schemeClr val="tx1"/>
+            </a:solidFill>
+          </a:ln>
+        </p:spPr>
+        <p:style>
+          <a:lnRef idx="2">
+            <a:schemeClr val="accent4">
+              <a:shade val="15000"/>
+            </a:schemeClr>
+          </a:lnRef>
+          <a:fillRef idx="1">
+            <a:schemeClr val="accent4"/>
+          </a:fillRef>
+          <a:effectRef idx="0">
+            <a:schemeClr val="accent4"/>
+          </a:effectRef>
+          <a:fontRef idx="minor">
+            <a:schemeClr val="lt1"/>
+          </a:fontRef>
+        </p:style>
+        <p:txBody>
+          <a:bodyPr rtlCol="0" anchor="ctr"/>
+          <a:lstStyle/>
+          <a:p>
+            <a:pPr algn="ctr"/>
+            <a:r>
+              <a:rPr lang="en-US" sz="1600" dirty="0">
+                <a:solidFill>
+                  <a:schemeClr val="tx1"/>
+                </a:solidFill>
+              </a:rPr>
+              <a:t>N30</a:t>
+            </a:r>
+          </a:p>
+        </p:txBody>
+      </p:sp>
+      <p:sp>
+        <p:nvSpPr>
+          <p:cNvPr id="18" name="Rectangle: Rounded Corners 17">
+            <a:extLst>
+              <a:ext uri="{FF2B5EF4-FFF2-40B4-BE49-F238E27FC236}">
+                <a16:creationId xmlns:a16="http://schemas.microsoft.com/office/drawing/2014/main" id="{35C5E7D3-F4E0-AA62-88DC-064B3582E988}"/>
+              </a:ext>
+            </a:extLst>
+          </p:cNvPr>
+          <p:cNvSpPr/>
+          <p:nvPr/>
+        </p:nvSpPr>
+        <p:spPr>
+          <a:xfrm>
+            <a:off x="5770399" y="4101961"/>
+            <a:ext cx="747317" cy="242595"/>
+          </a:xfrm>
+          <a:prstGeom prst="roundRect">
+            <a:avLst>
+              <a:gd name="adj" fmla="val 50000"/>
+            </a:avLst>
+          </a:prstGeom>
+          <a:solidFill>
+            <a:schemeClr val="accent6"/>
+          </a:solidFill>
+          <a:ln>
+            <a:solidFill>
+              <a:schemeClr val="tx1"/>
+            </a:solidFill>
+          </a:ln>
+        </p:spPr>
+        <p:style>
+          <a:lnRef idx="2">
+            <a:schemeClr val="accent4">
+              <a:shade val="15000"/>
+            </a:schemeClr>
+          </a:lnRef>
+          <a:fillRef idx="1">
+            <a:schemeClr val="accent4"/>
+          </a:fillRef>
+          <a:effectRef idx="0">
+            <a:schemeClr val="accent4"/>
+          </a:effectRef>
+          <a:fontRef idx="minor">
+            <a:schemeClr val="lt1"/>
+          </a:fontRef>
+        </p:style>
+        <p:txBody>
+          <a:bodyPr rtlCol="0" anchor="ctr"/>
+          <a:lstStyle/>
+          <a:p>
+            <a:pPr algn="ctr"/>
+            <a:r>
+              <a:rPr lang="en-US" sz="1600" dirty="0">
+                <a:solidFill>
+                  <a:schemeClr val="tx1"/>
+                </a:solidFill>
+              </a:rPr>
+              <a:t>N33</a:t>
+            </a:r>
+          </a:p>
+        </p:txBody>
+      </p:sp>
+      <p:cxnSp>
+        <p:nvCxnSpPr>
+          <p:cNvPr id="24" name="Connector: Curved 23">
+            <a:extLst>
+              <a:ext uri="{FF2B5EF4-FFF2-40B4-BE49-F238E27FC236}">
+                <a16:creationId xmlns:a16="http://schemas.microsoft.com/office/drawing/2014/main" id="{AE782C3A-6BC3-C4B5-AA5F-1EED63CD5A65}"/>
+              </a:ext>
+            </a:extLst>
+          </p:cNvPr>
+          <p:cNvCxnSpPr>
+            <a:cxnSpLocks/>
+            <a:stCxn id="12" idx="3"/>
+            <a:endCxn id="6" idx="1"/>
+          </p:cNvCxnSpPr>
+          <p:nvPr/>
+        </p:nvCxnSpPr>
+        <p:spPr>
+          <a:xfrm>
+            <a:off x="5108793" y="1025490"/>
+            <a:ext cx="492700" cy="1"/>
+          </a:xfrm>
+          <a:prstGeom prst="curvedConnector3">
+            <a:avLst/>
+          </a:prstGeom>
+          <a:ln w="28575">
+            <a:solidFill>
+              <a:srgbClr val="FF0000"/>
+            </a:solidFill>
+            <a:prstDash val="dash"/>
+          </a:ln>
+        </p:spPr>
+        <p:style>
+          <a:lnRef idx="1">
+            <a:schemeClr val="accent1"/>
+          </a:lnRef>
+          <a:fillRef idx="0">
+            <a:schemeClr val="accent1"/>
+          </a:fillRef>
+          <a:effectRef idx="0">
+            <a:schemeClr val="accent1"/>
+          </a:effectRef>
+          <a:fontRef idx="minor">
+            <a:schemeClr val="tx1"/>
+          </a:fontRef>
+        </p:style>
+      </p:cxnSp>
+      <p:cxnSp>
+        <p:nvCxnSpPr>
+          <p:cNvPr id="27" name="Connector: Curved 26">
+            <a:extLst>
+              <a:ext uri="{FF2B5EF4-FFF2-40B4-BE49-F238E27FC236}">
+                <a16:creationId xmlns:a16="http://schemas.microsoft.com/office/drawing/2014/main" id="{AF151E35-7CE3-ED73-AE61-F9BC25CBC1ED}"/>
+              </a:ext>
+            </a:extLst>
+          </p:cNvPr>
+          <p:cNvCxnSpPr>
+            <a:cxnSpLocks/>
+            <a:stCxn id="6" idx="2"/>
+          </p:cNvCxnSpPr>
+          <p:nvPr/>
+        </p:nvCxnSpPr>
+        <p:spPr>
+          <a:xfrm rot="16200000" flipH="1">
+            <a:off x="5770534" y="1351406"/>
+            <a:ext cx="782895" cy="373658"/>
+          </a:xfrm>
+          <a:prstGeom prst="curvedConnector3">
+            <a:avLst>
+              <a:gd name="adj1" fmla="val 50000"/>
+            </a:avLst>
+          </a:prstGeom>
+          <a:ln w="28575">
+            <a:solidFill>
+              <a:srgbClr val="FF0000"/>
+            </a:solidFill>
+            <a:prstDash val="dash"/>
+          </a:ln>
+        </p:spPr>
+        <p:style>
+          <a:lnRef idx="1">
+            <a:schemeClr val="accent1"/>
+          </a:lnRef>
+          <a:fillRef idx="0">
+            <a:schemeClr val="accent1"/>
+          </a:fillRef>
+          <a:effectRef idx="0">
+            <a:schemeClr val="accent1"/>
+          </a:effectRef>
+          <a:fontRef idx="minor">
+            <a:schemeClr val="tx1"/>
+          </a:fontRef>
+        </p:style>
+      </p:cxnSp>
+      <p:cxnSp>
+        <p:nvCxnSpPr>
+          <p:cNvPr id="30" name="Connector: Curved 29">
+            <a:extLst>
+              <a:ext uri="{FF2B5EF4-FFF2-40B4-BE49-F238E27FC236}">
+                <a16:creationId xmlns:a16="http://schemas.microsoft.com/office/drawing/2014/main" id="{D3420A57-2F26-5AFA-FF57-AC9CCA1815FA}"/>
+              </a:ext>
+            </a:extLst>
+          </p:cNvPr>
+          <p:cNvCxnSpPr>
+            <a:cxnSpLocks/>
+            <a:stCxn id="7" idx="1"/>
+            <a:endCxn id="17" idx="0"/>
+          </p:cNvCxnSpPr>
+          <p:nvPr/>
+        </p:nvCxnSpPr>
+        <p:spPr>
+          <a:xfrm rot="10800000" flipV="1">
+            <a:off x="5543254" y="2571262"/>
+            <a:ext cx="1202772" cy="307231"/>
+          </a:xfrm>
+          <a:prstGeom prst="curvedConnector2">
+            <a:avLst/>
+          </a:prstGeom>
+          <a:ln w="28575">
+            <a:solidFill>
+              <a:srgbClr val="FF0000"/>
+            </a:solidFill>
+            <a:prstDash val="dash"/>
+          </a:ln>
+        </p:spPr>
+        <p:style>
+          <a:lnRef idx="1">
+            <a:schemeClr val="accent1"/>
+          </a:lnRef>
+          <a:fillRef idx="0">
+            <a:schemeClr val="accent1"/>
+          </a:fillRef>
+          <a:effectRef idx="0">
+            <a:schemeClr val="accent1"/>
+          </a:effectRef>
+          <a:fontRef idx="minor">
+            <a:schemeClr val="tx1"/>
+          </a:fontRef>
+        </p:style>
+      </p:cxnSp>
+      <p:cxnSp>
+        <p:nvCxnSpPr>
+          <p:cNvPr id="35" name="Connector: Curved 34">
+            <a:extLst>
+              <a:ext uri="{FF2B5EF4-FFF2-40B4-BE49-F238E27FC236}">
+                <a16:creationId xmlns:a16="http://schemas.microsoft.com/office/drawing/2014/main" id="{2383662C-4CF0-288B-506A-0B774DA671B1}"/>
+              </a:ext>
+            </a:extLst>
+          </p:cNvPr>
+          <p:cNvCxnSpPr>
+            <a:cxnSpLocks/>
+            <a:stCxn id="8" idx="2"/>
+            <a:endCxn id="18" idx="3"/>
+          </p:cNvCxnSpPr>
+          <p:nvPr/>
+        </p:nvCxnSpPr>
+        <p:spPr>
+          <a:xfrm rot="5400000">
+            <a:off x="6798257" y="3749408"/>
+            <a:ext cx="193311" cy="754391"/>
+          </a:xfrm>
+          <a:prstGeom prst="curvedConnector2">
+            <a:avLst/>
+          </a:prstGeom>
+          <a:ln w="28575">
+            <a:solidFill>
+              <a:srgbClr val="FF0000"/>
+            </a:solidFill>
+            <a:prstDash val="dash"/>
+          </a:ln>
+        </p:spPr>
+        <p:style>
+          <a:lnRef idx="1">
+            <a:schemeClr val="accent1"/>
+          </a:lnRef>
+          <a:fillRef idx="0">
+            <a:schemeClr val="accent1"/>
+          </a:fillRef>
+          <a:effectRef idx="0">
+            <a:schemeClr val="accent1"/>
+          </a:effectRef>
+          <a:fontRef idx="minor">
+            <a:schemeClr val="tx1"/>
+          </a:fontRef>
+        </p:style>
+      </p:cxnSp>
+      <p:cxnSp>
+        <p:nvCxnSpPr>
+          <p:cNvPr id="38" name="Connector: Curved 37">
+            <a:extLst>
+              <a:ext uri="{FF2B5EF4-FFF2-40B4-BE49-F238E27FC236}">
+                <a16:creationId xmlns:a16="http://schemas.microsoft.com/office/drawing/2014/main" id="{CE637FAE-0566-EB0B-BA28-51AE6BD36750}"/>
+              </a:ext>
+            </a:extLst>
+          </p:cNvPr>
+          <p:cNvCxnSpPr>
+            <a:cxnSpLocks/>
+            <a:stCxn id="10" idx="2"/>
+            <a:endCxn id="16" idx="2"/>
+          </p:cNvCxnSpPr>
+          <p:nvPr/>
+        </p:nvCxnSpPr>
+        <p:spPr>
+          <a:xfrm rot="16200000" flipH="1">
+            <a:off x="3388952" y="2929331"/>
+            <a:ext cx="12700" cy="1857754"/>
+          </a:xfrm>
+          <a:prstGeom prst="curvedConnector3">
+            <a:avLst>
+              <a:gd name="adj1" fmla="val 3955102"/>
+            </a:avLst>
+          </a:prstGeom>
+          <a:ln w="28575">
+            <a:solidFill>
+              <a:srgbClr val="FF0000"/>
+            </a:solidFill>
+            <a:prstDash val="dash"/>
+          </a:ln>
+        </p:spPr>
+        <p:style>
+          <a:lnRef idx="1">
+            <a:schemeClr val="accent1"/>
+          </a:lnRef>
+          <a:fillRef idx="0">
+            <a:schemeClr val="accent1"/>
+          </a:fillRef>
+          <a:effectRef idx="0">
+            <a:schemeClr val="accent1"/>
+          </a:effectRef>
+          <a:fontRef idx="minor">
+            <a:schemeClr val="tx1"/>
+          </a:fontRef>
+        </p:style>
+      </p:cxnSp>
+      <p:cxnSp>
+        <p:nvCxnSpPr>
+          <p:cNvPr id="42" name="Connector: Curved 41">
+            <a:extLst>
+              <a:ext uri="{FF2B5EF4-FFF2-40B4-BE49-F238E27FC236}">
+                <a16:creationId xmlns:a16="http://schemas.microsoft.com/office/drawing/2014/main" id="{AC2398F0-9727-CE32-2B0C-2C1DA951FE23}"/>
+              </a:ext>
+            </a:extLst>
+          </p:cNvPr>
+          <p:cNvCxnSpPr>
+            <a:cxnSpLocks/>
+            <a:stCxn id="9" idx="2"/>
+            <a:endCxn id="15" idx="0"/>
+          </p:cNvCxnSpPr>
+          <p:nvPr/>
+        </p:nvCxnSpPr>
+        <p:spPr>
+          <a:xfrm rot="16200000" flipH="1">
+            <a:off x="3408496" y="1971731"/>
+            <a:ext cx="671124" cy="1627591"/>
+          </a:xfrm>
+          <a:prstGeom prst="curvedConnector3">
+            <a:avLst>
+              <a:gd name="adj1" fmla="val 99124"/>
+            </a:avLst>
+          </a:prstGeom>
+          <a:ln w="28575">
+            <a:solidFill>
+              <a:srgbClr val="FF0000"/>
+            </a:solidFill>
+            <a:prstDash val="dash"/>
+          </a:ln>
+        </p:spPr>
+        <p:style>
+          <a:lnRef idx="1">
+            <a:schemeClr val="accent1"/>
+          </a:lnRef>
+          <a:fillRef idx="0">
+            <a:schemeClr val="accent1"/>
+          </a:fillRef>
+          <a:effectRef idx="0">
+            <a:schemeClr val="accent1"/>
+          </a:effectRef>
+          <a:fontRef idx="minor">
+            <a:schemeClr val="tx1"/>
+          </a:fontRef>
+        </p:style>
+      </p:cxnSp>
+      <p:cxnSp>
+        <p:nvCxnSpPr>
+          <p:cNvPr id="46" name="Connector: Curved 45">
+            <a:extLst>
+              <a:ext uri="{FF2B5EF4-FFF2-40B4-BE49-F238E27FC236}">
+                <a16:creationId xmlns:a16="http://schemas.microsoft.com/office/drawing/2014/main" id="{1608D413-7941-EB42-D8E9-D8201C89B2DA}"/>
+              </a:ext>
+            </a:extLst>
+          </p:cNvPr>
+          <p:cNvCxnSpPr>
+            <a:cxnSpLocks/>
+            <a:stCxn id="11" idx="0"/>
+            <a:endCxn id="14" idx="2"/>
+          </p:cNvCxnSpPr>
+          <p:nvPr/>
+        </p:nvCxnSpPr>
+        <p:spPr>
+          <a:xfrm rot="5400000" flipH="1" flipV="1">
+            <a:off x="3106721" y="1682022"/>
+            <a:ext cx="671125" cy="1964417"/>
+          </a:xfrm>
+          <a:prstGeom prst="curvedConnector3">
+            <a:avLst>
+              <a:gd name="adj1" fmla="val 40731"/>
+            </a:avLst>
+          </a:prstGeom>
+          <a:ln w="28575">
+            <a:solidFill>
+              <a:srgbClr val="FF0000"/>
+            </a:solidFill>
+            <a:prstDash val="dash"/>
+          </a:ln>
+        </p:spPr>
+        <p:style>
+          <a:lnRef idx="1">
+            <a:schemeClr val="accent1"/>
+          </a:lnRef>
+          <a:fillRef idx="0">
+            <a:schemeClr val="accent1"/>
+          </a:fillRef>
+          <a:effectRef idx="0">
+            <a:schemeClr val="accent1"/>
+          </a:effectRef>
+          <a:fontRef idx="minor">
+            <a:schemeClr val="tx1"/>
+          </a:fontRef>
+        </p:style>
+      </p:cxnSp>
+    </p:spTree>
+    <p:extLst>
+      <p:ext uri="{BB962C8B-B14F-4D97-AF65-F5344CB8AC3E}">
+        <p14:creationId xmlns:p14="http://schemas.microsoft.com/office/powerpoint/2010/main" val="3981009276"/>
+      </p:ext>
+    </p:extLst>
+  </p:cSld>
+  <p:clrMapOvr>
+    <a:masterClrMapping/>
+  </p:clrMapOvr>
+</p:sld>
+</file>
+
+<file path=ppt/slides/slide3.xml><?xml version="1.0" encoding="utf-8"?>
+<p:sld xmlns:a="http://schemas.openxmlformats.org/drawingml/2006/main" xmlns:r="http://schemas.openxmlformats.org/officeDocument/2006/relationships" xmlns:p="http://schemas.openxmlformats.org/presentationml/2006/main">
+  <p:cSld>
+    <p:spTree>
+      <p:nvGrpSpPr>
+        <p:cNvPr id="1" name=""/>
+        <p:cNvGrpSpPr/>
+        <p:nvPr/>
+      </p:nvGrpSpPr>
+      <p:grpSpPr>
+        <a:xfrm>
+          <a:off x="0" y="0"/>
+          <a:ext cx="0" cy="0"/>
+          <a:chOff x="0" y="0"/>
+          <a:chExt cx="0" cy="0"/>
+        </a:xfrm>
+      </p:grpSpPr>
+      <p:pic>
+        <p:nvPicPr>
+          <p:cNvPr id="3" name="Picture 2" descr="A close-up of a structure&#10;&#10;Description automatically generated">
+            <a:extLst>
+              <a:ext uri="{FF2B5EF4-FFF2-40B4-BE49-F238E27FC236}">
+                <a16:creationId xmlns:a16="http://schemas.microsoft.com/office/drawing/2014/main" id="{C19EBAF8-A816-137B-B368-0DF89EE37140}"/>
+              </a:ext>
+            </a:extLst>
+          </p:cNvPr>
+          <p:cNvPicPr>
+            <a:picLocks noChangeAspect="1"/>
+          </p:cNvPicPr>
+          <p:nvPr/>
+        </p:nvPicPr>
+        <p:blipFill>
+          <a:blip r:embed="rId2">
+            <a:extLst>
+              <a:ext uri="{28A0092B-C50C-407E-A947-70E740481C1C}">
+                <a14:useLocalDpi xmlns:a14="http://schemas.microsoft.com/office/drawing/2010/main" val="0"/>
+              </a:ext>
+            </a:extLst>
+          </a:blip>
+          <a:stretch>
+            <a:fillRect/>
+          </a:stretch>
+        </p:blipFill>
+        <p:spPr>
+          <a:xfrm>
+            <a:off x="62473" y="-3"/>
+            <a:ext cx="11096670" cy="6858000"/>
+          </a:xfrm>
+          <a:prstGeom prst="rect">
+            <a:avLst/>
+          </a:prstGeom>
+        </p:spPr>
+      </p:pic>
+      <p:sp>
+        <p:nvSpPr>
+          <p:cNvPr id="11" name="Rectangle: Rounded Corners 10">
+            <a:extLst>
+              <a:ext uri="{FF2B5EF4-FFF2-40B4-BE49-F238E27FC236}">
+                <a16:creationId xmlns:a16="http://schemas.microsoft.com/office/drawing/2014/main" id="{E98F6D38-72EF-3EC8-B697-05C5949A8CA3}"/>
+              </a:ext>
+            </a:extLst>
+          </p:cNvPr>
+          <p:cNvSpPr/>
+          <p:nvPr/>
+        </p:nvSpPr>
+        <p:spPr>
+          <a:xfrm>
+            <a:off x="9650392" y="2034523"/>
+            <a:ext cx="747317" cy="242595"/>
+          </a:xfrm>
+          <a:prstGeom prst="roundRect">
+            <a:avLst>
+              <a:gd name="adj" fmla="val 50000"/>
+            </a:avLst>
+          </a:prstGeom>
+          <a:solidFill>
+            <a:srgbClr val="FFFF00"/>
+          </a:solidFill>
+          <a:ln>
+            <a:solidFill>
+              <a:schemeClr val="accent4"/>
+            </a:solidFill>
+          </a:ln>
+        </p:spPr>
+        <p:style>
+          <a:lnRef idx="2">
+            <a:schemeClr val="accent4">
+              <a:shade val="15000"/>
+            </a:schemeClr>
+          </a:lnRef>
+          <a:fillRef idx="1">
+            <a:schemeClr val="accent4"/>
+          </a:fillRef>
+          <a:effectRef idx="0">
+            <a:schemeClr val="accent4"/>
+          </a:effectRef>
+          <a:fontRef idx="minor">
+            <a:schemeClr val="lt1"/>
+          </a:fontRef>
+        </p:style>
+        <p:txBody>
+          <a:bodyPr rtlCol="0" anchor="ctr"/>
+          <a:lstStyle/>
+          <a:p>
+            <a:pPr algn="ctr"/>
+            <a:r>
+              <a:rPr lang="en-US" sz="1600" dirty="0">
+                <a:solidFill>
+                  <a:schemeClr val="accent4"/>
+                </a:solidFill>
+              </a:rPr>
+              <a:t>D399</a:t>
+            </a:r>
+          </a:p>
+        </p:txBody>
+      </p:sp>
+      <p:sp>
+        <p:nvSpPr>
+          <p:cNvPr id="12" name="Rectangle: Rounded Corners 11">
+            <a:extLst>
+              <a:ext uri="{FF2B5EF4-FFF2-40B4-BE49-F238E27FC236}">
+                <a16:creationId xmlns:a16="http://schemas.microsoft.com/office/drawing/2014/main" id="{961479F4-7DCD-F8D2-3C79-2243C94699F9}"/>
+              </a:ext>
+            </a:extLst>
+          </p:cNvPr>
+          <p:cNvSpPr/>
+          <p:nvPr/>
+        </p:nvSpPr>
+        <p:spPr>
+          <a:xfrm>
+            <a:off x="9600628" y="366920"/>
+            <a:ext cx="747317" cy="242595"/>
+          </a:xfrm>
+          <a:prstGeom prst="roundRect">
+            <a:avLst>
+              <a:gd name="adj" fmla="val 50000"/>
+            </a:avLst>
+          </a:prstGeom>
+          <a:solidFill>
+            <a:srgbClr val="FFFF00"/>
+          </a:solidFill>
+          <a:ln>
+            <a:solidFill>
+              <a:schemeClr val="accent4"/>
+            </a:solidFill>
+          </a:ln>
+        </p:spPr>
+        <p:style>
+          <a:lnRef idx="2">
+            <a:schemeClr val="accent4">
+              <a:shade val="15000"/>
+            </a:schemeClr>
+          </a:lnRef>
+          <a:fillRef idx="1">
+            <a:schemeClr val="accent4"/>
+          </a:fillRef>
+          <a:effectRef idx="0">
+            <a:schemeClr val="accent4"/>
+          </a:effectRef>
+          <a:fontRef idx="minor">
+            <a:schemeClr val="lt1"/>
+          </a:fontRef>
+        </p:style>
+        <p:txBody>
+          <a:bodyPr rtlCol="0" anchor="ctr"/>
+          <a:lstStyle/>
+          <a:p>
+            <a:pPr algn="ctr"/>
+            <a:r>
+              <a:rPr lang="en-US" sz="1600" dirty="0">
+                <a:solidFill>
+                  <a:schemeClr val="accent4"/>
+                </a:solidFill>
+              </a:rPr>
+              <a:t>L395</a:t>
+            </a:r>
+          </a:p>
+        </p:txBody>
+      </p:sp>
+      <p:sp>
+        <p:nvSpPr>
+          <p:cNvPr id="13" name="Rectangle: Rounded Corners 12">
+            <a:extLst>
+              <a:ext uri="{FF2B5EF4-FFF2-40B4-BE49-F238E27FC236}">
+                <a16:creationId xmlns:a16="http://schemas.microsoft.com/office/drawing/2014/main" id="{16F317C7-6865-76CC-D5C1-954E350CC6B4}"/>
+              </a:ext>
+            </a:extLst>
+          </p:cNvPr>
+          <p:cNvSpPr/>
+          <p:nvPr/>
+        </p:nvSpPr>
+        <p:spPr>
+          <a:xfrm>
+            <a:off x="7622425" y="4213887"/>
+            <a:ext cx="747317" cy="242595"/>
+          </a:xfrm>
+          <a:prstGeom prst="roundRect">
+            <a:avLst>
+              <a:gd name="adj" fmla="val 50000"/>
+            </a:avLst>
+          </a:prstGeom>
+          <a:solidFill>
+            <a:srgbClr val="FFFF00"/>
+          </a:solidFill>
+          <a:ln>
+            <a:solidFill>
+              <a:schemeClr val="accent4"/>
+            </a:solidFill>
+          </a:ln>
+        </p:spPr>
+        <p:style>
+          <a:lnRef idx="2">
+            <a:schemeClr val="accent4">
+              <a:shade val="15000"/>
+            </a:schemeClr>
+          </a:lnRef>
+          <a:fillRef idx="1">
+            <a:schemeClr val="accent4"/>
+          </a:fillRef>
+          <a:effectRef idx="0">
+            <a:schemeClr val="accent4"/>
+          </a:effectRef>
+          <a:fontRef idx="minor">
+            <a:schemeClr val="lt1"/>
+          </a:fontRef>
+        </p:style>
+        <p:txBody>
+          <a:bodyPr rtlCol="0" anchor="ctr"/>
+          <a:lstStyle/>
+          <a:p>
+            <a:pPr algn="ctr"/>
+            <a:r>
+              <a:rPr lang="en-US" sz="1600" dirty="0">
+                <a:solidFill>
+                  <a:schemeClr val="accent4"/>
+                </a:solidFill>
+              </a:rPr>
+              <a:t>S410</a:t>
+            </a:r>
+          </a:p>
+        </p:txBody>
+      </p:sp>
+      <p:sp>
+        <p:nvSpPr>
+          <p:cNvPr id="14" name="Rectangle: Rounded Corners 13">
+            <a:extLst>
+              <a:ext uri="{FF2B5EF4-FFF2-40B4-BE49-F238E27FC236}">
+                <a16:creationId xmlns:a16="http://schemas.microsoft.com/office/drawing/2014/main" id="{95485841-ECA7-88D7-D46E-0D9ABCED05E6}"/>
+              </a:ext>
+            </a:extLst>
+          </p:cNvPr>
+          <p:cNvSpPr/>
+          <p:nvPr/>
+        </p:nvSpPr>
+        <p:spPr>
+          <a:xfrm>
+            <a:off x="7862337" y="5533052"/>
+            <a:ext cx="747317" cy="242595"/>
+          </a:xfrm>
+          <a:prstGeom prst="roundRect">
+            <a:avLst>
+              <a:gd name="adj" fmla="val 50000"/>
+            </a:avLst>
+          </a:prstGeom>
+          <a:solidFill>
+            <a:srgbClr val="FFFF00"/>
+          </a:solidFill>
+          <a:ln>
+            <a:solidFill>
+              <a:schemeClr val="accent4"/>
+            </a:solidFill>
+          </a:ln>
+        </p:spPr>
+        <p:style>
+          <a:lnRef idx="2">
+            <a:schemeClr val="accent4">
+              <a:shade val="15000"/>
+            </a:schemeClr>
+          </a:lnRef>
+          <a:fillRef idx="1">
+            <a:schemeClr val="accent4"/>
+          </a:fillRef>
+          <a:effectRef idx="0">
+            <a:schemeClr val="accent4"/>
+          </a:effectRef>
+          <a:fontRef idx="minor">
+            <a:schemeClr val="lt1"/>
+          </a:fontRef>
+        </p:style>
+        <p:txBody>
+          <a:bodyPr rtlCol="0" anchor="ctr"/>
+          <a:lstStyle/>
+          <a:p>
+            <a:pPr algn="ctr"/>
+            <a:r>
+              <a:rPr lang="en-US" sz="1600" dirty="0">
+                <a:solidFill>
+                  <a:schemeClr val="accent4"/>
+                </a:solidFill>
+              </a:rPr>
+              <a:t>S413</a:t>
+            </a:r>
+          </a:p>
+        </p:txBody>
+      </p:sp>
+      <p:sp>
+        <p:nvSpPr>
+          <p:cNvPr id="15" name="Rectangle: Rounded Corners 14">
+            <a:extLst>
+              <a:ext uri="{FF2B5EF4-FFF2-40B4-BE49-F238E27FC236}">
+                <a16:creationId xmlns:a16="http://schemas.microsoft.com/office/drawing/2014/main" id="{BE35D410-B1FC-178A-F3E5-F620CBACCC12}"/>
+              </a:ext>
+            </a:extLst>
+          </p:cNvPr>
+          <p:cNvSpPr/>
+          <p:nvPr/>
+        </p:nvSpPr>
+        <p:spPr>
+          <a:xfrm>
+            <a:off x="9330954" y="6046280"/>
+            <a:ext cx="747317" cy="242595"/>
+          </a:xfrm>
+          <a:prstGeom prst="roundRect">
+            <a:avLst>
+              <a:gd name="adj" fmla="val 50000"/>
+            </a:avLst>
+          </a:prstGeom>
+          <a:solidFill>
+            <a:srgbClr val="FFFF00"/>
+          </a:solidFill>
+          <a:ln>
+            <a:solidFill>
+              <a:schemeClr val="accent4"/>
+            </a:solidFill>
+          </a:ln>
+        </p:spPr>
+        <p:style>
+          <a:lnRef idx="2">
+            <a:schemeClr val="accent4">
+              <a:shade val="15000"/>
+            </a:schemeClr>
+          </a:lnRef>
+          <a:fillRef idx="1">
+            <a:schemeClr val="accent4"/>
+          </a:fillRef>
+          <a:effectRef idx="0">
+            <a:schemeClr val="accent4"/>
+          </a:effectRef>
+          <a:fontRef idx="minor">
+            <a:schemeClr val="lt1"/>
+          </a:fontRef>
+        </p:style>
+        <p:txBody>
+          <a:bodyPr rtlCol="0" anchor="ctr"/>
+          <a:lstStyle/>
+          <a:p>
+            <a:pPr algn="ctr"/>
+            <a:r>
+              <a:rPr lang="en-US" sz="1600" dirty="0">
+                <a:solidFill>
+                  <a:schemeClr val="accent4"/>
+                </a:solidFill>
+              </a:rPr>
+              <a:t>S416</a:t>
+            </a:r>
+          </a:p>
+        </p:txBody>
+      </p:sp>
+      <p:sp>
+        <p:nvSpPr>
+          <p:cNvPr id="16" name="Rectangle: Rounded Corners 15">
+            <a:extLst>
+              <a:ext uri="{FF2B5EF4-FFF2-40B4-BE49-F238E27FC236}">
+                <a16:creationId xmlns:a16="http://schemas.microsoft.com/office/drawing/2014/main" id="{DBBF9227-551D-A862-639E-65E36BBE3071}"/>
+              </a:ext>
+            </a:extLst>
+          </p:cNvPr>
+          <p:cNvSpPr/>
+          <p:nvPr/>
+        </p:nvSpPr>
+        <p:spPr>
+          <a:xfrm>
+            <a:off x="5348682" y="969050"/>
+            <a:ext cx="747318" cy="242595"/>
+          </a:xfrm>
+          <a:prstGeom prst="roundRect">
+            <a:avLst>
+              <a:gd name="adj" fmla="val 50000"/>
+            </a:avLst>
+          </a:prstGeom>
+          <a:solidFill>
+            <a:srgbClr val="FFFF00"/>
+          </a:solidFill>
+          <a:ln>
+            <a:solidFill>
+              <a:schemeClr val="accent4"/>
+            </a:solidFill>
+          </a:ln>
+        </p:spPr>
+        <p:style>
+          <a:lnRef idx="2">
+            <a:schemeClr val="accent4">
+              <a:shade val="15000"/>
+            </a:schemeClr>
+          </a:lnRef>
+          <a:fillRef idx="1">
+            <a:schemeClr val="accent4"/>
+          </a:fillRef>
+          <a:effectRef idx="0">
+            <a:schemeClr val="accent4"/>
+          </a:effectRef>
+          <a:fontRef idx="minor">
+            <a:schemeClr val="lt1"/>
+          </a:fontRef>
+        </p:style>
+        <p:txBody>
+          <a:bodyPr lIns="0" tIns="0" rIns="0" bIns="0" rtlCol="0" anchor="ctr"/>
+          <a:lstStyle/>
+          <a:p>
+            <a:pPr algn="ctr"/>
+            <a:r>
+              <a:rPr lang="en-US" sz="1600" dirty="0">
+                <a:solidFill>
+                  <a:schemeClr val="accent4"/>
+                </a:solidFill>
+              </a:rPr>
+              <a:t>G335</a:t>
+            </a:r>
+          </a:p>
+        </p:txBody>
+      </p:sp>
+      <p:sp>
+        <p:nvSpPr>
+          <p:cNvPr id="17" name="Rectangle: Rounded Corners 16">
+            <a:extLst>
+              <a:ext uri="{FF2B5EF4-FFF2-40B4-BE49-F238E27FC236}">
+                <a16:creationId xmlns:a16="http://schemas.microsoft.com/office/drawing/2014/main" id="{ECB0EF2B-FF3D-08D2-D884-FBF009850EC8}"/>
+              </a:ext>
+            </a:extLst>
+          </p:cNvPr>
+          <p:cNvSpPr/>
+          <p:nvPr/>
+        </p:nvSpPr>
+        <p:spPr>
+          <a:xfrm>
+            <a:off x="2111844" y="2210479"/>
+            <a:ext cx="747317" cy="242595"/>
+          </a:xfrm>
+          <a:prstGeom prst="roundRect">
+            <a:avLst>
+              <a:gd name="adj" fmla="val 50000"/>
+            </a:avLst>
+          </a:prstGeom>
+          <a:solidFill>
+            <a:srgbClr val="FFFF00"/>
+          </a:solidFill>
+          <a:ln>
+            <a:solidFill>
+              <a:schemeClr val="accent4"/>
+            </a:solidFill>
+          </a:ln>
+        </p:spPr>
+        <p:style>
+          <a:lnRef idx="2">
+            <a:schemeClr val="accent4">
+              <a:shade val="15000"/>
+            </a:schemeClr>
+          </a:lnRef>
+          <a:fillRef idx="1">
+            <a:schemeClr val="accent4"/>
+          </a:fillRef>
+          <a:effectRef idx="0">
+            <a:schemeClr val="accent4"/>
+          </a:effectRef>
+          <a:fontRef idx="minor">
+            <a:schemeClr val="lt1"/>
+          </a:fontRef>
+        </p:style>
+        <p:txBody>
+          <a:bodyPr rtlCol="0" anchor="ctr"/>
+          <a:lstStyle/>
+          <a:p>
+            <a:pPr algn="ctr"/>
+            <a:r>
+              <a:rPr lang="en-US" sz="1600" dirty="0">
+                <a:solidFill>
+                  <a:schemeClr val="accent4"/>
+                </a:solidFill>
+              </a:rPr>
+              <a:t>N77</a:t>
+            </a:r>
+          </a:p>
+        </p:txBody>
+      </p:sp>
+      <p:sp>
+        <p:nvSpPr>
+          <p:cNvPr id="18" name="Rectangle: Rounded Corners 17">
+            <a:extLst>
+              <a:ext uri="{FF2B5EF4-FFF2-40B4-BE49-F238E27FC236}">
+                <a16:creationId xmlns:a16="http://schemas.microsoft.com/office/drawing/2014/main" id="{A31A324B-3B9D-103F-BEFB-AB4541624846}"/>
+              </a:ext>
+            </a:extLst>
+          </p:cNvPr>
+          <p:cNvSpPr/>
+          <p:nvPr/>
+        </p:nvSpPr>
+        <p:spPr>
+          <a:xfrm>
+            <a:off x="4900825" y="1340496"/>
+            <a:ext cx="747317" cy="242595"/>
+          </a:xfrm>
+          <a:prstGeom prst="roundRect">
+            <a:avLst>
+              <a:gd name="adj" fmla="val 50000"/>
+            </a:avLst>
+          </a:prstGeom>
+          <a:solidFill>
+            <a:srgbClr val="FFFF00"/>
+          </a:solidFill>
+          <a:ln>
+            <a:solidFill>
+              <a:schemeClr val="accent4"/>
+            </a:solidFill>
+          </a:ln>
+        </p:spPr>
+        <p:style>
+          <a:lnRef idx="2">
+            <a:schemeClr val="accent4">
+              <a:shade val="15000"/>
+            </a:schemeClr>
+          </a:lnRef>
+          <a:fillRef idx="1">
+            <a:schemeClr val="accent4"/>
+          </a:fillRef>
+          <a:effectRef idx="0">
+            <a:schemeClr val="accent4"/>
+          </a:effectRef>
+          <a:fontRef idx="minor">
+            <a:schemeClr val="lt1"/>
+          </a:fontRef>
+        </p:style>
+        <p:txBody>
+          <a:bodyPr rtlCol="0" anchor="ctr"/>
+          <a:lstStyle/>
+          <a:p>
+            <a:pPr algn="ctr"/>
+            <a:r>
+              <a:rPr lang="en-US" sz="1600" dirty="0">
+                <a:solidFill>
+                  <a:schemeClr val="accent4"/>
+                </a:solidFill>
+              </a:rPr>
+              <a:t>S310</a:t>
+            </a:r>
+          </a:p>
+        </p:txBody>
+      </p:sp>
+      <p:sp>
+        <p:nvSpPr>
+          <p:cNvPr id="19" name="Rectangle: Rounded Corners 18">
+            <a:extLst>
+              <a:ext uri="{FF2B5EF4-FFF2-40B4-BE49-F238E27FC236}">
+                <a16:creationId xmlns:a16="http://schemas.microsoft.com/office/drawing/2014/main" id="{775506CC-047E-9625-8207-BDA51860E5BE}"/>
+              </a:ext>
+            </a:extLst>
+          </p:cNvPr>
+          <p:cNvSpPr/>
+          <p:nvPr/>
+        </p:nvSpPr>
+        <p:spPr>
+          <a:xfrm>
+            <a:off x="6391539" y="1756395"/>
+            <a:ext cx="747317" cy="242595"/>
+          </a:xfrm>
+          <a:prstGeom prst="roundRect">
+            <a:avLst>
+              <a:gd name="adj" fmla="val 50000"/>
+            </a:avLst>
+          </a:prstGeom>
+          <a:solidFill>
+            <a:srgbClr val="FFFF00"/>
+          </a:solidFill>
+          <a:ln>
+            <a:solidFill>
+              <a:schemeClr val="accent4"/>
+            </a:solidFill>
+          </a:ln>
+        </p:spPr>
+        <p:style>
+          <a:lnRef idx="2">
+            <a:schemeClr val="accent4">
+              <a:shade val="15000"/>
+            </a:schemeClr>
+          </a:lnRef>
+          <a:fillRef idx="1">
+            <a:schemeClr val="accent4"/>
+          </a:fillRef>
+          <a:effectRef idx="0">
+            <a:schemeClr val="accent4"/>
+          </a:effectRef>
+          <a:fontRef idx="minor">
+            <a:schemeClr val="lt1"/>
+          </a:fontRef>
+        </p:style>
+        <p:txBody>
+          <a:bodyPr rtlCol="0" anchor="ctr"/>
+          <a:lstStyle/>
+          <a:p>
+            <a:pPr algn="ctr"/>
+            <a:r>
+              <a:rPr lang="en-US" sz="1600" dirty="0">
+                <a:solidFill>
+                  <a:schemeClr val="accent4"/>
+                </a:solidFill>
+              </a:rPr>
+              <a:t>A336</a:t>
+            </a:r>
+          </a:p>
+        </p:txBody>
+      </p:sp>
+      <p:sp>
+        <p:nvSpPr>
+          <p:cNvPr id="20" name="Rectangle: Rounded Corners 19">
+            <a:extLst>
+              <a:ext uri="{FF2B5EF4-FFF2-40B4-BE49-F238E27FC236}">
+                <a16:creationId xmlns:a16="http://schemas.microsoft.com/office/drawing/2014/main" id="{957D2DC1-C04A-89BD-3125-B980A3A5ED35}"/>
+              </a:ext>
+            </a:extLst>
+          </p:cNvPr>
+          <p:cNvSpPr/>
+          <p:nvPr/>
+        </p:nvSpPr>
+        <p:spPr>
+          <a:xfrm>
+            <a:off x="2481649" y="1340496"/>
+            <a:ext cx="747317" cy="242595"/>
+          </a:xfrm>
+          <a:prstGeom prst="roundRect">
+            <a:avLst>
+              <a:gd name="adj" fmla="val 50000"/>
+            </a:avLst>
+          </a:prstGeom>
+          <a:solidFill>
+            <a:schemeClr val="accent6"/>
+          </a:solidFill>
+          <a:ln>
+            <a:solidFill>
+              <a:schemeClr val="tx1"/>
+            </a:solidFill>
+          </a:ln>
+        </p:spPr>
+        <p:style>
+          <a:lnRef idx="2">
+            <a:schemeClr val="accent4">
+              <a:shade val="15000"/>
+            </a:schemeClr>
+          </a:lnRef>
+          <a:fillRef idx="1">
+            <a:schemeClr val="accent4"/>
+          </a:fillRef>
+          <a:effectRef idx="0">
+            <a:schemeClr val="accent4"/>
+          </a:effectRef>
+          <a:fontRef idx="minor">
+            <a:schemeClr val="lt1"/>
+          </a:fontRef>
+        </p:style>
+        <p:txBody>
+          <a:bodyPr rtlCol="0" anchor="ctr"/>
+          <a:lstStyle/>
+          <a:p>
+            <a:pPr algn="ctr"/>
+            <a:r>
+              <a:rPr lang="en-US" sz="1600" dirty="0">
+                <a:solidFill>
+                  <a:schemeClr val="tx1"/>
+                </a:solidFill>
+              </a:rPr>
+              <a:t>K71</a:t>
+            </a:r>
+          </a:p>
+        </p:txBody>
+      </p:sp>
+      <p:sp>
+        <p:nvSpPr>
+          <p:cNvPr id="21" name="Rectangle: Rounded Corners 20">
+            <a:extLst>
+              <a:ext uri="{FF2B5EF4-FFF2-40B4-BE49-F238E27FC236}">
+                <a16:creationId xmlns:a16="http://schemas.microsoft.com/office/drawing/2014/main" id="{1A2BD33D-ECA2-CCE8-603E-EE4A01CB24C6}"/>
+              </a:ext>
+            </a:extLst>
+          </p:cNvPr>
+          <p:cNvSpPr/>
+          <p:nvPr/>
+        </p:nvSpPr>
+        <p:spPr>
+          <a:xfrm>
+            <a:off x="3104558" y="2680995"/>
+            <a:ext cx="747317" cy="242595"/>
+          </a:xfrm>
+          <a:prstGeom prst="roundRect">
+            <a:avLst>
+              <a:gd name="adj" fmla="val 50000"/>
+            </a:avLst>
+          </a:prstGeom>
+          <a:solidFill>
+            <a:schemeClr val="accent6"/>
+          </a:solidFill>
+          <a:ln>
+            <a:solidFill>
+              <a:schemeClr val="tx1"/>
+            </a:solidFill>
+          </a:ln>
+        </p:spPr>
+        <p:style>
+          <a:lnRef idx="2">
+            <a:schemeClr val="accent4">
+              <a:shade val="15000"/>
+            </a:schemeClr>
+          </a:lnRef>
+          <a:fillRef idx="1">
+            <a:schemeClr val="accent4"/>
+          </a:fillRef>
+          <a:effectRef idx="0">
+            <a:schemeClr val="accent4"/>
+          </a:effectRef>
+          <a:fontRef idx="minor">
+            <a:schemeClr val="lt1"/>
+          </a:fontRef>
+        </p:style>
+        <p:txBody>
+          <a:bodyPr rtlCol="0" anchor="ctr"/>
+          <a:lstStyle/>
+          <a:p>
+            <a:pPr algn="ctr"/>
+            <a:r>
+              <a:rPr lang="en-US" sz="1600" dirty="0">
+                <a:solidFill>
+                  <a:schemeClr val="tx1"/>
+                </a:solidFill>
+              </a:rPr>
+              <a:t>F70</a:t>
+            </a:r>
+          </a:p>
+        </p:txBody>
+      </p:sp>
+      <p:sp>
+        <p:nvSpPr>
+          <p:cNvPr id="22" name="Rectangle: Rounded Corners 21">
+            <a:extLst>
+              <a:ext uri="{FF2B5EF4-FFF2-40B4-BE49-F238E27FC236}">
+                <a16:creationId xmlns:a16="http://schemas.microsoft.com/office/drawing/2014/main" id="{E748D7D4-7023-4449-0EBC-DC6E055532F7}"/>
+              </a:ext>
+            </a:extLst>
+          </p:cNvPr>
+          <p:cNvSpPr/>
+          <p:nvPr/>
+        </p:nvSpPr>
+        <p:spPr>
+          <a:xfrm>
+            <a:off x="5237149" y="2155821"/>
+            <a:ext cx="747317" cy="242595"/>
+          </a:xfrm>
+          <a:prstGeom prst="roundRect">
+            <a:avLst>
+              <a:gd name="adj" fmla="val 50000"/>
+            </a:avLst>
+          </a:prstGeom>
+          <a:solidFill>
+            <a:schemeClr val="accent6"/>
+          </a:solidFill>
+          <a:ln>
+            <a:solidFill>
+              <a:schemeClr val="tx1"/>
+            </a:solidFill>
+          </a:ln>
+        </p:spPr>
+        <p:style>
+          <a:lnRef idx="2">
+            <a:schemeClr val="accent4">
+              <a:shade val="15000"/>
+            </a:schemeClr>
+          </a:lnRef>
+          <a:fillRef idx="1">
+            <a:schemeClr val="accent4"/>
+          </a:fillRef>
+          <a:effectRef idx="0">
+            <a:schemeClr val="accent4"/>
+          </a:effectRef>
+          <a:fontRef idx="minor">
+            <a:schemeClr val="lt1"/>
+          </a:fontRef>
+        </p:style>
+        <p:txBody>
+          <a:bodyPr rtlCol="0" anchor="ctr"/>
+          <a:lstStyle/>
+          <a:p>
+            <a:pPr algn="ctr"/>
+            <a:r>
+              <a:rPr lang="en-US" sz="1600" dirty="0">
+                <a:solidFill>
+                  <a:schemeClr val="tx1"/>
+                </a:solidFill>
+              </a:rPr>
+              <a:t>K68</a:t>
+            </a:r>
+          </a:p>
+        </p:txBody>
+      </p:sp>
+      <p:sp>
+        <p:nvSpPr>
+          <p:cNvPr id="23" name="Rectangle: Rounded Corners 22">
+            <a:extLst>
+              <a:ext uri="{FF2B5EF4-FFF2-40B4-BE49-F238E27FC236}">
+                <a16:creationId xmlns:a16="http://schemas.microsoft.com/office/drawing/2014/main" id="{1916387B-FFAA-BA31-C00D-237EA3C23E5D}"/>
+              </a:ext>
+            </a:extLst>
+          </p:cNvPr>
+          <p:cNvSpPr/>
+          <p:nvPr/>
+        </p:nvSpPr>
+        <p:spPr>
+          <a:xfrm>
+            <a:off x="8803549" y="878196"/>
+            <a:ext cx="747317" cy="242595"/>
+          </a:xfrm>
+          <a:prstGeom prst="roundRect">
+            <a:avLst>
+              <a:gd name="adj" fmla="val 50000"/>
+            </a:avLst>
+          </a:prstGeom>
+          <a:solidFill>
+            <a:schemeClr val="accent6"/>
+          </a:solidFill>
+          <a:ln>
+            <a:solidFill>
+              <a:schemeClr val="tx1"/>
+            </a:solidFill>
+          </a:ln>
+        </p:spPr>
+        <p:style>
+          <a:lnRef idx="2">
+            <a:schemeClr val="accent4">
+              <a:shade val="15000"/>
+            </a:schemeClr>
+          </a:lnRef>
+          <a:fillRef idx="1">
+            <a:schemeClr val="accent4"/>
+          </a:fillRef>
+          <a:effectRef idx="0">
+            <a:schemeClr val="accent4"/>
+          </a:effectRef>
+          <a:fontRef idx="minor">
+            <a:schemeClr val="lt1"/>
+          </a:fontRef>
+        </p:style>
+        <p:txBody>
+          <a:bodyPr rtlCol="0" anchor="ctr"/>
+          <a:lstStyle/>
+          <a:p>
+            <a:pPr algn="ctr"/>
+            <a:r>
+              <a:rPr lang="en-US" sz="1600" dirty="0">
+                <a:solidFill>
+                  <a:schemeClr val="tx1"/>
+                </a:solidFill>
+              </a:rPr>
+              <a:t>N46</a:t>
+            </a:r>
+          </a:p>
+        </p:txBody>
+      </p:sp>
+      <p:sp>
+        <p:nvSpPr>
+          <p:cNvPr id="24" name="Rectangle: Rounded Corners 23">
+            <a:extLst>
+              <a:ext uri="{FF2B5EF4-FFF2-40B4-BE49-F238E27FC236}">
+                <a16:creationId xmlns:a16="http://schemas.microsoft.com/office/drawing/2014/main" id="{8C2EEBFF-E301-0A9F-92D7-7830CCE4D1C3}"/>
+              </a:ext>
+            </a:extLst>
+          </p:cNvPr>
+          <p:cNvSpPr/>
+          <p:nvPr/>
+        </p:nvSpPr>
+        <p:spPr>
+          <a:xfrm>
+            <a:off x="7248767" y="4812352"/>
+            <a:ext cx="747317" cy="242595"/>
+          </a:xfrm>
+          <a:prstGeom prst="roundRect">
+            <a:avLst>
+              <a:gd name="adj" fmla="val 50000"/>
+            </a:avLst>
+          </a:prstGeom>
+          <a:solidFill>
+            <a:schemeClr val="accent6"/>
+          </a:solidFill>
+          <a:ln>
+            <a:solidFill>
+              <a:schemeClr val="tx1"/>
+            </a:solidFill>
+          </a:ln>
+        </p:spPr>
+        <p:style>
+          <a:lnRef idx="2">
+            <a:schemeClr val="accent4">
+              <a:shade val="15000"/>
+            </a:schemeClr>
+          </a:lnRef>
+          <a:fillRef idx="1">
+            <a:schemeClr val="accent4"/>
+          </a:fillRef>
+          <a:effectRef idx="0">
+            <a:schemeClr val="accent4"/>
+          </a:effectRef>
+          <a:fontRef idx="minor">
+            <a:schemeClr val="lt1"/>
+          </a:fontRef>
+        </p:style>
+        <p:txBody>
+          <a:bodyPr rtlCol="0" anchor="ctr"/>
+          <a:lstStyle/>
+          <a:p>
+            <a:pPr algn="ctr"/>
+            <a:r>
+              <a:rPr lang="en-US" sz="1600" dirty="0">
+                <a:solidFill>
+                  <a:schemeClr val="tx1"/>
+                </a:solidFill>
+              </a:rPr>
+              <a:t>Y7</a:t>
+            </a:r>
+          </a:p>
+        </p:txBody>
+      </p:sp>
+      <p:sp>
+        <p:nvSpPr>
+          <p:cNvPr id="25" name="Rectangle: Rounded Corners 24">
+            <a:extLst>
+              <a:ext uri="{FF2B5EF4-FFF2-40B4-BE49-F238E27FC236}">
+                <a16:creationId xmlns:a16="http://schemas.microsoft.com/office/drawing/2014/main" id="{0644F1C1-EE3D-6149-8340-721E1D6997D4}"/>
+              </a:ext>
+            </a:extLst>
+          </p:cNvPr>
+          <p:cNvSpPr/>
+          <p:nvPr/>
+        </p:nvSpPr>
+        <p:spPr>
+          <a:xfrm>
+            <a:off x="9371684" y="4651495"/>
+            <a:ext cx="747317" cy="242595"/>
+          </a:xfrm>
+          <a:prstGeom prst="roundRect">
+            <a:avLst>
+              <a:gd name="adj" fmla="val 50000"/>
+            </a:avLst>
+          </a:prstGeom>
+          <a:solidFill>
+            <a:schemeClr val="accent6"/>
+          </a:solidFill>
+          <a:ln>
+            <a:solidFill>
+              <a:schemeClr val="tx1"/>
+            </a:solidFill>
+          </a:ln>
+        </p:spPr>
+        <p:style>
+          <a:lnRef idx="2">
+            <a:schemeClr val="accent4">
+              <a:shade val="15000"/>
+            </a:schemeClr>
+          </a:lnRef>
+          <a:fillRef idx="1">
+            <a:schemeClr val="accent4"/>
+          </a:fillRef>
+          <a:effectRef idx="0">
+            <a:schemeClr val="accent4"/>
+          </a:effectRef>
+          <a:fontRef idx="minor">
+            <a:schemeClr val="lt1"/>
+          </a:fontRef>
+        </p:style>
+        <p:txBody>
+          <a:bodyPr rtlCol="0" anchor="ctr"/>
+          <a:lstStyle/>
+          <a:p>
+            <a:pPr algn="ctr"/>
+            <a:r>
+              <a:rPr lang="en-US" sz="1600" dirty="0">
+                <a:solidFill>
+                  <a:schemeClr val="tx1"/>
+                </a:solidFill>
+              </a:rPr>
+              <a:t>L5</a:t>
+            </a:r>
+          </a:p>
+        </p:txBody>
+      </p:sp>
+      <p:sp>
+        <p:nvSpPr>
+          <p:cNvPr id="26" name="Rectangle: Rounded Corners 25">
+            <a:extLst>
+              <a:ext uri="{FF2B5EF4-FFF2-40B4-BE49-F238E27FC236}">
+                <a16:creationId xmlns:a16="http://schemas.microsoft.com/office/drawing/2014/main" id="{4B0FFF7B-7E66-1750-B77A-677A9231C34E}"/>
+              </a:ext>
+            </a:extLst>
+          </p:cNvPr>
+          <p:cNvSpPr/>
+          <p:nvPr/>
+        </p:nvSpPr>
+        <p:spPr>
+          <a:xfrm>
+            <a:off x="9600629" y="5654347"/>
+            <a:ext cx="747317" cy="242595"/>
+          </a:xfrm>
+          <a:prstGeom prst="roundRect">
+            <a:avLst>
+              <a:gd name="adj" fmla="val 50000"/>
+            </a:avLst>
+          </a:prstGeom>
+          <a:solidFill>
+            <a:schemeClr val="accent6"/>
+          </a:solidFill>
+          <a:ln>
+            <a:solidFill>
+              <a:schemeClr val="tx1"/>
+            </a:solidFill>
+          </a:ln>
+        </p:spPr>
+        <p:style>
+          <a:lnRef idx="2">
+            <a:schemeClr val="accent4">
+              <a:shade val="15000"/>
+            </a:schemeClr>
+          </a:lnRef>
+          <a:fillRef idx="1">
+            <a:schemeClr val="accent4"/>
+          </a:fillRef>
+          <a:effectRef idx="0">
+            <a:schemeClr val="accent4"/>
+          </a:effectRef>
+          <a:fontRef idx="minor">
+            <a:schemeClr val="lt1"/>
+          </a:fontRef>
+        </p:style>
+        <p:txBody>
+          <a:bodyPr rtlCol="0" anchor="ctr"/>
+          <a:lstStyle/>
+          <a:p>
+            <a:pPr algn="ctr"/>
+            <a:r>
+              <a:rPr lang="en-US" sz="1600" dirty="0">
+                <a:solidFill>
+                  <a:schemeClr val="tx1"/>
+                </a:solidFill>
+              </a:rPr>
+              <a:t>S6</a:t>
+            </a:r>
+          </a:p>
+        </p:txBody>
+      </p:sp>
+      <p:sp>
+        <p:nvSpPr>
+          <p:cNvPr id="27" name="Rectangle: Rounded Corners 26">
+            <a:extLst>
+              <a:ext uri="{FF2B5EF4-FFF2-40B4-BE49-F238E27FC236}">
+                <a16:creationId xmlns:a16="http://schemas.microsoft.com/office/drawing/2014/main" id="{43C954B2-5F13-1F72-C328-CBA642803205}"/>
+              </a:ext>
+            </a:extLst>
+          </p:cNvPr>
+          <p:cNvSpPr/>
+          <p:nvPr/>
+        </p:nvSpPr>
+        <p:spPr>
+          <a:xfrm>
+            <a:off x="7248767" y="1513800"/>
+            <a:ext cx="747317" cy="242595"/>
+          </a:xfrm>
+          <a:prstGeom prst="roundRect">
+            <a:avLst>
+              <a:gd name="adj" fmla="val 50000"/>
+            </a:avLst>
+          </a:prstGeom>
+          <a:solidFill>
+            <a:srgbClr val="CC00CC"/>
+          </a:solidFill>
+          <a:ln>
+            <a:solidFill>
+              <a:schemeClr val="tx1"/>
+            </a:solidFill>
+          </a:ln>
+        </p:spPr>
+        <p:style>
+          <a:lnRef idx="2">
+            <a:schemeClr val="accent4">
+              <a:shade val="15000"/>
+            </a:schemeClr>
+          </a:lnRef>
+          <a:fillRef idx="1">
+            <a:schemeClr val="accent4"/>
+          </a:fillRef>
+          <a:effectRef idx="0">
+            <a:schemeClr val="accent4"/>
+          </a:effectRef>
+          <a:fontRef idx="minor">
+            <a:schemeClr val="lt1"/>
+          </a:fontRef>
+        </p:style>
+        <p:txBody>
+          <a:bodyPr rtlCol="0" anchor="ctr"/>
+          <a:lstStyle/>
+          <a:p>
+            <a:pPr algn="ctr"/>
+            <a:r>
+              <a:rPr lang="en-US" sz="1600" dirty="0">
+                <a:solidFill>
+                  <a:schemeClr val="bg1"/>
+                </a:solidFill>
+              </a:rPr>
+              <a:t>H25</a:t>
+            </a:r>
+          </a:p>
+        </p:txBody>
+      </p:sp>
+      <p:sp>
+        <p:nvSpPr>
+          <p:cNvPr id="4" name="Rectangle: Rounded Corners 3">
+            <a:extLst>
+              <a:ext uri="{FF2B5EF4-FFF2-40B4-BE49-F238E27FC236}">
+                <a16:creationId xmlns:a16="http://schemas.microsoft.com/office/drawing/2014/main" id="{5F04FFF8-79CF-B705-B731-5FD0F3B3F1B1}"/>
+              </a:ext>
+            </a:extLst>
+          </p:cNvPr>
+          <p:cNvSpPr/>
+          <p:nvPr/>
+        </p:nvSpPr>
+        <p:spPr>
+          <a:xfrm>
+            <a:off x="10119001" y="1064312"/>
+            <a:ext cx="747317" cy="242595"/>
+          </a:xfrm>
+          <a:prstGeom prst="roundRect">
+            <a:avLst>
+              <a:gd name="adj" fmla="val 50000"/>
+            </a:avLst>
+          </a:prstGeom>
+          <a:solidFill>
+            <a:srgbClr val="CC00CC"/>
+          </a:solidFill>
+          <a:ln>
+            <a:solidFill>
+              <a:schemeClr val="tx1"/>
+            </a:solidFill>
+          </a:ln>
+        </p:spPr>
+        <p:style>
+          <a:lnRef idx="2">
+            <a:schemeClr val="accent4">
+              <a:shade val="15000"/>
+            </a:schemeClr>
+          </a:lnRef>
+          <a:fillRef idx="1">
+            <a:schemeClr val="accent4"/>
+          </a:fillRef>
+          <a:effectRef idx="0">
+            <a:schemeClr val="accent4"/>
+          </a:effectRef>
+          <a:fontRef idx="minor">
+            <a:schemeClr val="lt1"/>
+          </a:fontRef>
+        </p:style>
+        <p:txBody>
+          <a:bodyPr rtlCol="0" anchor="ctr"/>
+          <a:lstStyle/>
+          <a:p>
+            <a:pPr algn="ctr"/>
+            <a:r>
+              <a:rPr lang="en-US" sz="1600" dirty="0">
+                <a:solidFill>
+                  <a:schemeClr val="bg1"/>
+                </a:solidFill>
+              </a:rPr>
+              <a:t>R47</a:t>
+            </a:r>
+          </a:p>
+        </p:txBody>
+      </p:sp>
+      <p:cxnSp>
+        <p:nvCxnSpPr>
+          <p:cNvPr id="2" name="Connector: Curved 1">
+            <a:extLst>
+              <a:ext uri="{FF2B5EF4-FFF2-40B4-BE49-F238E27FC236}">
+                <a16:creationId xmlns:a16="http://schemas.microsoft.com/office/drawing/2014/main" id="{F2169F01-9A5F-0F01-3122-524A439ED708}"/>
+              </a:ext>
+            </a:extLst>
+          </p:cNvPr>
+          <p:cNvCxnSpPr>
+            <a:cxnSpLocks/>
+            <a:stCxn id="19" idx="2"/>
+            <a:endCxn id="22" idx="3"/>
+          </p:cNvCxnSpPr>
+          <p:nvPr/>
+        </p:nvCxnSpPr>
+        <p:spPr>
+          <a:xfrm rot="5400000">
+            <a:off x="6235768" y="1747688"/>
+            <a:ext cx="278129" cy="780732"/>
+          </a:xfrm>
+          <a:prstGeom prst="curvedConnector2">
+            <a:avLst/>
+          </a:prstGeom>
+          <a:ln w="28575">
+            <a:solidFill>
+              <a:srgbClr val="FF0000"/>
+            </a:solidFill>
+            <a:prstDash val="dash"/>
+          </a:ln>
+        </p:spPr>
+        <p:style>
+          <a:lnRef idx="1">
+            <a:schemeClr val="accent1"/>
+          </a:lnRef>
+          <a:fillRef idx="0">
+            <a:schemeClr val="accent1"/>
+          </a:fillRef>
+          <a:effectRef idx="0">
+            <a:schemeClr val="accent1"/>
+          </a:effectRef>
+          <a:fontRef idx="minor">
+            <a:schemeClr val="tx1"/>
+          </a:fontRef>
+        </p:style>
+      </p:cxnSp>
+      <p:cxnSp>
+        <p:nvCxnSpPr>
+          <p:cNvPr id="7" name="Connector: Curved 6">
+            <a:extLst>
+              <a:ext uri="{FF2B5EF4-FFF2-40B4-BE49-F238E27FC236}">
+                <a16:creationId xmlns:a16="http://schemas.microsoft.com/office/drawing/2014/main" id="{D96DAF32-A5B5-A64C-8A4B-825C90A62DD8}"/>
+              </a:ext>
+            </a:extLst>
+          </p:cNvPr>
+          <p:cNvCxnSpPr>
+            <a:cxnSpLocks/>
+            <a:stCxn id="27" idx="0"/>
+          </p:cNvCxnSpPr>
+          <p:nvPr/>
+        </p:nvCxnSpPr>
+        <p:spPr>
+          <a:xfrm rot="16200000" flipV="1">
+            <a:off x="6641482" y="532856"/>
+            <a:ext cx="435464" cy="1526424"/>
+          </a:xfrm>
+          <a:prstGeom prst="curvedConnector2">
+            <a:avLst/>
+          </a:prstGeom>
+          <a:ln w="28575">
+            <a:solidFill>
+              <a:srgbClr val="FF0000"/>
+            </a:solidFill>
+            <a:prstDash val="dash"/>
+          </a:ln>
+        </p:spPr>
+        <p:style>
+          <a:lnRef idx="1">
+            <a:schemeClr val="accent1"/>
+          </a:lnRef>
+          <a:fillRef idx="0">
+            <a:schemeClr val="accent1"/>
+          </a:fillRef>
+          <a:effectRef idx="0">
+            <a:schemeClr val="accent1"/>
+          </a:effectRef>
+          <a:fontRef idx="minor">
+            <a:schemeClr val="tx1"/>
+          </a:fontRef>
+        </p:style>
+      </p:cxnSp>
+      <p:cxnSp>
+        <p:nvCxnSpPr>
+          <p:cNvPr id="31" name="Connector: Curved 30">
+            <a:extLst>
+              <a:ext uri="{FF2B5EF4-FFF2-40B4-BE49-F238E27FC236}">
+                <a16:creationId xmlns:a16="http://schemas.microsoft.com/office/drawing/2014/main" id="{FB93E8EF-F9F4-A318-10DE-B5B1CF0ED2D0}"/>
+              </a:ext>
+            </a:extLst>
+          </p:cNvPr>
+          <p:cNvCxnSpPr>
+            <a:cxnSpLocks/>
+            <a:stCxn id="18" idx="2"/>
+            <a:endCxn id="20" idx="2"/>
+          </p:cNvCxnSpPr>
+          <p:nvPr/>
+        </p:nvCxnSpPr>
+        <p:spPr>
+          <a:xfrm rot="5400000">
+            <a:off x="4064896" y="373503"/>
+            <a:ext cx="12700" cy="2419176"/>
+          </a:xfrm>
+          <a:prstGeom prst="curvedConnector3">
+            <a:avLst>
+              <a:gd name="adj1" fmla="val 1800000"/>
+            </a:avLst>
+          </a:prstGeom>
+          <a:ln w="28575">
+            <a:solidFill>
+              <a:srgbClr val="FF0000"/>
+            </a:solidFill>
+            <a:prstDash val="dash"/>
+          </a:ln>
+        </p:spPr>
+        <p:style>
+          <a:lnRef idx="1">
+            <a:schemeClr val="accent1"/>
+          </a:lnRef>
+          <a:fillRef idx="0">
+            <a:schemeClr val="accent1"/>
+          </a:fillRef>
+          <a:effectRef idx="0">
+            <a:schemeClr val="accent1"/>
+          </a:effectRef>
+          <a:fontRef idx="minor">
+            <a:schemeClr val="tx1"/>
+          </a:fontRef>
+        </p:style>
+      </p:cxnSp>
+      <p:cxnSp>
+        <p:nvCxnSpPr>
+          <p:cNvPr id="34" name="Connector: Curved 33">
+            <a:extLst>
+              <a:ext uri="{FF2B5EF4-FFF2-40B4-BE49-F238E27FC236}">
+                <a16:creationId xmlns:a16="http://schemas.microsoft.com/office/drawing/2014/main" id="{08EC3387-D3A0-5C2D-2F3B-52CB38972E14}"/>
+              </a:ext>
+            </a:extLst>
+          </p:cNvPr>
+          <p:cNvCxnSpPr>
+            <a:cxnSpLocks/>
+            <a:stCxn id="17" idx="2"/>
+            <a:endCxn id="21" idx="1"/>
+          </p:cNvCxnSpPr>
+          <p:nvPr/>
+        </p:nvCxnSpPr>
+        <p:spPr>
+          <a:xfrm rot="16200000" flipH="1">
+            <a:off x="2620421" y="2318155"/>
+            <a:ext cx="349219" cy="619055"/>
+          </a:xfrm>
+          <a:prstGeom prst="curvedConnector2">
+            <a:avLst/>
+          </a:prstGeom>
+          <a:ln w="28575">
+            <a:solidFill>
+              <a:srgbClr val="FF0000"/>
+            </a:solidFill>
+            <a:prstDash val="dash"/>
+          </a:ln>
+        </p:spPr>
+        <p:style>
+          <a:lnRef idx="1">
+            <a:schemeClr val="accent1"/>
+          </a:lnRef>
+          <a:fillRef idx="0">
+            <a:schemeClr val="accent1"/>
+          </a:fillRef>
+          <a:effectRef idx="0">
+            <a:schemeClr val="accent1"/>
+          </a:effectRef>
+          <a:fontRef idx="minor">
+            <a:schemeClr val="tx1"/>
+          </a:fontRef>
+        </p:style>
+      </p:cxnSp>
+      <p:cxnSp>
+        <p:nvCxnSpPr>
+          <p:cNvPr id="37" name="Connector: Curved 36">
+            <a:extLst>
+              <a:ext uri="{FF2B5EF4-FFF2-40B4-BE49-F238E27FC236}">
+                <a16:creationId xmlns:a16="http://schemas.microsoft.com/office/drawing/2014/main" id="{19D38EAA-B0E8-6E54-0D54-4A9BFC681689}"/>
+              </a:ext>
+            </a:extLst>
+          </p:cNvPr>
+          <p:cNvCxnSpPr>
+            <a:cxnSpLocks/>
+            <a:stCxn id="13" idx="1"/>
+            <a:endCxn id="24" idx="1"/>
+          </p:cNvCxnSpPr>
+          <p:nvPr/>
+        </p:nvCxnSpPr>
+        <p:spPr>
+          <a:xfrm rot="10800000" flipV="1">
+            <a:off x="7248767" y="4335184"/>
+            <a:ext cx="373658" cy="598465"/>
+          </a:xfrm>
+          <a:prstGeom prst="curvedConnector3">
+            <a:avLst>
+              <a:gd name="adj1" fmla="val 137873"/>
+            </a:avLst>
+          </a:prstGeom>
+          <a:ln w="28575">
+            <a:solidFill>
+              <a:srgbClr val="FF0000"/>
+            </a:solidFill>
+            <a:prstDash val="dash"/>
+          </a:ln>
+        </p:spPr>
+        <p:style>
+          <a:lnRef idx="1">
+            <a:schemeClr val="accent1"/>
+          </a:lnRef>
+          <a:fillRef idx="0">
+            <a:schemeClr val="accent1"/>
+          </a:fillRef>
+          <a:effectRef idx="0">
+            <a:schemeClr val="accent1"/>
+          </a:effectRef>
+          <a:fontRef idx="minor">
+            <a:schemeClr val="tx1"/>
+          </a:fontRef>
+        </p:style>
+      </p:cxnSp>
+      <p:cxnSp>
+        <p:nvCxnSpPr>
+          <p:cNvPr id="45" name="Connector: Curved 44">
+            <a:extLst>
+              <a:ext uri="{FF2B5EF4-FFF2-40B4-BE49-F238E27FC236}">
+                <a16:creationId xmlns:a16="http://schemas.microsoft.com/office/drawing/2014/main" id="{8462E232-ECDC-5569-1137-F1A7E8E660B7}"/>
+              </a:ext>
+            </a:extLst>
+          </p:cNvPr>
+          <p:cNvCxnSpPr>
+            <a:cxnSpLocks/>
+            <a:stCxn id="4" idx="2"/>
+            <a:endCxn id="11" idx="0"/>
+          </p:cNvCxnSpPr>
+          <p:nvPr/>
+        </p:nvCxnSpPr>
+        <p:spPr>
+          <a:xfrm rot="5400000">
+            <a:off x="9894548" y="1436411"/>
+            <a:ext cx="727616" cy="468609"/>
+          </a:xfrm>
+          <a:prstGeom prst="curvedConnector3">
+            <a:avLst>
+              <a:gd name="adj1" fmla="val 50000"/>
+            </a:avLst>
+          </a:prstGeom>
+          <a:ln w="28575">
+            <a:solidFill>
+              <a:srgbClr val="FF0000"/>
+            </a:solidFill>
+            <a:prstDash val="dash"/>
+          </a:ln>
+        </p:spPr>
+        <p:style>
+          <a:lnRef idx="1">
+            <a:schemeClr val="accent1"/>
+          </a:lnRef>
+          <a:fillRef idx="0">
+            <a:schemeClr val="accent1"/>
+          </a:fillRef>
+          <a:effectRef idx="0">
+            <a:schemeClr val="accent1"/>
+          </a:effectRef>
+          <a:fontRef idx="minor">
+            <a:schemeClr val="tx1"/>
+          </a:fontRef>
+        </p:style>
+      </p:cxnSp>
+      <p:cxnSp>
+        <p:nvCxnSpPr>
+          <p:cNvPr id="49" name="Connector: Curved 48">
+            <a:extLst>
+              <a:ext uri="{FF2B5EF4-FFF2-40B4-BE49-F238E27FC236}">
+                <a16:creationId xmlns:a16="http://schemas.microsoft.com/office/drawing/2014/main" id="{2CFE6787-EF39-40A0-43E0-6ED6D6FABD19}"/>
+              </a:ext>
+            </a:extLst>
+          </p:cNvPr>
+          <p:cNvCxnSpPr>
+            <a:cxnSpLocks/>
+            <a:stCxn id="12" idx="2"/>
+            <a:endCxn id="23" idx="3"/>
+          </p:cNvCxnSpPr>
+          <p:nvPr/>
+        </p:nvCxnSpPr>
+        <p:spPr>
+          <a:xfrm rot="5400000">
+            <a:off x="9567588" y="592794"/>
+            <a:ext cx="389979" cy="423421"/>
+          </a:xfrm>
+          <a:prstGeom prst="curvedConnector2">
+            <a:avLst/>
+          </a:prstGeom>
+          <a:ln w="28575">
+            <a:solidFill>
+              <a:srgbClr val="FF0000"/>
+            </a:solidFill>
+            <a:prstDash val="dash"/>
+          </a:ln>
+        </p:spPr>
+        <p:style>
+          <a:lnRef idx="1">
+            <a:schemeClr val="accent1"/>
+          </a:lnRef>
+          <a:fillRef idx="0">
+            <a:schemeClr val="accent1"/>
+          </a:fillRef>
+          <a:effectRef idx="0">
+            <a:schemeClr val="accent1"/>
+          </a:effectRef>
+          <a:fontRef idx="minor">
+            <a:schemeClr val="tx1"/>
+          </a:fontRef>
+        </p:style>
+      </p:cxnSp>
+      <p:cxnSp>
+        <p:nvCxnSpPr>
+          <p:cNvPr id="52" name="Connector: Curved 51">
+            <a:extLst>
+              <a:ext uri="{FF2B5EF4-FFF2-40B4-BE49-F238E27FC236}">
+                <a16:creationId xmlns:a16="http://schemas.microsoft.com/office/drawing/2014/main" id="{5CAE820E-FA08-AAEC-036F-A0E9F42299B2}"/>
+              </a:ext>
+            </a:extLst>
+          </p:cNvPr>
+          <p:cNvCxnSpPr>
+            <a:cxnSpLocks/>
+            <a:stCxn id="27" idx="2"/>
+            <a:endCxn id="19" idx="2"/>
+          </p:cNvCxnSpPr>
+          <p:nvPr/>
+        </p:nvCxnSpPr>
+        <p:spPr>
+          <a:xfrm rot="5400000">
+            <a:off x="7072515" y="1449078"/>
+            <a:ext cx="242595" cy="857228"/>
+          </a:xfrm>
+          <a:prstGeom prst="curvedConnector3">
+            <a:avLst>
+              <a:gd name="adj1" fmla="val 194231"/>
+            </a:avLst>
+          </a:prstGeom>
+          <a:ln w="28575">
+            <a:solidFill>
+              <a:srgbClr val="FF0000"/>
+            </a:solidFill>
+            <a:prstDash val="dash"/>
+          </a:ln>
+        </p:spPr>
+        <p:style>
+          <a:lnRef idx="1">
+            <a:schemeClr val="accent1"/>
+          </a:lnRef>
+          <a:fillRef idx="0">
+            <a:schemeClr val="accent1"/>
+          </a:fillRef>
+          <a:effectRef idx="0">
+            <a:schemeClr val="accent1"/>
+          </a:effectRef>
+          <a:fontRef idx="minor">
+            <a:schemeClr val="tx1"/>
+          </a:fontRef>
+        </p:style>
+      </p:cxnSp>
+      <p:cxnSp>
+        <p:nvCxnSpPr>
+          <p:cNvPr id="57" name="Connector: Curved 56">
+            <a:extLst>
+              <a:ext uri="{FF2B5EF4-FFF2-40B4-BE49-F238E27FC236}">
+                <a16:creationId xmlns:a16="http://schemas.microsoft.com/office/drawing/2014/main" id="{C8C9F0FF-3A97-2FD5-9C2D-786A8E841922}"/>
+              </a:ext>
+            </a:extLst>
+          </p:cNvPr>
+          <p:cNvCxnSpPr>
+            <a:cxnSpLocks/>
+            <a:stCxn id="14" idx="3"/>
+            <a:endCxn id="26" idx="1"/>
+          </p:cNvCxnSpPr>
+          <p:nvPr/>
+        </p:nvCxnSpPr>
+        <p:spPr>
+          <a:xfrm>
+            <a:off x="8609654" y="5654350"/>
+            <a:ext cx="990975" cy="121295"/>
+          </a:xfrm>
+          <a:prstGeom prst="curvedConnector3">
+            <a:avLst>
+              <a:gd name="adj1" fmla="val 50000"/>
+            </a:avLst>
+          </a:prstGeom>
+          <a:ln w="28575">
+            <a:solidFill>
+              <a:srgbClr val="FF0000"/>
+            </a:solidFill>
+            <a:prstDash val="dash"/>
+          </a:ln>
+        </p:spPr>
+        <p:style>
+          <a:lnRef idx="1">
+            <a:schemeClr val="accent1"/>
+          </a:lnRef>
+          <a:fillRef idx="0">
+            <a:schemeClr val="accent1"/>
+          </a:fillRef>
+          <a:effectRef idx="0">
+            <a:schemeClr val="accent1"/>
+          </a:effectRef>
+          <a:fontRef idx="minor">
+            <a:schemeClr val="tx1"/>
+          </a:fontRef>
+        </p:style>
+      </p:cxnSp>
+      <p:cxnSp>
+        <p:nvCxnSpPr>
+          <p:cNvPr id="61" name="Connector: Curved 60">
+            <a:extLst>
+              <a:ext uri="{FF2B5EF4-FFF2-40B4-BE49-F238E27FC236}">
+                <a16:creationId xmlns:a16="http://schemas.microsoft.com/office/drawing/2014/main" id="{25B93136-546B-C819-2AC4-2CC9E288841C}"/>
+              </a:ext>
+            </a:extLst>
+          </p:cNvPr>
+          <p:cNvCxnSpPr>
+            <a:cxnSpLocks/>
+            <a:stCxn id="25" idx="3"/>
+            <a:endCxn id="15" idx="3"/>
+          </p:cNvCxnSpPr>
+          <p:nvPr/>
+        </p:nvCxnSpPr>
+        <p:spPr>
+          <a:xfrm flipH="1">
+            <a:off x="10078271" y="4772793"/>
+            <a:ext cx="40730" cy="1394785"/>
+          </a:xfrm>
+          <a:prstGeom prst="curvedConnector3">
+            <a:avLst>
+              <a:gd name="adj1" fmla="val -1324874"/>
+            </a:avLst>
+          </a:prstGeom>
+          <a:ln w="28575">
+            <a:solidFill>
+              <a:srgbClr val="FF0000"/>
+            </a:solidFill>
+            <a:prstDash val="dash"/>
+          </a:ln>
+        </p:spPr>
+        <p:style>
+          <a:lnRef idx="1">
+            <a:schemeClr val="accent1"/>
+          </a:lnRef>
+          <a:fillRef idx="0">
+            <a:schemeClr val="accent1"/>
+          </a:fillRef>
+          <a:effectRef idx="0">
+            <a:schemeClr val="accent1"/>
+          </a:effectRef>
+          <a:fontRef idx="minor">
+            <a:schemeClr val="tx1"/>
+          </a:fontRef>
+        </p:style>
+      </p:cxnSp>
+      <p:pic>
+        <p:nvPicPr>
+          <p:cNvPr id="5" name="Picture 4" descr="A close-up of a structure&#10;&#10;Description automatically generated">
+            <a:extLst>
+              <a:ext uri="{FF2B5EF4-FFF2-40B4-BE49-F238E27FC236}">
+                <a16:creationId xmlns:a16="http://schemas.microsoft.com/office/drawing/2014/main" id="{D1BC3FF9-1FB0-AB64-6E12-6DCAF0D02748}"/>
+              </a:ext>
+            </a:extLst>
+          </p:cNvPr>
+          <p:cNvPicPr>
+            <a:picLocks noChangeAspect="1"/>
+          </p:cNvPicPr>
+          <p:nvPr/>
+        </p:nvPicPr>
+        <p:blipFill>
+          <a:blip r:embed="rId3">
+            <a:extLst>
+              <a:ext uri="{28A0092B-C50C-407E-A947-70E740481C1C}">
+                <a14:useLocalDpi xmlns:a14="http://schemas.microsoft.com/office/drawing/2010/main" val="0"/>
+              </a:ext>
+            </a:extLst>
+          </a:blip>
+          <a:stretch>
+            <a:fillRect/>
+          </a:stretch>
+        </p:blipFill>
+        <p:spPr>
+          <a:xfrm>
+            <a:off x="11539152" y="-1264"/>
+            <a:ext cx="9397313" cy="6858000"/>
+          </a:xfrm>
+          <a:prstGeom prst="rect">
+            <a:avLst/>
+          </a:prstGeom>
+        </p:spPr>
+      </p:pic>
+      <p:sp>
+        <p:nvSpPr>
+          <p:cNvPr id="6" name="Rectangle: Rounded Corners 5">
+            <a:extLst>
+              <a:ext uri="{FF2B5EF4-FFF2-40B4-BE49-F238E27FC236}">
+                <a16:creationId xmlns:a16="http://schemas.microsoft.com/office/drawing/2014/main" id="{446223A7-A3D6-D9E4-8DD2-0B68DE338A46}"/>
+              </a:ext>
+            </a:extLst>
+          </p:cNvPr>
+          <p:cNvSpPr/>
+          <p:nvPr/>
+        </p:nvSpPr>
+        <p:spPr>
+          <a:xfrm>
+            <a:off x="14345958" y="902929"/>
+            <a:ext cx="747317" cy="242595"/>
+          </a:xfrm>
+          <a:prstGeom prst="roundRect">
+            <a:avLst>
+              <a:gd name="adj" fmla="val 50000"/>
+            </a:avLst>
+          </a:prstGeom>
+          <a:solidFill>
+            <a:srgbClr val="FFFF00"/>
+          </a:solidFill>
+          <a:ln>
+            <a:solidFill>
+              <a:srgbClr val="7030A0"/>
+            </a:solidFill>
+          </a:ln>
+        </p:spPr>
+        <p:style>
+          <a:lnRef idx="2">
+            <a:schemeClr val="accent4">
+              <a:shade val="15000"/>
+            </a:schemeClr>
+          </a:lnRef>
+          <a:fillRef idx="1">
+            <a:schemeClr val="accent4"/>
+          </a:fillRef>
+          <a:effectRef idx="0">
+            <a:schemeClr val="accent4"/>
+          </a:effectRef>
+          <a:fontRef idx="minor">
+            <a:schemeClr val="lt1"/>
+          </a:fontRef>
+        </p:style>
+        <p:txBody>
+          <a:bodyPr rtlCol="0" anchor="ctr"/>
+          <a:lstStyle/>
+          <a:p>
+            <a:pPr algn="ctr"/>
+            <a:r>
+              <a:rPr lang="en-US" sz="1600" dirty="0">
+                <a:solidFill>
+                  <a:srgbClr val="7030A0"/>
+                </a:solidFill>
+              </a:rPr>
+              <a:t>R226</a:t>
+            </a:r>
+          </a:p>
+        </p:txBody>
+      </p:sp>
+      <p:sp>
+        <p:nvSpPr>
+          <p:cNvPr id="8" name="Rectangle: Rounded Corners 7">
+            <a:extLst>
+              <a:ext uri="{FF2B5EF4-FFF2-40B4-BE49-F238E27FC236}">
+                <a16:creationId xmlns:a16="http://schemas.microsoft.com/office/drawing/2014/main" id="{567EE768-E5A7-41FE-6AFC-04B50F8EBABA}"/>
+              </a:ext>
+            </a:extLst>
+          </p:cNvPr>
+          <p:cNvSpPr/>
+          <p:nvPr/>
+        </p:nvSpPr>
+        <p:spPr>
+          <a:xfrm>
+            <a:off x="15490491" y="2448701"/>
+            <a:ext cx="747317" cy="242595"/>
+          </a:xfrm>
+          <a:prstGeom prst="roundRect">
+            <a:avLst>
+              <a:gd name="adj" fmla="val 50000"/>
+            </a:avLst>
+          </a:prstGeom>
+          <a:solidFill>
+            <a:srgbClr val="FFFF00"/>
+          </a:solidFill>
+          <a:ln>
+            <a:solidFill>
+              <a:srgbClr val="7030A0"/>
+            </a:solidFill>
+          </a:ln>
+        </p:spPr>
+        <p:style>
+          <a:lnRef idx="2">
+            <a:schemeClr val="accent4">
+              <a:shade val="15000"/>
+            </a:schemeClr>
+          </a:lnRef>
+          <a:fillRef idx="1">
+            <a:schemeClr val="accent4"/>
+          </a:fillRef>
+          <a:effectRef idx="0">
+            <a:schemeClr val="accent4"/>
+          </a:effectRef>
+          <a:fontRef idx="minor">
+            <a:schemeClr val="lt1"/>
+          </a:fontRef>
+        </p:style>
+        <p:txBody>
+          <a:bodyPr rtlCol="0" anchor="ctr"/>
+          <a:lstStyle/>
+          <a:p>
+            <a:pPr algn="ctr"/>
+            <a:r>
+              <a:rPr lang="en-US" sz="1600" dirty="0">
+                <a:solidFill>
+                  <a:srgbClr val="7030A0"/>
+                </a:solidFill>
+              </a:rPr>
+              <a:t>I320</a:t>
+            </a:r>
+          </a:p>
+        </p:txBody>
+      </p:sp>
+      <p:sp>
+        <p:nvSpPr>
+          <p:cNvPr id="9" name="Rectangle: Rounded Corners 8">
+            <a:extLst>
+              <a:ext uri="{FF2B5EF4-FFF2-40B4-BE49-F238E27FC236}">
+                <a16:creationId xmlns:a16="http://schemas.microsoft.com/office/drawing/2014/main" id="{6F274EB8-7F7B-B3D4-5B54-CCADA5F548A5}"/>
+              </a:ext>
+            </a:extLst>
+          </p:cNvPr>
+          <p:cNvSpPr/>
+          <p:nvPr/>
+        </p:nvSpPr>
+        <p:spPr>
+          <a:xfrm>
+            <a:off x="15642913" y="3786089"/>
+            <a:ext cx="747317" cy="242595"/>
+          </a:xfrm>
+          <a:prstGeom prst="roundRect">
+            <a:avLst>
+              <a:gd name="adj" fmla="val 50000"/>
+            </a:avLst>
+          </a:prstGeom>
+          <a:solidFill>
+            <a:srgbClr val="FFFF00"/>
+          </a:solidFill>
+          <a:ln>
+            <a:solidFill>
+              <a:srgbClr val="7030A0"/>
+            </a:solidFill>
+          </a:ln>
+        </p:spPr>
+        <p:style>
+          <a:lnRef idx="2">
+            <a:schemeClr val="accent4">
+              <a:shade val="15000"/>
+            </a:schemeClr>
+          </a:lnRef>
+          <a:fillRef idx="1">
+            <a:schemeClr val="accent4"/>
+          </a:fillRef>
+          <a:effectRef idx="0">
+            <a:schemeClr val="accent4"/>
+          </a:effectRef>
+          <a:fontRef idx="minor">
+            <a:schemeClr val="lt1"/>
+          </a:fontRef>
+        </p:style>
+        <p:txBody>
+          <a:bodyPr rtlCol="0" anchor="ctr"/>
+          <a:lstStyle/>
+          <a:p>
+            <a:pPr algn="ctr"/>
+            <a:r>
+              <a:rPr lang="en-US" sz="1600" dirty="0">
+                <a:solidFill>
+                  <a:srgbClr val="7030A0"/>
+                </a:solidFill>
+              </a:rPr>
+              <a:t>R319</a:t>
+            </a:r>
+          </a:p>
+        </p:txBody>
+      </p:sp>
+      <p:sp>
+        <p:nvSpPr>
+          <p:cNvPr id="10" name="Rectangle: Rounded Corners 9">
+            <a:extLst>
+              <a:ext uri="{FF2B5EF4-FFF2-40B4-BE49-F238E27FC236}">
+                <a16:creationId xmlns:a16="http://schemas.microsoft.com/office/drawing/2014/main" id="{FF5948A2-E9F3-2AC7-F37A-71E48FCFFD48}"/>
+              </a:ext>
+            </a:extLst>
+          </p:cNvPr>
+          <p:cNvSpPr/>
+          <p:nvPr/>
+        </p:nvSpPr>
+        <p:spPr>
+          <a:xfrm>
+            <a:off x="11301069" y="2206106"/>
+            <a:ext cx="747317" cy="242595"/>
+          </a:xfrm>
+          <a:prstGeom prst="roundRect">
+            <a:avLst>
+              <a:gd name="adj" fmla="val 50000"/>
+            </a:avLst>
+          </a:prstGeom>
+          <a:solidFill>
+            <a:srgbClr val="FFFF00"/>
+          </a:solidFill>
+          <a:ln>
+            <a:solidFill>
+              <a:srgbClr val="7030A0"/>
+            </a:solidFill>
+          </a:ln>
+        </p:spPr>
+        <p:style>
+          <a:lnRef idx="2">
+            <a:schemeClr val="accent4">
+              <a:shade val="15000"/>
+            </a:schemeClr>
+          </a:lnRef>
+          <a:fillRef idx="1">
+            <a:schemeClr val="accent4"/>
+          </a:fillRef>
+          <a:effectRef idx="0">
+            <a:schemeClr val="accent4"/>
+          </a:effectRef>
+          <a:fontRef idx="minor">
+            <a:schemeClr val="lt1"/>
+          </a:fontRef>
+        </p:style>
+        <p:txBody>
+          <a:bodyPr rtlCol="0" anchor="ctr"/>
+          <a:lstStyle/>
+          <a:p>
+            <a:pPr algn="ctr"/>
+            <a:r>
+              <a:rPr lang="en-US" sz="1600" dirty="0">
+                <a:solidFill>
+                  <a:srgbClr val="7030A0"/>
+                </a:solidFill>
+              </a:rPr>
+              <a:t>F403</a:t>
+            </a:r>
+          </a:p>
+        </p:txBody>
+      </p:sp>
+      <p:sp>
+        <p:nvSpPr>
+          <p:cNvPr id="28" name="Rectangle: Rounded Corners 27">
+            <a:extLst>
+              <a:ext uri="{FF2B5EF4-FFF2-40B4-BE49-F238E27FC236}">
+                <a16:creationId xmlns:a16="http://schemas.microsoft.com/office/drawing/2014/main" id="{D816C962-9764-6512-2C01-F24D7DCACFF8}"/>
+              </a:ext>
+            </a:extLst>
+          </p:cNvPr>
+          <p:cNvSpPr/>
+          <p:nvPr/>
+        </p:nvSpPr>
+        <p:spPr>
+          <a:xfrm>
+            <a:off x="10830881" y="3614349"/>
+            <a:ext cx="747317" cy="242595"/>
+          </a:xfrm>
+          <a:prstGeom prst="roundRect">
+            <a:avLst>
+              <a:gd name="adj" fmla="val 50000"/>
+            </a:avLst>
+          </a:prstGeom>
+          <a:solidFill>
+            <a:srgbClr val="FFFF00"/>
+          </a:solidFill>
+          <a:ln>
+            <a:solidFill>
+              <a:srgbClr val="7030A0"/>
+            </a:solidFill>
+          </a:ln>
+        </p:spPr>
+        <p:style>
+          <a:lnRef idx="2">
+            <a:schemeClr val="accent4">
+              <a:shade val="15000"/>
+            </a:schemeClr>
+          </a:lnRef>
+          <a:fillRef idx="1">
+            <a:schemeClr val="accent4"/>
+          </a:fillRef>
+          <a:effectRef idx="0">
+            <a:schemeClr val="accent4"/>
+          </a:effectRef>
+          <a:fontRef idx="minor">
+            <a:schemeClr val="lt1"/>
+          </a:fontRef>
+        </p:style>
+        <p:txBody>
+          <a:bodyPr rtlCol="0" anchor="ctr"/>
+          <a:lstStyle/>
+          <a:p>
+            <a:pPr algn="ctr"/>
+            <a:r>
+              <a:rPr lang="en-US" sz="1600" dirty="0">
+                <a:solidFill>
+                  <a:srgbClr val="7030A0"/>
+                </a:solidFill>
+              </a:rPr>
+              <a:t>D401</a:t>
+            </a:r>
+          </a:p>
+        </p:txBody>
+      </p:sp>
+      <p:sp>
+        <p:nvSpPr>
+          <p:cNvPr id="29" name="Rectangle: Rounded Corners 28">
+            <a:extLst>
+              <a:ext uri="{FF2B5EF4-FFF2-40B4-BE49-F238E27FC236}">
+                <a16:creationId xmlns:a16="http://schemas.microsoft.com/office/drawing/2014/main" id="{20374FCC-3951-F6BB-ECC8-EC8982348443}"/>
+              </a:ext>
+            </a:extLst>
+          </p:cNvPr>
+          <p:cNvSpPr/>
+          <p:nvPr/>
+        </p:nvSpPr>
+        <p:spPr>
+          <a:xfrm>
+            <a:off x="10830881" y="2998528"/>
+            <a:ext cx="747317" cy="242595"/>
+          </a:xfrm>
+          <a:prstGeom prst="roundRect">
+            <a:avLst>
+              <a:gd name="adj" fmla="val 50000"/>
+            </a:avLst>
+          </a:prstGeom>
+          <a:solidFill>
+            <a:srgbClr val="FFFF00"/>
+          </a:solidFill>
+          <a:ln>
+            <a:solidFill>
+              <a:srgbClr val="7030A0"/>
+            </a:solidFill>
+          </a:ln>
+        </p:spPr>
+        <p:style>
+          <a:lnRef idx="2">
+            <a:schemeClr val="accent4">
+              <a:shade val="15000"/>
+            </a:schemeClr>
+          </a:lnRef>
+          <a:fillRef idx="1">
+            <a:schemeClr val="accent4"/>
+          </a:fillRef>
+          <a:effectRef idx="0">
+            <a:schemeClr val="accent4"/>
+          </a:effectRef>
+          <a:fontRef idx="minor">
+            <a:schemeClr val="lt1"/>
+          </a:fontRef>
+        </p:style>
+        <p:txBody>
+          <a:bodyPr rtlCol="0" anchor="ctr"/>
+          <a:lstStyle/>
+          <a:p>
+            <a:pPr algn="ctr"/>
+            <a:r>
+              <a:rPr lang="en-US" sz="1600" dirty="0">
+                <a:solidFill>
+                  <a:srgbClr val="7030A0"/>
+                </a:solidFill>
+              </a:rPr>
+              <a:t>D399</a:t>
+            </a:r>
+          </a:p>
+        </p:txBody>
+      </p:sp>
+      <p:sp>
+        <p:nvSpPr>
+          <p:cNvPr id="30" name="Rectangle: Rounded Corners 29">
+            <a:extLst>
+              <a:ext uri="{FF2B5EF4-FFF2-40B4-BE49-F238E27FC236}">
+                <a16:creationId xmlns:a16="http://schemas.microsoft.com/office/drawing/2014/main" id="{9F1B3938-D1ED-E0C7-009B-9979EE0DDB64}"/>
+              </a:ext>
+            </a:extLst>
+          </p:cNvPr>
+          <p:cNvSpPr/>
+          <p:nvPr/>
+        </p:nvSpPr>
+        <p:spPr>
+          <a:xfrm>
+            <a:off x="13105941" y="902928"/>
+            <a:ext cx="747317" cy="242595"/>
+          </a:xfrm>
+          <a:prstGeom prst="roundRect">
+            <a:avLst>
+              <a:gd name="adj" fmla="val 50000"/>
+            </a:avLst>
+          </a:prstGeom>
+          <a:solidFill>
+            <a:schemeClr val="accent6"/>
+          </a:solidFill>
+          <a:ln>
+            <a:solidFill>
+              <a:schemeClr val="tx1"/>
+            </a:solidFill>
+          </a:ln>
+        </p:spPr>
+        <p:style>
+          <a:lnRef idx="2">
+            <a:schemeClr val="accent4">
+              <a:shade val="15000"/>
+            </a:schemeClr>
+          </a:lnRef>
+          <a:fillRef idx="1">
+            <a:schemeClr val="accent4"/>
+          </a:fillRef>
+          <a:effectRef idx="0">
+            <a:schemeClr val="accent4"/>
+          </a:effectRef>
+          <a:fontRef idx="minor">
+            <a:schemeClr val="lt1"/>
+          </a:fontRef>
+        </p:style>
+        <p:txBody>
+          <a:bodyPr rtlCol="0" anchor="ctr"/>
+          <a:lstStyle/>
+          <a:p>
+            <a:pPr algn="ctr"/>
+            <a:r>
+              <a:rPr lang="en-US" sz="1600" dirty="0">
+                <a:solidFill>
+                  <a:schemeClr val="tx1"/>
+                </a:solidFill>
+              </a:rPr>
+              <a:t>M72</a:t>
+            </a:r>
+          </a:p>
+        </p:txBody>
+      </p:sp>
+      <p:sp>
+        <p:nvSpPr>
+          <p:cNvPr id="32" name="Rectangle: Rounded Corners 31">
+            <a:extLst>
+              <a:ext uri="{FF2B5EF4-FFF2-40B4-BE49-F238E27FC236}">
+                <a16:creationId xmlns:a16="http://schemas.microsoft.com/office/drawing/2014/main" id="{8825D7C1-B649-EC6E-4326-34A56F2EFB4C}"/>
+              </a:ext>
+            </a:extLst>
+          </p:cNvPr>
+          <p:cNvSpPr/>
+          <p:nvPr/>
+        </p:nvSpPr>
+        <p:spPr>
+          <a:xfrm>
+            <a:off x="14798760" y="1928419"/>
+            <a:ext cx="747317" cy="242595"/>
+          </a:xfrm>
+          <a:prstGeom prst="roundRect">
+            <a:avLst>
+              <a:gd name="adj" fmla="val 50000"/>
+            </a:avLst>
+          </a:prstGeom>
+          <a:solidFill>
+            <a:schemeClr val="accent6"/>
+          </a:solidFill>
+          <a:ln>
+            <a:solidFill>
+              <a:schemeClr val="tx1"/>
+            </a:solidFill>
+          </a:ln>
+        </p:spPr>
+        <p:style>
+          <a:lnRef idx="2">
+            <a:schemeClr val="accent4">
+              <a:shade val="15000"/>
+            </a:schemeClr>
+          </a:lnRef>
+          <a:fillRef idx="1">
+            <a:schemeClr val="accent4"/>
+          </a:fillRef>
+          <a:effectRef idx="0">
+            <a:schemeClr val="accent4"/>
+          </a:effectRef>
+          <a:fontRef idx="minor">
+            <a:schemeClr val="lt1"/>
+          </a:fontRef>
+        </p:style>
+        <p:txBody>
+          <a:bodyPr rtlCol="0" anchor="ctr"/>
+          <a:lstStyle/>
+          <a:p>
+            <a:pPr algn="ctr"/>
+            <a:r>
+              <a:rPr lang="en-US" sz="1600" dirty="0">
+                <a:solidFill>
+                  <a:schemeClr val="tx1"/>
+                </a:solidFill>
+              </a:rPr>
+              <a:t>R69</a:t>
+            </a:r>
+          </a:p>
+        </p:txBody>
+      </p:sp>
+      <p:sp>
+        <p:nvSpPr>
+          <p:cNvPr id="33" name="Rectangle: Rounded Corners 32">
+            <a:extLst>
+              <a:ext uri="{FF2B5EF4-FFF2-40B4-BE49-F238E27FC236}">
+                <a16:creationId xmlns:a16="http://schemas.microsoft.com/office/drawing/2014/main" id="{6B1B39B8-26E1-71B5-D555-B1B400B01254}"/>
+              </a:ext>
+            </a:extLst>
+          </p:cNvPr>
+          <p:cNvSpPr/>
+          <p:nvPr/>
+        </p:nvSpPr>
+        <p:spPr>
+          <a:xfrm>
+            <a:off x="12795298" y="2084808"/>
+            <a:ext cx="747317" cy="242595"/>
+          </a:xfrm>
+          <a:prstGeom prst="roundRect">
+            <a:avLst>
+              <a:gd name="adj" fmla="val 50000"/>
+            </a:avLst>
+          </a:prstGeom>
+          <a:solidFill>
+            <a:schemeClr val="accent6"/>
+          </a:solidFill>
+          <a:ln>
+            <a:solidFill>
+              <a:schemeClr val="tx1"/>
+            </a:solidFill>
+          </a:ln>
+        </p:spPr>
+        <p:style>
+          <a:lnRef idx="2">
+            <a:schemeClr val="accent4">
+              <a:shade val="15000"/>
+            </a:schemeClr>
+          </a:lnRef>
+          <a:fillRef idx="1">
+            <a:schemeClr val="accent4"/>
+          </a:fillRef>
+          <a:effectRef idx="0">
+            <a:schemeClr val="accent4"/>
+          </a:effectRef>
+          <a:fontRef idx="minor">
+            <a:schemeClr val="lt1"/>
+          </a:fontRef>
+        </p:style>
+        <p:txBody>
+          <a:bodyPr rtlCol="0" anchor="ctr"/>
+          <a:lstStyle/>
+          <a:p>
+            <a:pPr algn="ctr"/>
+            <a:r>
+              <a:rPr lang="en-US" sz="1600" dirty="0">
+                <a:solidFill>
+                  <a:schemeClr val="tx1"/>
+                </a:solidFill>
+              </a:rPr>
+              <a:t>K64</a:t>
+            </a:r>
+          </a:p>
+        </p:txBody>
+      </p:sp>
+      <p:sp>
+        <p:nvSpPr>
+          <p:cNvPr id="35" name="Rectangle: Rounded Corners 34">
+            <a:extLst>
+              <a:ext uri="{FF2B5EF4-FFF2-40B4-BE49-F238E27FC236}">
+                <a16:creationId xmlns:a16="http://schemas.microsoft.com/office/drawing/2014/main" id="{EB74956C-7CAA-91E0-DFDF-D80A5E2626F0}"/>
+              </a:ext>
+            </a:extLst>
+          </p:cNvPr>
+          <p:cNvSpPr/>
+          <p:nvPr/>
+        </p:nvSpPr>
+        <p:spPr>
+          <a:xfrm>
+            <a:off x="12928660" y="3119825"/>
+            <a:ext cx="747317" cy="242595"/>
+          </a:xfrm>
+          <a:prstGeom prst="roundRect">
+            <a:avLst>
+              <a:gd name="adj" fmla="val 50000"/>
+            </a:avLst>
+          </a:prstGeom>
+          <a:solidFill>
+            <a:schemeClr val="accent6"/>
+          </a:solidFill>
+          <a:ln>
+            <a:solidFill>
+              <a:schemeClr val="tx1"/>
+            </a:solidFill>
+          </a:ln>
+        </p:spPr>
+        <p:style>
+          <a:lnRef idx="2">
+            <a:schemeClr val="accent4">
+              <a:shade val="15000"/>
+            </a:schemeClr>
+          </a:lnRef>
+          <a:fillRef idx="1">
+            <a:schemeClr val="accent4"/>
+          </a:fillRef>
+          <a:effectRef idx="0">
+            <a:schemeClr val="accent4"/>
+          </a:effectRef>
+          <a:fontRef idx="minor">
+            <a:schemeClr val="lt1"/>
+          </a:fontRef>
+        </p:style>
+        <p:txBody>
+          <a:bodyPr rtlCol="0" anchor="ctr"/>
+          <a:lstStyle/>
+          <a:p>
+            <a:pPr algn="ctr"/>
+            <a:r>
+              <a:rPr lang="en-US" sz="1600" dirty="0">
+                <a:solidFill>
+                  <a:schemeClr val="tx1"/>
+                </a:solidFill>
+              </a:rPr>
+              <a:t>E60</a:t>
+            </a:r>
+          </a:p>
+        </p:txBody>
+      </p:sp>
+      <p:sp>
+        <p:nvSpPr>
+          <p:cNvPr id="36" name="Rectangle: Rounded Corners 35">
+            <a:extLst>
+              <a:ext uri="{FF2B5EF4-FFF2-40B4-BE49-F238E27FC236}">
+                <a16:creationId xmlns:a16="http://schemas.microsoft.com/office/drawing/2014/main" id="{B4BE03CB-8C02-7B1B-623D-7ABDA072B70E}"/>
+              </a:ext>
+            </a:extLst>
+          </p:cNvPr>
+          <p:cNvSpPr/>
+          <p:nvPr/>
+        </p:nvSpPr>
+        <p:spPr>
+          <a:xfrm>
+            <a:off x="12688635" y="3614349"/>
+            <a:ext cx="747317" cy="242595"/>
+          </a:xfrm>
+          <a:prstGeom prst="roundRect">
+            <a:avLst>
+              <a:gd name="adj" fmla="val 50000"/>
+            </a:avLst>
+          </a:prstGeom>
+          <a:solidFill>
+            <a:schemeClr val="accent6"/>
+          </a:solidFill>
+          <a:ln>
+            <a:solidFill>
+              <a:schemeClr val="tx1"/>
+            </a:solidFill>
+          </a:ln>
+        </p:spPr>
+        <p:style>
+          <a:lnRef idx="2">
+            <a:schemeClr val="accent4">
+              <a:shade val="15000"/>
+            </a:schemeClr>
+          </a:lnRef>
+          <a:fillRef idx="1">
+            <a:schemeClr val="accent4"/>
+          </a:fillRef>
+          <a:effectRef idx="0">
+            <a:schemeClr val="accent4"/>
+          </a:effectRef>
+          <a:fontRef idx="minor">
+            <a:schemeClr val="lt1"/>
+          </a:fontRef>
+        </p:style>
+        <p:txBody>
+          <a:bodyPr rtlCol="0" anchor="ctr"/>
+          <a:lstStyle/>
+          <a:p>
+            <a:pPr algn="ctr"/>
+            <a:r>
+              <a:rPr lang="en-US" sz="1600" dirty="0">
+                <a:solidFill>
+                  <a:schemeClr val="tx1"/>
+                </a:solidFill>
+              </a:rPr>
+              <a:t>K56</a:t>
+            </a:r>
+          </a:p>
+        </p:txBody>
+      </p:sp>
+      <p:sp>
+        <p:nvSpPr>
+          <p:cNvPr id="38" name="Rectangle: Rounded Corners 37">
+            <a:extLst>
+              <a:ext uri="{FF2B5EF4-FFF2-40B4-BE49-F238E27FC236}">
+                <a16:creationId xmlns:a16="http://schemas.microsoft.com/office/drawing/2014/main" id="{129F587C-B8B8-B27F-2CFE-51DABBADF748}"/>
+              </a:ext>
+            </a:extLst>
+          </p:cNvPr>
+          <p:cNvSpPr/>
+          <p:nvPr/>
+        </p:nvSpPr>
+        <p:spPr>
+          <a:xfrm>
+            <a:off x="13914060" y="2877230"/>
+            <a:ext cx="747317" cy="242595"/>
+          </a:xfrm>
+          <a:prstGeom prst="roundRect">
+            <a:avLst>
+              <a:gd name="adj" fmla="val 50000"/>
+            </a:avLst>
+          </a:prstGeom>
+          <a:solidFill>
+            <a:schemeClr val="accent6"/>
+          </a:solidFill>
+          <a:ln>
+            <a:solidFill>
+              <a:schemeClr val="tx1"/>
+            </a:solidFill>
+          </a:ln>
+        </p:spPr>
+        <p:style>
+          <a:lnRef idx="2">
+            <a:schemeClr val="accent4">
+              <a:shade val="15000"/>
+            </a:schemeClr>
+          </a:lnRef>
+          <a:fillRef idx="1">
+            <a:schemeClr val="accent4"/>
+          </a:fillRef>
+          <a:effectRef idx="0">
+            <a:schemeClr val="accent4"/>
+          </a:effectRef>
+          <a:fontRef idx="minor">
+            <a:schemeClr val="lt1"/>
+          </a:fontRef>
+        </p:style>
+        <p:txBody>
+          <a:bodyPr rtlCol="0" anchor="ctr"/>
+          <a:lstStyle/>
+          <a:p>
+            <a:pPr algn="ctr"/>
+            <a:r>
+              <a:rPr lang="en-US" sz="1600" dirty="0">
+                <a:solidFill>
+                  <a:schemeClr val="tx1"/>
+                </a:solidFill>
+              </a:rPr>
+              <a:t>N30</a:t>
+            </a:r>
+          </a:p>
+        </p:txBody>
+      </p:sp>
+      <p:sp>
+        <p:nvSpPr>
+          <p:cNvPr id="39" name="Rectangle: Rounded Corners 38">
+            <a:extLst>
+              <a:ext uri="{FF2B5EF4-FFF2-40B4-BE49-F238E27FC236}">
+                <a16:creationId xmlns:a16="http://schemas.microsoft.com/office/drawing/2014/main" id="{521F1469-9B46-BC05-FF82-F9B4C89AB13F}"/>
+              </a:ext>
+            </a:extLst>
+          </p:cNvPr>
+          <p:cNvSpPr/>
+          <p:nvPr/>
+        </p:nvSpPr>
+        <p:spPr>
+          <a:xfrm>
+            <a:off x="14514864" y="4100697"/>
+            <a:ext cx="747317" cy="242595"/>
+          </a:xfrm>
+          <a:prstGeom prst="roundRect">
+            <a:avLst>
+              <a:gd name="adj" fmla="val 50000"/>
+            </a:avLst>
+          </a:prstGeom>
+          <a:solidFill>
+            <a:schemeClr val="accent6"/>
+          </a:solidFill>
+          <a:ln>
+            <a:solidFill>
+              <a:schemeClr val="tx1"/>
+            </a:solidFill>
+          </a:ln>
+        </p:spPr>
+        <p:style>
+          <a:lnRef idx="2">
+            <a:schemeClr val="accent4">
+              <a:shade val="15000"/>
+            </a:schemeClr>
+          </a:lnRef>
+          <a:fillRef idx="1">
+            <a:schemeClr val="accent4"/>
+          </a:fillRef>
+          <a:effectRef idx="0">
+            <a:schemeClr val="accent4"/>
+          </a:effectRef>
+          <a:fontRef idx="minor">
+            <a:schemeClr val="lt1"/>
+          </a:fontRef>
+        </p:style>
+        <p:txBody>
+          <a:bodyPr rtlCol="0" anchor="ctr"/>
+          <a:lstStyle/>
+          <a:p>
+            <a:pPr algn="ctr"/>
+            <a:r>
+              <a:rPr lang="en-US" sz="1600" dirty="0">
+                <a:solidFill>
+                  <a:schemeClr val="tx1"/>
+                </a:solidFill>
+              </a:rPr>
+              <a:t>N33</a:t>
+            </a:r>
+          </a:p>
+        </p:txBody>
+      </p:sp>
+      <p:cxnSp>
+        <p:nvCxnSpPr>
+          <p:cNvPr id="40" name="Connector: Curved 39">
+            <a:extLst>
+              <a:ext uri="{FF2B5EF4-FFF2-40B4-BE49-F238E27FC236}">
+                <a16:creationId xmlns:a16="http://schemas.microsoft.com/office/drawing/2014/main" id="{915246DA-4F26-CE28-679A-B0882FBA90A7}"/>
+              </a:ext>
+            </a:extLst>
+          </p:cNvPr>
+          <p:cNvCxnSpPr>
+            <a:cxnSpLocks/>
+            <a:stCxn id="30" idx="3"/>
+            <a:endCxn id="6" idx="1"/>
+          </p:cNvCxnSpPr>
+          <p:nvPr/>
+        </p:nvCxnSpPr>
+        <p:spPr>
+          <a:xfrm>
+            <a:off x="13853258" y="1024226"/>
+            <a:ext cx="492700" cy="1"/>
+          </a:xfrm>
+          <a:prstGeom prst="curvedConnector3">
+            <a:avLst/>
+          </a:prstGeom>
+          <a:ln w="28575">
+            <a:solidFill>
+              <a:srgbClr val="FF0000"/>
+            </a:solidFill>
+            <a:prstDash val="dash"/>
+          </a:ln>
+        </p:spPr>
+        <p:style>
+          <a:lnRef idx="1">
+            <a:schemeClr val="accent1"/>
+          </a:lnRef>
+          <a:fillRef idx="0">
+            <a:schemeClr val="accent1"/>
+          </a:fillRef>
+          <a:effectRef idx="0">
+            <a:schemeClr val="accent1"/>
+          </a:effectRef>
+          <a:fontRef idx="minor">
+            <a:schemeClr val="tx1"/>
+          </a:fontRef>
+        </p:style>
+      </p:cxnSp>
+      <p:cxnSp>
+        <p:nvCxnSpPr>
+          <p:cNvPr id="41" name="Connector: Curved 40">
+            <a:extLst>
+              <a:ext uri="{FF2B5EF4-FFF2-40B4-BE49-F238E27FC236}">
+                <a16:creationId xmlns:a16="http://schemas.microsoft.com/office/drawing/2014/main" id="{269F954C-9F85-35FC-2C01-C791083ED07D}"/>
+              </a:ext>
+            </a:extLst>
+          </p:cNvPr>
+          <p:cNvCxnSpPr>
+            <a:cxnSpLocks/>
+            <a:stCxn id="6" idx="2"/>
+          </p:cNvCxnSpPr>
+          <p:nvPr/>
+        </p:nvCxnSpPr>
+        <p:spPr>
+          <a:xfrm rot="16200000" flipH="1">
+            <a:off x="14514999" y="1350142"/>
+            <a:ext cx="782895" cy="373658"/>
+          </a:xfrm>
+          <a:prstGeom prst="curvedConnector3">
+            <a:avLst>
+              <a:gd name="adj1" fmla="val 50000"/>
+            </a:avLst>
+          </a:prstGeom>
+          <a:ln w="28575">
+            <a:solidFill>
+              <a:srgbClr val="FF0000"/>
+            </a:solidFill>
+            <a:prstDash val="dash"/>
+          </a:ln>
+        </p:spPr>
+        <p:style>
+          <a:lnRef idx="1">
+            <a:schemeClr val="accent1"/>
+          </a:lnRef>
+          <a:fillRef idx="0">
+            <a:schemeClr val="accent1"/>
+          </a:fillRef>
+          <a:effectRef idx="0">
+            <a:schemeClr val="accent1"/>
+          </a:effectRef>
+          <a:fontRef idx="minor">
+            <a:schemeClr val="tx1"/>
+          </a:fontRef>
+        </p:style>
+      </p:cxnSp>
+      <p:cxnSp>
+        <p:nvCxnSpPr>
+          <p:cNvPr id="42" name="Connector: Curved 41">
+            <a:extLst>
+              <a:ext uri="{FF2B5EF4-FFF2-40B4-BE49-F238E27FC236}">
+                <a16:creationId xmlns:a16="http://schemas.microsoft.com/office/drawing/2014/main" id="{692D8A1F-2925-E18D-4582-432911501A97}"/>
+              </a:ext>
+            </a:extLst>
+          </p:cNvPr>
+          <p:cNvCxnSpPr>
+            <a:cxnSpLocks/>
+            <a:stCxn id="8" idx="1"/>
+            <a:endCxn id="38" idx="0"/>
+          </p:cNvCxnSpPr>
+          <p:nvPr/>
+        </p:nvCxnSpPr>
+        <p:spPr>
+          <a:xfrm rot="10800000" flipV="1">
+            <a:off x="14287719" y="2569998"/>
+            <a:ext cx="1202772" cy="307231"/>
+          </a:xfrm>
+          <a:prstGeom prst="curvedConnector2">
+            <a:avLst/>
+          </a:prstGeom>
+          <a:ln w="28575">
+            <a:solidFill>
+              <a:srgbClr val="FF0000"/>
+            </a:solidFill>
+            <a:prstDash val="dash"/>
+          </a:ln>
+        </p:spPr>
+        <p:style>
+          <a:lnRef idx="1">
+            <a:schemeClr val="accent1"/>
+          </a:lnRef>
+          <a:fillRef idx="0">
+            <a:schemeClr val="accent1"/>
+          </a:fillRef>
+          <a:effectRef idx="0">
+            <a:schemeClr val="accent1"/>
+          </a:effectRef>
+          <a:fontRef idx="minor">
+            <a:schemeClr val="tx1"/>
+          </a:fontRef>
+        </p:style>
+      </p:cxnSp>
+      <p:cxnSp>
+        <p:nvCxnSpPr>
+          <p:cNvPr id="43" name="Connector: Curved 42">
+            <a:extLst>
+              <a:ext uri="{FF2B5EF4-FFF2-40B4-BE49-F238E27FC236}">
+                <a16:creationId xmlns:a16="http://schemas.microsoft.com/office/drawing/2014/main" id="{C7B5D766-AE60-11FD-26AC-6864BC07FBD0}"/>
+              </a:ext>
+            </a:extLst>
+          </p:cNvPr>
+          <p:cNvCxnSpPr>
+            <a:cxnSpLocks/>
+            <a:stCxn id="9" idx="2"/>
+            <a:endCxn id="39" idx="3"/>
+          </p:cNvCxnSpPr>
+          <p:nvPr/>
+        </p:nvCxnSpPr>
+        <p:spPr>
+          <a:xfrm rot="5400000">
+            <a:off x="15542722" y="3748144"/>
+            <a:ext cx="193311" cy="754391"/>
+          </a:xfrm>
+          <a:prstGeom prst="curvedConnector2">
+            <a:avLst/>
+          </a:prstGeom>
+          <a:ln w="28575">
+            <a:solidFill>
+              <a:srgbClr val="FF0000"/>
+            </a:solidFill>
+            <a:prstDash val="dash"/>
+          </a:ln>
+        </p:spPr>
+        <p:style>
+          <a:lnRef idx="1">
+            <a:schemeClr val="accent1"/>
+          </a:lnRef>
+          <a:fillRef idx="0">
+            <a:schemeClr val="accent1"/>
+          </a:fillRef>
+          <a:effectRef idx="0">
+            <a:schemeClr val="accent1"/>
+          </a:effectRef>
+          <a:fontRef idx="minor">
+            <a:schemeClr val="tx1"/>
+          </a:fontRef>
+        </p:style>
+      </p:cxnSp>
+      <p:cxnSp>
+        <p:nvCxnSpPr>
+          <p:cNvPr id="44" name="Connector: Curved 43">
+            <a:extLst>
+              <a:ext uri="{FF2B5EF4-FFF2-40B4-BE49-F238E27FC236}">
+                <a16:creationId xmlns:a16="http://schemas.microsoft.com/office/drawing/2014/main" id="{9974840D-C462-748E-A85F-E05EE3A4FA39}"/>
+              </a:ext>
+            </a:extLst>
+          </p:cNvPr>
+          <p:cNvCxnSpPr>
+            <a:cxnSpLocks/>
+            <a:stCxn id="28" idx="2"/>
+            <a:endCxn id="36" idx="2"/>
+          </p:cNvCxnSpPr>
+          <p:nvPr/>
+        </p:nvCxnSpPr>
+        <p:spPr>
+          <a:xfrm rot="16200000" flipH="1">
+            <a:off x="12133417" y="2928067"/>
+            <a:ext cx="12700" cy="1857754"/>
+          </a:xfrm>
+          <a:prstGeom prst="curvedConnector3">
+            <a:avLst>
+              <a:gd name="adj1" fmla="val 3955102"/>
+            </a:avLst>
+          </a:prstGeom>
+          <a:ln w="28575">
+            <a:solidFill>
+              <a:srgbClr val="FF0000"/>
+            </a:solidFill>
+            <a:prstDash val="dash"/>
+          </a:ln>
+        </p:spPr>
+        <p:style>
+          <a:lnRef idx="1">
+            <a:schemeClr val="accent1"/>
+          </a:lnRef>
+          <a:fillRef idx="0">
+            <a:schemeClr val="accent1"/>
+          </a:fillRef>
+          <a:effectRef idx="0">
+            <a:schemeClr val="accent1"/>
+          </a:effectRef>
+          <a:fontRef idx="minor">
+            <a:schemeClr val="tx1"/>
+          </a:fontRef>
+        </p:style>
+      </p:cxnSp>
+      <p:cxnSp>
+        <p:nvCxnSpPr>
+          <p:cNvPr id="46" name="Connector: Curved 45">
+            <a:extLst>
+              <a:ext uri="{FF2B5EF4-FFF2-40B4-BE49-F238E27FC236}">
+                <a16:creationId xmlns:a16="http://schemas.microsoft.com/office/drawing/2014/main" id="{ED19EDB7-2370-DB71-891F-FFFE3048D641}"/>
+              </a:ext>
+            </a:extLst>
+          </p:cNvPr>
+          <p:cNvCxnSpPr>
+            <a:cxnSpLocks/>
+            <a:stCxn id="10" idx="2"/>
+            <a:endCxn id="35" idx="0"/>
+          </p:cNvCxnSpPr>
+          <p:nvPr/>
+        </p:nvCxnSpPr>
+        <p:spPr>
+          <a:xfrm rot="16200000" flipH="1">
+            <a:off x="12152961" y="1970467"/>
+            <a:ext cx="671124" cy="1627591"/>
+          </a:xfrm>
+          <a:prstGeom prst="curvedConnector3">
+            <a:avLst>
+              <a:gd name="adj1" fmla="val 99124"/>
+            </a:avLst>
+          </a:prstGeom>
+          <a:ln w="28575">
+            <a:solidFill>
+              <a:srgbClr val="FF0000"/>
+            </a:solidFill>
+            <a:prstDash val="dash"/>
+          </a:ln>
+        </p:spPr>
+        <p:style>
+          <a:lnRef idx="1">
+            <a:schemeClr val="accent1"/>
+          </a:lnRef>
+          <a:fillRef idx="0">
+            <a:schemeClr val="accent1"/>
+          </a:fillRef>
+          <a:effectRef idx="0">
+            <a:schemeClr val="accent1"/>
+          </a:effectRef>
+          <a:fontRef idx="minor">
+            <a:schemeClr val="tx1"/>
+          </a:fontRef>
+        </p:style>
+      </p:cxnSp>
+      <p:cxnSp>
+        <p:nvCxnSpPr>
+          <p:cNvPr id="47" name="Connector: Curved 46">
+            <a:extLst>
+              <a:ext uri="{FF2B5EF4-FFF2-40B4-BE49-F238E27FC236}">
+                <a16:creationId xmlns:a16="http://schemas.microsoft.com/office/drawing/2014/main" id="{2705D605-6345-0AC4-F74D-3ECE66B5DE83}"/>
+              </a:ext>
+            </a:extLst>
+          </p:cNvPr>
+          <p:cNvCxnSpPr>
+            <a:cxnSpLocks/>
+            <a:stCxn id="29" idx="0"/>
+            <a:endCxn id="33" idx="2"/>
+          </p:cNvCxnSpPr>
+          <p:nvPr/>
+        </p:nvCxnSpPr>
+        <p:spPr>
+          <a:xfrm rot="5400000" flipH="1" flipV="1">
+            <a:off x="11851186" y="1680758"/>
+            <a:ext cx="671125" cy="1964417"/>
+          </a:xfrm>
+          <a:prstGeom prst="curvedConnector3">
+            <a:avLst>
+              <a:gd name="adj1" fmla="val 40731"/>
+            </a:avLst>
+          </a:prstGeom>
+          <a:ln w="28575">
+            <a:solidFill>
+              <a:srgbClr val="FF0000"/>
+            </a:solidFill>
+            <a:prstDash val="dash"/>
+          </a:ln>
+        </p:spPr>
+        <p:style>
+          <a:lnRef idx="1">
+            <a:schemeClr val="accent1"/>
+          </a:lnRef>
+          <a:fillRef idx="0">
+            <a:schemeClr val="accent1"/>
+          </a:fillRef>
+          <a:effectRef idx="0">
+            <a:schemeClr val="accent1"/>
+          </a:effectRef>
+          <a:fontRef idx="minor">
+            <a:schemeClr val="tx1"/>
+          </a:fontRef>
+        </p:style>
+      </p:cxnSp>
+      <p:sp>
+        <p:nvSpPr>
+          <p:cNvPr id="48" name="TextBox 47">
+            <a:extLst>
+              <a:ext uri="{FF2B5EF4-FFF2-40B4-BE49-F238E27FC236}">
+                <a16:creationId xmlns:a16="http://schemas.microsoft.com/office/drawing/2014/main" id="{737742D9-EDAD-2CF2-A7B5-1ADCF2E0726A}"/>
+              </a:ext>
+            </a:extLst>
+          </p:cNvPr>
+          <p:cNvSpPr txBox="1"/>
+          <p:nvPr/>
+        </p:nvSpPr>
+        <p:spPr>
+          <a:xfrm>
+            <a:off x="4729907" y="6364648"/>
+            <a:ext cx="3506088" cy="369332"/>
+          </a:xfrm>
+          <a:prstGeom prst="rect">
+            <a:avLst/>
+          </a:prstGeom>
+          <a:noFill/>
+        </p:spPr>
+        <p:txBody>
+          <a:bodyPr wrap="none" rtlCol="0">
+            <a:spAutoFit/>
+          </a:bodyPr>
+          <a:lstStyle/>
+          <a:p>
+            <a:pPr algn="ctr"/>
+            <a:r>
+              <a:rPr lang="en-US" b="1" dirty="0">
+                <a:solidFill>
+                  <a:schemeClr val="accent4"/>
+                </a:solidFill>
+              </a:rPr>
+              <a:t>HADDOCK-predicted interface</a:t>
+            </a:r>
+          </a:p>
+        </p:txBody>
+      </p:sp>
+      <p:sp>
+        <p:nvSpPr>
+          <p:cNvPr id="50" name="TextBox 49">
+            <a:extLst>
+              <a:ext uri="{FF2B5EF4-FFF2-40B4-BE49-F238E27FC236}">
+                <a16:creationId xmlns:a16="http://schemas.microsoft.com/office/drawing/2014/main" id="{656B7F22-45FB-67F8-E884-FA7BE907A0CA}"/>
+              </a:ext>
+            </a:extLst>
+          </p:cNvPr>
+          <p:cNvSpPr txBox="1"/>
+          <p:nvPr/>
+        </p:nvSpPr>
+        <p:spPr>
+          <a:xfrm>
+            <a:off x="11231275" y="6364648"/>
+            <a:ext cx="4673074" cy="369332"/>
+          </a:xfrm>
+          <a:prstGeom prst="rect">
+            <a:avLst/>
+          </a:prstGeom>
+          <a:noFill/>
+        </p:spPr>
+        <p:txBody>
+          <a:bodyPr wrap="none" rtlCol="0">
+            <a:spAutoFit/>
+          </a:bodyPr>
+          <a:lstStyle/>
+          <a:p>
+            <a:pPr algn="ctr"/>
+            <a:r>
+              <a:rPr lang="en-US" b="1" dirty="0">
+                <a:solidFill>
+                  <a:srgbClr val="7030A0"/>
+                </a:solidFill>
+              </a:rPr>
+              <a:t>AlphaFold2 Multimer-predicted interface</a:t>
+            </a:r>
+          </a:p>
+        </p:txBody>
+      </p:sp>
+    </p:spTree>
+    <p:extLst>
+      <p:ext uri="{BB962C8B-B14F-4D97-AF65-F5344CB8AC3E}">
+        <p14:creationId xmlns:p14="http://schemas.microsoft.com/office/powerpoint/2010/main" val="864696388"/>
       </p:ext>
     </p:extLst>
   </p:cSld>

--- a/haddock/figures/Figures_horiz.pptx
+++ b/haddock/figures/Figures_horiz.pptx
@@ -7,7 +7,8 @@
   <p:sldIdLst>
     <p:sldId id="256" r:id="rId2"/>
     <p:sldId id="257" r:id="rId3"/>
-    <p:sldId id="258" r:id="rId4"/>
+    <p:sldId id="259" r:id="rId4"/>
+    <p:sldId id="258" r:id="rId5"/>
   </p:sldIdLst>
   <p:sldSz cx="12192000" cy="6858000"/>
   <p:notesSz cx="6858000" cy="9144000"/>
@@ -245,7 +246,7 @@
           <a:p>
             <a:fld id="{80E57041-87B6-43BA-9C6F-F6D6CF9D7954}" type="datetimeFigureOut">
               <a:rPr lang="en-US" smtClean="0"/>
-              <a:t>10/23/2023</a:t>
+              <a:t>4/17/2024</a:t>
             </a:fld>
             <a:endParaRPr lang="en-US"/>
           </a:p>
@@ -415,7 +416,7 @@
           <a:p>
             <a:fld id="{80E57041-87B6-43BA-9C6F-F6D6CF9D7954}" type="datetimeFigureOut">
               <a:rPr lang="en-US" smtClean="0"/>
-              <a:t>10/23/2023</a:t>
+              <a:t>4/17/2024</a:t>
             </a:fld>
             <a:endParaRPr lang="en-US"/>
           </a:p>
@@ -595,7 +596,7 @@
           <a:p>
             <a:fld id="{80E57041-87B6-43BA-9C6F-F6D6CF9D7954}" type="datetimeFigureOut">
               <a:rPr lang="en-US" smtClean="0"/>
-              <a:t>10/23/2023</a:t>
+              <a:t>4/17/2024</a:t>
             </a:fld>
             <a:endParaRPr lang="en-US"/>
           </a:p>
@@ -765,7 +766,7 @@
           <a:p>
             <a:fld id="{80E57041-87B6-43BA-9C6F-F6D6CF9D7954}" type="datetimeFigureOut">
               <a:rPr lang="en-US" smtClean="0"/>
-              <a:t>10/23/2023</a:t>
+              <a:t>4/17/2024</a:t>
             </a:fld>
             <a:endParaRPr lang="en-US"/>
           </a:p>
@@ -1011,7 +1012,7 @@
           <a:p>
             <a:fld id="{80E57041-87B6-43BA-9C6F-F6D6CF9D7954}" type="datetimeFigureOut">
               <a:rPr lang="en-US" smtClean="0"/>
-              <a:t>10/23/2023</a:t>
+              <a:t>4/17/2024</a:t>
             </a:fld>
             <a:endParaRPr lang="en-US"/>
           </a:p>
@@ -1243,7 +1244,7 @@
           <a:p>
             <a:fld id="{80E57041-87B6-43BA-9C6F-F6D6CF9D7954}" type="datetimeFigureOut">
               <a:rPr lang="en-US" smtClean="0"/>
-              <a:t>10/23/2023</a:t>
+              <a:t>4/17/2024</a:t>
             </a:fld>
             <a:endParaRPr lang="en-US"/>
           </a:p>
@@ -1610,7 +1611,7 @@
           <a:p>
             <a:fld id="{80E57041-87B6-43BA-9C6F-F6D6CF9D7954}" type="datetimeFigureOut">
               <a:rPr lang="en-US" smtClean="0"/>
-              <a:t>10/23/2023</a:t>
+              <a:t>4/17/2024</a:t>
             </a:fld>
             <a:endParaRPr lang="en-US"/>
           </a:p>
@@ -1728,7 +1729,7 @@
           <a:p>
             <a:fld id="{80E57041-87B6-43BA-9C6F-F6D6CF9D7954}" type="datetimeFigureOut">
               <a:rPr lang="en-US" smtClean="0"/>
-              <a:t>10/23/2023</a:t>
+              <a:t>4/17/2024</a:t>
             </a:fld>
             <a:endParaRPr lang="en-US"/>
           </a:p>
@@ -1823,7 +1824,7 @@
           <a:p>
             <a:fld id="{80E57041-87B6-43BA-9C6F-F6D6CF9D7954}" type="datetimeFigureOut">
               <a:rPr lang="en-US" smtClean="0"/>
-              <a:t>10/23/2023</a:t>
+              <a:t>4/17/2024</a:t>
             </a:fld>
             <a:endParaRPr lang="en-US"/>
           </a:p>
@@ -2100,7 +2101,7 @@
           <a:p>
             <a:fld id="{80E57041-87B6-43BA-9C6F-F6D6CF9D7954}" type="datetimeFigureOut">
               <a:rPr lang="en-US" smtClean="0"/>
-              <a:t>10/23/2023</a:t>
+              <a:t>4/17/2024</a:t>
             </a:fld>
             <a:endParaRPr lang="en-US"/>
           </a:p>
@@ -2357,7 +2358,7 @@
           <a:p>
             <a:fld id="{80E57041-87B6-43BA-9C6F-F6D6CF9D7954}" type="datetimeFigureOut">
               <a:rPr lang="en-US" smtClean="0"/>
-              <a:t>10/23/2023</a:t>
+              <a:t>4/17/2024</a:t>
             </a:fld>
             <a:endParaRPr lang="en-US"/>
           </a:p>
@@ -2570,7 +2571,7 @@
           <a:p>
             <a:fld id="{80E57041-87B6-43BA-9C6F-F6D6CF9D7954}" type="datetimeFigureOut">
               <a:rPr lang="en-US" smtClean="0"/>
-              <a:t>10/23/2023</a:t>
+              <a:t>4/17/2024</a:t>
             </a:fld>
             <a:endParaRPr lang="en-US"/>
           </a:p>
@@ -5848,6 +5849,599 @@
   <p:cSld>
     <p:spTree>
       <p:nvGrpSpPr>
+        <p:cNvPr id="1" name="">
+          <a:extLst>
+            <a:ext uri="{FF2B5EF4-FFF2-40B4-BE49-F238E27FC236}">
+              <a16:creationId xmlns:a16="http://schemas.microsoft.com/office/drawing/2014/main" id="{5B86160E-2621-813A-69E7-E973865176C5}"/>
+            </a:ext>
+          </a:extLst>
+        </p:cNvPr>
+        <p:cNvGrpSpPr/>
+        <p:nvPr/>
+      </p:nvGrpSpPr>
+      <p:grpSpPr>
+        <a:xfrm>
+          <a:off x="0" y="0"/>
+          <a:ext cx="0" cy="0"/>
+          <a:chOff x="0" y="0"/>
+          <a:chExt cx="0" cy="0"/>
+        </a:xfrm>
+      </p:grpSpPr>
+      <p:pic>
+        <p:nvPicPr>
+          <p:cNvPr id="3" name="Picture 2" descr="A close-up of a structure&#10;&#10;Description automatically generated">
+            <a:extLst>
+              <a:ext uri="{FF2B5EF4-FFF2-40B4-BE49-F238E27FC236}">
+                <a16:creationId xmlns:a16="http://schemas.microsoft.com/office/drawing/2014/main" id="{F3A24FC5-B67B-08D6-DE9D-4C80245635EF}"/>
+              </a:ext>
+            </a:extLst>
+          </p:cNvPr>
+          <p:cNvPicPr>
+            <a:picLocks noChangeAspect="1"/>
+          </p:cNvPicPr>
+          <p:nvPr/>
+        </p:nvPicPr>
+        <p:blipFill>
+          <a:blip r:embed="rId2">
+            <a:extLst>
+              <a:ext uri="{28A0092B-C50C-407E-A947-70E740481C1C}">
+                <a14:useLocalDpi xmlns:a14="http://schemas.microsoft.com/office/drawing/2010/main" val="0"/>
+              </a:ext>
+            </a:extLst>
+          </a:blip>
+          <a:stretch>
+            <a:fillRect/>
+          </a:stretch>
+        </p:blipFill>
+        <p:spPr>
+          <a:xfrm>
+            <a:off x="1353570" y="0"/>
+            <a:ext cx="9484859" cy="6858000"/>
+          </a:xfrm>
+          <a:prstGeom prst="rect">
+            <a:avLst/>
+          </a:prstGeom>
+        </p:spPr>
+      </p:pic>
+      <p:sp>
+        <p:nvSpPr>
+          <p:cNvPr id="6" name="Rectangle: Rounded Corners 5">
+            <a:extLst>
+              <a:ext uri="{FF2B5EF4-FFF2-40B4-BE49-F238E27FC236}">
+                <a16:creationId xmlns:a16="http://schemas.microsoft.com/office/drawing/2014/main" id="{848AFCF8-9ECF-559A-277F-EDD2C7FD34AF}"/>
+              </a:ext>
+            </a:extLst>
+          </p:cNvPr>
+          <p:cNvSpPr/>
+          <p:nvPr/>
+        </p:nvSpPr>
+        <p:spPr>
+          <a:xfrm>
+            <a:off x="5770399" y="1357404"/>
+            <a:ext cx="747317" cy="242595"/>
+          </a:xfrm>
+          <a:prstGeom prst="roundRect">
+            <a:avLst>
+              <a:gd name="adj" fmla="val 50000"/>
+            </a:avLst>
+          </a:prstGeom>
+          <a:solidFill>
+            <a:srgbClr val="FFFF00"/>
+          </a:solidFill>
+          <a:ln>
+            <a:solidFill>
+              <a:srgbClr val="7030A0"/>
+            </a:solidFill>
+          </a:ln>
+        </p:spPr>
+        <p:style>
+          <a:lnRef idx="2">
+            <a:schemeClr val="accent4">
+              <a:shade val="15000"/>
+            </a:schemeClr>
+          </a:lnRef>
+          <a:fillRef idx="1">
+            <a:schemeClr val="accent4"/>
+          </a:fillRef>
+          <a:effectRef idx="0">
+            <a:schemeClr val="accent4"/>
+          </a:effectRef>
+          <a:fontRef idx="minor">
+            <a:schemeClr val="lt1"/>
+          </a:fontRef>
+        </p:style>
+        <p:txBody>
+          <a:bodyPr rtlCol="0" anchor="ctr"/>
+          <a:lstStyle/>
+          <a:p>
+            <a:pPr algn="ctr"/>
+            <a:r>
+              <a:rPr lang="en-US" sz="1600" dirty="0">
+                <a:solidFill>
+                  <a:srgbClr val="7030A0"/>
+                </a:solidFill>
+              </a:rPr>
+              <a:t>D144</a:t>
+            </a:r>
+          </a:p>
+        </p:txBody>
+      </p:sp>
+      <p:sp>
+        <p:nvSpPr>
+          <p:cNvPr id="7" name="Rectangle: Rounded Corners 6">
+            <a:extLst>
+              <a:ext uri="{FF2B5EF4-FFF2-40B4-BE49-F238E27FC236}">
+                <a16:creationId xmlns:a16="http://schemas.microsoft.com/office/drawing/2014/main" id="{D9AB6768-5A31-56B1-AA32-3E4F8488C25E}"/>
+              </a:ext>
+            </a:extLst>
+          </p:cNvPr>
+          <p:cNvSpPr/>
+          <p:nvPr/>
+        </p:nvSpPr>
+        <p:spPr>
+          <a:xfrm>
+            <a:off x="7495413" y="2172278"/>
+            <a:ext cx="747317" cy="242595"/>
+          </a:xfrm>
+          <a:prstGeom prst="roundRect">
+            <a:avLst>
+              <a:gd name="adj" fmla="val 50000"/>
+            </a:avLst>
+          </a:prstGeom>
+          <a:solidFill>
+            <a:srgbClr val="FFFF00"/>
+          </a:solidFill>
+          <a:ln>
+            <a:solidFill>
+              <a:srgbClr val="7030A0"/>
+            </a:solidFill>
+          </a:ln>
+        </p:spPr>
+        <p:style>
+          <a:lnRef idx="2">
+            <a:schemeClr val="accent4">
+              <a:shade val="15000"/>
+            </a:schemeClr>
+          </a:lnRef>
+          <a:fillRef idx="1">
+            <a:schemeClr val="accent4"/>
+          </a:fillRef>
+          <a:effectRef idx="0">
+            <a:schemeClr val="accent4"/>
+          </a:effectRef>
+          <a:fontRef idx="minor">
+            <a:schemeClr val="lt1"/>
+          </a:fontRef>
+        </p:style>
+        <p:txBody>
+          <a:bodyPr rtlCol="0" anchor="ctr"/>
+          <a:lstStyle/>
+          <a:p>
+            <a:pPr algn="ctr"/>
+            <a:r>
+              <a:rPr lang="en-US" sz="1600" dirty="0">
+                <a:solidFill>
+                  <a:srgbClr val="7030A0"/>
+                </a:solidFill>
+              </a:rPr>
+              <a:t>T329</a:t>
+            </a:r>
+          </a:p>
+        </p:txBody>
+      </p:sp>
+      <p:sp>
+        <p:nvSpPr>
+          <p:cNvPr id="8" name="Rectangle: Rounded Corners 7">
+            <a:extLst>
+              <a:ext uri="{FF2B5EF4-FFF2-40B4-BE49-F238E27FC236}">
+                <a16:creationId xmlns:a16="http://schemas.microsoft.com/office/drawing/2014/main" id="{413FC645-9B9C-07FE-E5A5-01BE53155F96}"/>
+              </a:ext>
+            </a:extLst>
+          </p:cNvPr>
+          <p:cNvSpPr/>
+          <p:nvPr/>
+        </p:nvSpPr>
+        <p:spPr>
+          <a:xfrm>
+            <a:off x="6748095" y="1990332"/>
+            <a:ext cx="747317" cy="242595"/>
+          </a:xfrm>
+          <a:prstGeom prst="roundRect">
+            <a:avLst>
+              <a:gd name="adj" fmla="val 50000"/>
+            </a:avLst>
+          </a:prstGeom>
+          <a:solidFill>
+            <a:srgbClr val="FFFF00"/>
+          </a:solidFill>
+          <a:ln>
+            <a:solidFill>
+              <a:srgbClr val="7030A0"/>
+            </a:solidFill>
+          </a:ln>
+        </p:spPr>
+        <p:style>
+          <a:lnRef idx="2">
+            <a:schemeClr val="accent4">
+              <a:shade val="15000"/>
+            </a:schemeClr>
+          </a:lnRef>
+          <a:fillRef idx="1">
+            <a:schemeClr val="accent4"/>
+          </a:fillRef>
+          <a:effectRef idx="0">
+            <a:schemeClr val="accent4"/>
+          </a:effectRef>
+          <a:fontRef idx="minor">
+            <a:schemeClr val="lt1"/>
+          </a:fontRef>
+        </p:style>
+        <p:txBody>
+          <a:bodyPr rtlCol="0" anchor="ctr"/>
+          <a:lstStyle/>
+          <a:p>
+            <a:pPr algn="ctr"/>
+            <a:r>
+              <a:rPr lang="en-US" sz="1600" dirty="0">
+                <a:solidFill>
+                  <a:srgbClr val="7030A0"/>
+                </a:solidFill>
+              </a:rPr>
+              <a:t>V324</a:t>
+            </a:r>
+          </a:p>
+        </p:txBody>
+      </p:sp>
+      <p:sp>
+        <p:nvSpPr>
+          <p:cNvPr id="13" name="Rectangle: Rounded Corners 12">
+            <a:extLst>
+              <a:ext uri="{FF2B5EF4-FFF2-40B4-BE49-F238E27FC236}">
+                <a16:creationId xmlns:a16="http://schemas.microsoft.com/office/drawing/2014/main" id="{8FB7A2BE-F925-AA4F-F81A-D8E50374D7CB}"/>
+              </a:ext>
+            </a:extLst>
+          </p:cNvPr>
+          <p:cNvSpPr/>
+          <p:nvPr/>
+        </p:nvSpPr>
+        <p:spPr>
+          <a:xfrm>
+            <a:off x="5836581" y="1893677"/>
+            <a:ext cx="747317" cy="242595"/>
+          </a:xfrm>
+          <a:prstGeom prst="roundRect">
+            <a:avLst>
+              <a:gd name="adj" fmla="val 50000"/>
+            </a:avLst>
+          </a:prstGeom>
+          <a:solidFill>
+            <a:schemeClr val="accent6"/>
+          </a:solidFill>
+          <a:ln>
+            <a:solidFill>
+              <a:schemeClr val="tx1"/>
+            </a:solidFill>
+          </a:ln>
+        </p:spPr>
+        <p:style>
+          <a:lnRef idx="2">
+            <a:schemeClr val="accent4">
+              <a:shade val="15000"/>
+            </a:schemeClr>
+          </a:lnRef>
+          <a:fillRef idx="1">
+            <a:schemeClr val="accent4"/>
+          </a:fillRef>
+          <a:effectRef idx="0">
+            <a:schemeClr val="accent4"/>
+          </a:effectRef>
+          <a:fontRef idx="minor">
+            <a:schemeClr val="lt1"/>
+          </a:fontRef>
+        </p:style>
+        <p:txBody>
+          <a:bodyPr rtlCol="0" anchor="ctr"/>
+          <a:lstStyle/>
+          <a:p>
+            <a:pPr algn="ctr"/>
+            <a:r>
+              <a:rPr lang="en-US" sz="1600" dirty="0">
+                <a:solidFill>
+                  <a:schemeClr val="tx1"/>
+                </a:solidFill>
+              </a:rPr>
+              <a:t>Y7</a:t>
+            </a:r>
+          </a:p>
+        </p:txBody>
+      </p:sp>
+      <p:sp>
+        <p:nvSpPr>
+          <p:cNvPr id="17" name="Rectangle: Rounded Corners 16">
+            <a:extLst>
+              <a:ext uri="{FF2B5EF4-FFF2-40B4-BE49-F238E27FC236}">
+                <a16:creationId xmlns:a16="http://schemas.microsoft.com/office/drawing/2014/main" id="{ECD741C4-B319-BB69-277A-8FD269B7958F}"/>
+              </a:ext>
+            </a:extLst>
+          </p:cNvPr>
+          <p:cNvSpPr/>
+          <p:nvPr/>
+        </p:nvSpPr>
+        <p:spPr>
+          <a:xfrm>
+            <a:off x="8080565" y="3307702"/>
+            <a:ext cx="747317" cy="242595"/>
+          </a:xfrm>
+          <a:prstGeom prst="roundRect">
+            <a:avLst>
+              <a:gd name="adj" fmla="val 50000"/>
+            </a:avLst>
+          </a:prstGeom>
+          <a:solidFill>
+            <a:schemeClr val="accent6"/>
+          </a:solidFill>
+          <a:ln>
+            <a:solidFill>
+              <a:schemeClr val="tx1"/>
+            </a:solidFill>
+          </a:ln>
+        </p:spPr>
+        <p:style>
+          <a:lnRef idx="2">
+            <a:schemeClr val="accent4">
+              <a:shade val="15000"/>
+            </a:schemeClr>
+          </a:lnRef>
+          <a:fillRef idx="1">
+            <a:schemeClr val="accent4"/>
+          </a:fillRef>
+          <a:effectRef idx="0">
+            <a:schemeClr val="accent4"/>
+          </a:effectRef>
+          <a:fontRef idx="minor">
+            <a:schemeClr val="lt1"/>
+          </a:fontRef>
+        </p:style>
+        <p:txBody>
+          <a:bodyPr rtlCol="0" anchor="ctr"/>
+          <a:lstStyle/>
+          <a:p>
+            <a:pPr algn="ctr"/>
+            <a:r>
+              <a:rPr lang="en-US" sz="1600" dirty="0">
+                <a:solidFill>
+                  <a:schemeClr val="tx1"/>
+                </a:solidFill>
+              </a:rPr>
+              <a:t>A65</a:t>
+            </a:r>
+          </a:p>
+        </p:txBody>
+      </p:sp>
+      <p:sp>
+        <p:nvSpPr>
+          <p:cNvPr id="18" name="Rectangle: Rounded Corners 17">
+            <a:extLst>
+              <a:ext uri="{FF2B5EF4-FFF2-40B4-BE49-F238E27FC236}">
+                <a16:creationId xmlns:a16="http://schemas.microsoft.com/office/drawing/2014/main" id="{983D11A6-B973-8792-6D3F-EA43643D3D45}"/>
+              </a:ext>
+            </a:extLst>
+          </p:cNvPr>
+          <p:cNvSpPr/>
+          <p:nvPr/>
+        </p:nvSpPr>
+        <p:spPr>
+          <a:xfrm>
+            <a:off x="6840309" y="3672753"/>
+            <a:ext cx="747317" cy="242595"/>
+          </a:xfrm>
+          <a:prstGeom prst="roundRect">
+            <a:avLst>
+              <a:gd name="adj" fmla="val 50000"/>
+            </a:avLst>
+          </a:prstGeom>
+          <a:solidFill>
+            <a:schemeClr val="accent6"/>
+          </a:solidFill>
+          <a:ln>
+            <a:solidFill>
+              <a:schemeClr val="tx1"/>
+            </a:solidFill>
+          </a:ln>
+        </p:spPr>
+        <p:style>
+          <a:lnRef idx="2">
+            <a:schemeClr val="accent4">
+              <a:shade val="15000"/>
+            </a:schemeClr>
+          </a:lnRef>
+          <a:fillRef idx="1">
+            <a:schemeClr val="accent4"/>
+          </a:fillRef>
+          <a:effectRef idx="0">
+            <a:schemeClr val="accent4"/>
+          </a:effectRef>
+          <a:fontRef idx="minor">
+            <a:schemeClr val="lt1"/>
+          </a:fontRef>
+        </p:style>
+        <p:txBody>
+          <a:bodyPr rtlCol="0" anchor="ctr"/>
+          <a:lstStyle/>
+          <a:p>
+            <a:pPr algn="ctr"/>
+            <a:r>
+              <a:rPr lang="en-US" sz="1600" dirty="0">
+                <a:solidFill>
+                  <a:schemeClr val="tx1"/>
+                </a:solidFill>
+              </a:rPr>
+              <a:t>Y61</a:t>
+            </a:r>
+          </a:p>
+        </p:txBody>
+      </p:sp>
+      <p:cxnSp>
+        <p:nvCxnSpPr>
+          <p:cNvPr id="27" name="Connector: Curved 26">
+            <a:extLst>
+              <a:ext uri="{FF2B5EF4-FFF2-40B4-BE49-F238E27FC236}">
+                <a16:creationId xmlns:a16="http://schemas.microsoft.com/office/drawing/2014/main" id="{0487F92D-8A02-0523-6FA0-E8DCD096C676}"/>
+              </a:ext>
+            </a:extLst>
+          </p:cNvPr>
+          <p:cNvCxnSpPr>
+            <a:cxnSpLocks/>
+            <a:stCxn id="6" idx="2"/>
+            <a:endCxn id="13" idx="0"/>
+          </p:cNvCxnSpPr>
+          <p:nvPr/>
+        </p:nvCxnSpPr>
+        <p:spPr>
+          <a:xfrm rot="16200000" flipH="1">
+            <a:off x="6030310" y="1713747"/>
+            <a:ext cx="293678" cy="66182"/>
+          </a:xfrm>
+          <a:prstGeom prst="curvedConnector3">
+            <a:avLst>
+              <a:gd name="adj1" fmla="val 50000"/>
+            </a:avLst>
+          </a:prstGeom>
+          <a:ln w="28575">
+            <a:solidFill>
+              <a:srgbClr val="FF0000"/>
+            </a:solidFill>
+            <a:prstDash val="dash"/>
+          </a:ln>
+        </p:spPr>
+        <p:style>
+          <a:lnRef idx="1">
+            <a:schemeClr val="accent1"/>
+          </a:lnRef>
+          <a:fillRef idx="0">
+            <a:schemeClr val="accent1"/>
+          </a:fillRef>
+          <a:effectRef idx="0">
+            <a:schemeClr val="accent1"/>
+          </a:effectRef>
+          <a:fontRef idx="minor">
+            <a:schemeClr val="tx1"/>
+          </a:fontRef>
+        </p:style>
+      </p:cxnSp>
+      <p:cxnSp>
+        <p:nvCxnSpPr>
+          <p:cNvPr id="30" name="Connector: Curved 29">
+            <a:extLst>
+              <a:ext uri="{FF2B5EF4-FFF2-40B4-BE49-F238E27FC236}">
+                <a16:creationId xmlns:a16="http://schemas.microsoft.com/office/drawing/2014/main" id="{691969AA-8416-6A83-9D18-77F510C81399}"/>
+              </a:ext>
+            </a:extLst>
+          </p:cNvPr>
+          <p:cNvCxnSpPr>
+            <a:cxnSpLocks/>
+            <a:stCxn id="7" idx="3"/>
+            <a:endCxn id="17" idx="0"/>
+          </p:cNvCxnSpPr>
+          <p:nvPr/>
+        </p:nvCxnSpPr>
+        <p:spPr>
+          <a:xfrm>
+            <a:off x="8242730" y="2293576"/>
+            <a:ext cx="211494" cy="1014126"/>
+          </a:xfrm>
+          <a:prstGeom prst="curvedConnector2">
+            <a:avLst/>
+          </a:prstGeom>
+          <a:ln w="28575">
+            <a:solidFill>
+              <a:srgbClr val="FF0000"/>
+            </a:solidFill>
+            <a:prstDash val="dash"/>
+          </a:ln>
+        </p:spPr>
+        <p:style>
+          <a:lnRef idx="1">
+            <a:schemeClr val="accent1"/>
+          </a:lnRef>
+          <a:fillRef idx="0">
+            <a:schemeClr val="accent1"/>
+          </a:fillRef>
+          <a:effectRef idx="0">
+            <a:schemeClr val="accent1"/>
+          </a:effectRef>
+          <a:fontRef idx="minor">
+            <a:schemeClr val="tx1"/>
+          </a:fontRef>
+        </p:style>
+      </p:cxnSp>
+      <p:cxnSp>
+        <p:nvCxnSpPr>
+          <p:cNvPr id="35" name="Connector: Curved 34">
+            <a:extLst>
+              <a:ext uri="{FF2B5EF4-FFF2-40B4-BE49-F238E27FC236}">
+                <a16:creationId xmlns:a16="http://schemas.microsoft.com/office/drawing/2014/main" id="{FAE3665D-A01A-57EE-EDB4-62399F7C510F}"/>
+              </a:ext>
+            </a:extLst>
+          </p:cNvPr>
+          <p:cNvCxnSpPr>
+            <a:cxnSpLocks/>
+            <a:stCxn id="8" idx="2"/>
+            <a:endCxn id="18" idx="1"/>
+          </p:cNvCxnSpPr>
+          <p:nvPr/>
+        </p:nvCxnSpPr>
+        <p:spPr>
+          <a:xfrm rot="5400000">
+            <a:off x="6200470" y="2872767"/>
+            <a:ext cx="1561124" cy="281445"/>
+          </a:xfrm>
+          <a:prstGeom prst="curvedConnector4">
+            <a:avLst>
+              <a:gd name="adj1" fmla="val 46115"/>
+              <a:gd name="adj2" fmla="val 181224"/>
+            </a:avLst>
+          </a:prstGeom>
+          <a:ln w="28575">
+            <a:solidFill>
+              <a:srgbClr val="FF0000"/>
+            </a:solidFill>
+            <a:prstDash val="dash"/>
+          </a:ln>
+        </p:spPr>
+        <p:style>
+          <a:lnRef idx="1">
+            <a:schemeClr val="accent1"/>
+          </a:lnRef>
+          <a:fillRef idx="0">
+            <a:schemeClr val="accent1"/>
+          </a:fillRef>
+          <a:effectRef idx="0">
+            <a:schemeClr val="accent1"/>
+          </a:effectRef>
+          <a:fontRef idx="minor">
+            <a:schemeClr val="tx1"/>
+          </a:fontRef>
+        </p:style>
+      </p:cxnSp>
+    </p:spTree>
+    <p:extLst>
+      <p:ext uri="{BB962C8B-B14F-4D97-AF65-F5344CB8AC3E}">
+        <p14:creationId xmlns:p14="http://schemas.microsoft.com/office/powerpoint/2010/main" val="1975805577"/>
+      </p:ext>
+    </p:extLst>
+  </p:cSld>
+  <p:clrMapOvr>
+    <a:masterClrMapping/>
+  </p:clrMapOvr>
+</p:sld>
+</file>
+
+<file path=ppt/slides/slide4.xml><?xml version="1.0" encoding="utf-8"?>
+<p:sld xmlns:a="http://schemas.openxmlformats.org/drawingml/2006/main" xmlns:r="http://schemas.openxmlformats.org/officeDocument/2006/relationships" xmlns:p="http://schemas.openxmlformats.org/presentationml/2006/main">
+  <p:cSld>
+    <p:spTree>
+      <p:nvGrpSpPr>
         <p:cNvPr id="1" name=""/>
         <p:cNvGrpSpPr/>
         <p:nvPr/>
@@ -5888,7 +6482,7 @@
         </p:blipFill>
         <p:spPr>
           <a:xfrm>
-            <a:off x="62473" y="-3"/>
+            <a:off x="-8681992" y="1261"/>
             <a:ext cx="11096670" cy="6858000"/>
           </a:xfrm>
           <a:prstGeom prst="rect">
@@ -5910,7 +6504,7 @@
         </p:nvSpPr>
         <p:spPr>
           <a:xfrm>
-            <a:off x="9650392" y="2034523"/>
+            <a:off x="905927" y="2035787"/>
             <a:ext cx="747317" cy="242595"/>
           </a:xfrm>
           <a:prstGeom prst="roundRect">
@@ -5973,7 +6567,7 @@
         </p:nvSpPr>
         <p:spPr>
           <a:xfrm>
-            <a:off x="9600628" y="366920"/>
+            <a:off x="856163" y="368184"/>
             <a:ext cx="747317" cy="242595"/>
           </a:xfrm>
           <a:prstGeom prst="roundRect">
@@ -6036,7 +6630,7 @@
         </p:nvSpPr>
         <p:spPr>
           <a:xfrm>
-            <a:off x="7622425" y="4213887"/>
+            <a:off x="-1122040" y="4215151"/>
             <a:ext cx="747317" cy="242595"/>
           </a:xfrm>
           <a:prstGeom prst="roundRect">
@@ -6099,7 +6693,7 @@
         </p:nvSpPr>
         <p:spPr>
           <a:xfrm>
-            <a:off x="7862337" y="5533052"/>
+            <a:off x="-882128" y="5534316"/>
             <a:ext cx="747317" cy="242595"/>
           </a:xfrm>
           <a:prstGeom prst="roundRect">
@@ -6162,7 +6756,7 @@
         </p:nvSpPr>
         <p:spPr>
           <a:xfrm>
-            <a:off x="9330954" y="6046280"/>
+            <a:off x="586489" y="6047544"/>
             <a:ext cx="747317" cy="242595"/>
           </a:xfrm>
           <a:prstGeom prst="roundRect">
@@ -6225,7 +6819,7 @@
         </p:nvSpPr>
         <p:spPr>
           <a:xfrm>
-            <a:off x="5348682" y="969050"/>
+            <a:off x="-3395783" y="970314"/>
             <a:ext cx="747318" cy="242595"/>
           </a:xfrm>
           <a:prstGeom prst="roundRect">
@@ -6288,7 +6882,7 @@
         </p:nvSpPr>
         <p:spPr>
           <a:xfrm>
-            <a:off x="2111844" y="2210479"/>
+            <a:off x="-6632621" y="2211743"/>
             <a:ext cx="747317" cy="242595"/>
           </a:xfrm>
           <a:prstGeom prst="roundRect">
@@ -6351,7 +6945,7 @@
         </p:nvSpPr>
         <p:spPr>
           <a:xfrm>
-            <a:off x="4900825" y="1340496"/>
+            <a:off x="-3843640" y="1341760"/>
             <a:ext cx="747317" cy="242595"/>
           </a:xfrm>
           <a:prstGeom prst="roundRect">
@@ -6414,7 +7008,7 @@
         </p:nvSpPr>
         <p:spPr>
           <a:xfrm>
-            <a:off x="6391539" y="1756395"/>
+            <a:off x="-2352926" y="1757659"/>
             <a:ext cx="747317" cy="242595"/>
           </a:xfrm>
           <a:prstGeom prst="roundRect">
@@ -6477,7 +7071,7 @@
         </p:nvSpPr>
         <p:spPr>
           <a:xfrm>
-            <a:off x="2481649" y="1340496"/>
+            <a:off x="-6262816" y="1341760"/>
             <a:ext cx="747317" cy="242595"/>
           </a:xfrm>
           <a:prstGeom prst="roundRect">
@@ -6540,7 +7134,7 @@
         </p:nvSpPr>
         <p:spPr>
           <a:xfrm>
-            <a:off x="3104558" y="2680995"/>
+            <a:off x="-5639907" y="2682259"/>
             <a:ext cx="747317" cy="242595"/>
           </a:xfrm>
           <a:prstGeom prst="roundRect">
@@ -6603,7 +7197,7 @@
         </p:nvSpPr>
         <p:spPr>
           <a:xfrm>
-            <a:off x="5237149" y="2155821"/>
+            <a:off x="-3507316" y="2157085"/>
             <a:ext cx="747317" cy="242595"/>
           </a:xfrm>
           <a:prstGeom prst="roundRect">
@@ -6666,7 +7260,7 @@
         </p:nvSpPr>
         <p:spPr>
           <a:xfrm>
-            <a:off x="8803549" y="878196"/>
+            <a:off x="59084" y="879460"/>
             <a:ext cx="747317" cy="242595"/>
           </a:xfrm>
           <a:prstGeom prst="roundRect">
@@ -6729,7 +7323,7 @@
         </p:nvSpPr>
         <p:spPr>
           <a:xfrm>
-            <a:off x="7248767" y="4812352"/>
+            <a:off x="-1495698" y="4813616"/>
             <a:ext cx="747317" cy="242595"/>
           </a:xfrm>
           <a:prstGeom prst="roundRect">
@@ -6792,7 +7386,7 @@
         </p:nvSpPr>
         <p:spPr>
           <a:xfrm>
-            <a:off x="9371684" y="4651495"/>
+            <a:off x="627219" y="4652759"/>
             <a:ext cx="747317" cy="242595"/>
           </a:xfrm>
           <a:prstGeom prst="roundRect">
@@ -6855,7 +7449,7 @@
         </p:nvSpPr>
         <p:spPr>
           <a:xfrm>
-            <a:off x="9600629" y="5654347"/>
+            <a:off x="856164" y="5655611"/>
             <a:ext cx="747317" cy="242595"/>
           </a:xfrm>
           <a:prstGeom prst="roundRect">
@@ -6918,7 +7512,7 @@
         </p:nvSpPr>
         <p:spPr>
           <a:xfrm>
-            <a:off x="7248767" y="1513800"/>
+            <a:off x="-1495698" y="1515064"/>
             <a:ext cx="747317" cy="242595"/>
           </a:xfrm>
           <a:prstGeom prst="roundRect">
@@ -6981,7 +7575,7 @@
         </p:nvSpPr>
         <p:spPr>
           <a:xfrm>
-            <a:off x="10119001" y="1064312"/>
+            <a:off x="1374536" y="1065576"/>
             <a:ext cx="747317" cy="242595"/>
           </a:xfrm>
           <a:prstGeom prst="roundRect">
@@ -7048,7 +7642,7 @@
         </p:nvCxnSpPr>
         <p:spPr>
           <a:xfrm rot="5400000">
-            <a:off x="6235768" y="1747688"/>
+            <a:off x="-2508697" y="1748952"/>
             <a:ext cx="278129" cy="780732"/>
           </a:xfrm>
           <a:prstGeom prst="curvedConnector2">
@@ -7093,7 +7687,7 @@
         </p:nvCxnSpPr>
         <p:spPr>
           <a:xfrm rot="16200000" flipV="1">
-            <a:off x="6641482" y="532856"/>
+            <a:off x="-2102983" y="534120"/>
             <a:ext cx="435464" cy="1526424"/>
           </a:xfrm>
           <a:prstGeom prst="curvedConnector2">
@@ -7139,7 +7733,7 @@
         </p:nvCxnSpPr>
         <p:spPr>
           <a:xfrm rot="5400000">
-            <a:off x="4064896" y="373503"/>
+            <a:off x="-4679569" y="374767"/>
             <a:ext cx="12700" cy="2419176"/>
           </a:xfrm>
           <a:prstGeom prst="curvedConnector3">
@@ -7187,7 +7781,7 @@
         </p:nvCxnSpPr>
         <p:spPr>
           <a:xfrm rot="16200000" flipH="1">
-            <a:off x="2620421" y="2318155"/>
+            <a:off x="-6124044" y="2319419"/>
             <a:ext cx="349219" cy="619055"/>
           </a:xfrm>
           <a:prstGeom prst="curvedConnector2">
@@ -7233,7 +7827,7 @@
         </p:nvCxnSpPr>
         <p:spPr>
           <a:xfrm rot="10800000" flipV="1">
-            <a:off x="7248767" y="4335184"/>
+            <a:off x="-1495698" y="4336448"/>
             <a:ext cx="373658" cy="598465"/>
           </a:xfrm>
           <a:prstGeom prst="curvedConnector3">
@@ -7281,7 +7875,7 @@
         </p:nvCxnSpPr>
         <p:spPr>
           <a:xfrm rot="5400000">
-            <a:off x="9894548" y="1436411"/>
+            <a:off x="1150083" y="1437675"/>
             <a:ext cx="727616" cy="468609"/>
           </a:xfrm>
           <a:prstGeom prst="curvedConnector3">
@@ -7329,7 +7923,7 @@
         </p:nvCxnSpPr>
         <p:spPr>
           <a:xfrm rot="5400000">
-            <a:off x="9567588" y="592794"/>
+            <a:off x="823123" y="594058"/>
             <a:ext cx="389979" cy="423421"/>
           </a:xfrm>
           <a:prstGeom prst="curvedConnector2">
@@ -7375,7 +7969,7 @@
         </p:nvCxnSpPr>
         <p:spPr>
           <a:xfrm rot="5400000">
-            <a:off x="7072515" y="1449078"/>
+            <a:off x="-1671950" y="1450342"/>
             <a:ext cx="242595" cy="857228"/>
           </a:xfrm>
           <a:prstGeom prst="curvedConnector3">
@@ -7423,7 +8017,7 @@
         </p:nvCxnSpPr>
         <p:spPr>
           <a:xfrm>
-            <a:off x="8609654" y="5654350"/>
+            <a:off x="-134811" y="5655614"/>
             <a:ext cx="990975" cy="121295"/>
           </a:xfrm>
           <a:prstGeom prst="curvedConnector3">
@@ -7471,7 +8065,7 @@
         </p:nvCxnSpPr>
         <p:spPr>
           <a:xfrm flipH="1">
-            <a:off x="10078271" y="4772793"/>
+            <a:off x="1333806" y="4774057"/>
             <a:ext cx="40730" cy="1394785"/>
           </a:xfrm>
           <a:prstGeom prst="curvedConnector3">
@@ -7529,7 +8123,7 @@
         </p:blipFill>
         <p:spPr>
           <a:xfrm>
-            <a:off x="11539152" y="-1264"/>
+            <a:off x="2794687" y="0"/>
             <a:ext cx="9397313" cy="6858000"/>
           </a:xfrm>
           <a:prstGeom prst="rect">
@@ -7551,7 +8145,7 @@
         </p:nvSpPr>
         <p:spPr>
           <a:xfrm>
-            <a:off x="14345958" y="902929"/>
+            <a:off x="5601493" y="904193"/>
             <a:ext cx="747317" cy="242595"/>
           </a:xfrm>
           <a:prstGeom prst="roundRect">
@@ -7614,7 +8208,7 @@
         </p:nvSpPr>
         <p:spPr>
           <a:xfrm>
-            <a:off x="15490491" y="2448701"/>
+            <a:off x="6746026" y="2449965"/>
             <a:ext cx="747317" cy="242595"/>
           </a:xfrm>
           <a:prstGeom prst="roundRect">
@@ -7677,7 +8271,7 @@
         </p:nvSpPr>
         <p:spPr>
           <a:xfrm>
-            <a:off x="15642913" y="3786089"/>
+            <a:off x="6898448" y="3787353"/>
             <a:ext cx="747317" cy="242595"/>
           </a:xfrm>
           <a:prstGeom prst="roundRect">
@@ -7740,7 +8334,7 @@
         </p:nvSpPr>
         <p:spPr>
           <a:xfrm>
-            <a:off x="11301069" y="2206106"/>
+            <a:off x="2556604" y="2207370"/>
             <a:ext cx="747317" cy="242595"/>
           </a:xfrm>
           <a:prstGeom prst="roundRect">
@@ -7803,7 +8397,7 @@
         </p:nvSpPr>
         <p:spPr>
           <a:xfrm>
-            <a:off x="10830881" y="3614349"/>
+            <a:off x="2086416" y="3615613"/>
             <a:ext cx="747317" cy="242595"/>
           </a:xfrm>
           <a:prstGeom prst="roundRect">
@@ -7866,7 +8460,7 @@
         </p:nvSpPr>
         <p:spPr>
           <a:xfrm>
-            <a:off x="10830881" y="2998528"/>
+            <a:off x="2086416" y="2999792"/>
             <a:ext cx="747317" cy="242595"/>
           </a:xfrm>
           <a:prstGeom prst="roundRect">
@@ -7929,7 +8523,7 @@
         </p:nvSpPr>
         <p:spPr>
           <a:xfrm>
-            <a:off x="13105941" y="902928"/>
+            <a:off x="4361476" y="904192"/>
             <a:ext cx="747317" cy="242595"/>
           </a:xfrm>
           <a:prstGeom prst="roundRect">
@@ -7992,7 +8586,7 @@
         </p:nvSpPr>
         <p:spPr>
           <a:xfrm>
-            <a:off x="14798760" y="1928419"/>
+            <a:off x="6054295" y="1929683"/>
             <a:ext cx="747317" cy="242595"/>
           </a:xfrm>
           <a:prstGeom prst="roundRect">
@@ -8055,7 +8649,7 @@
         </p:nvSpPr>
         <p:spPr>
           <a:xfrm>
-            <a:off x="12795298" y="2084808"/>
+            <a:off x="4050833" y="2086072"/>
             <a:ext cx="747317" cy="242595"/>
           </a:xfrm>
           <a:prstGeom prst="roundRect">
@@ -8118,7 +8712,7 @@
         </p:nvSpPr>
         <p:spPr>
           <a:xfrm>
-            <a:off x="12928660" y="3119825"/>
+            <a:off x="4184195" y="3121089"/>
             <a:ext cx="747317" cy="242595"/>
           </a:xfrm>
           <a:prstGeom prst="roundRect">
@@ -8181,7 +8775,7 @@
         </p:nvSpPr>
         <p:spPr>
           <a:xfrm>
-            <a:off x="12688635" y="3614349"/>
+            <a:off x="3944170" y="3615613"/>
             <a:ext cx="747317" cy="242595"/>
           </a:xfrm>
           <a:prstGeom prst="roundRect">
@@ -8244,7 +8838,7 @@
         </p:nvSpPr>
         <p:spPr>
           <a:xfrm>
-            <a:off x="13914060" y="2877230"/>
+            <a:off x="5169595" y="2878494"/>
             <a:ext cx="747317" cy="242595"/>
           </a:xfrm>
           <a:prstGeom prst="roundRect">
@@ -8307,7 +8901,7 @@
         </p:nvSpPr>
         <p:spPr>
           <a:xfrm>
-            <a:off x="14514864" y="4100697"/>
+            <a:off x="5770399" y="4101961"/>
             <a:ext cx="747317" cy="242595"/>
           </a:xfrm>
           <a:prstGeom prst="roundRect">
@@ -8374,7 +8968,7 @@
         </p:nvCxnSpPr>
         <p:spPr>
           <a:xfrm>
-            <a:off x="13853258" y="1024226"/>
+            <a:off x="5108793" y="1025490"/>
             <a:ext cx="492700" cy="1"/>
           </a:xfrm>
           <a:prstGeom prst="curvedConnector3">
@@ -8419,7 +9013,7 @@
         </p:nvCxnSpPr>
         <p:spPr>
           <a:xfrm rot="16200000" flipH="1">
-            <a:off x="14514999" y="1350142"/>
+            <a:off x="5770534" y="1351406"/>
             <a:ext cx="782895" cy="373658"/>
           </a:xfrm>
           <a:prstGeom prst="curvedConnector3">
@@ -8467,7 +9061,7 @@
         </p:nvCxnSpPr>
         <p:spPr>
           <a:xfrm rot="10800000" flipV="1">
-            <a:off x="14287719" y="2569998"/>
+            <a:off x="5543254" y="2571262"/>
             <a:ext cx="1202772" cy="307231"/>
           </a:xfrm>
           <a:prstGeom prst="curvedConnector2">
@@ -8513,7 +9107,7 @@
         </p:nvCxnSpPr>
         <p:spPr>
           <a:xfrm rot="5400000">
-            <a:off x="15542722" y="3748144"/>
+            <a:off x="6798257" y="3749408"/>
             <a:ext cx="193311" cy="754391"/>
           </a:xfrm>
           <a:prstGeom prst="curvedConnector2">
@@ -8559,7 +9153,7 @@
         </p:nvCxnSpPr>
         <p:spPr>
           <a:xfrm rot="16200000" flipH="1">
-            <a:off x="12133417" y="2928067"/>
+            <a:off x="3388952" y="2929331"/>
             <a:ext cx="12700" cy="1857754"/>
           </a:xfrm>
           <a:prstGeom prst="curvedConnector3">
@@ -8607,7 +9201,7 @@
         </p:nvCxnSpPr>
         <p:spPr>
           <a:xfrm rot="16200000" flipH="1">
-            <a:off x="12152961" y="1970467"/>
+            <a:off x="3408496" y="1971731"/>
             <a:ext cx="671124" cy="1627591"/>
           </a:xfrm>
           <a:prstGeom prst="curvedConnector3">
@@ -8655,7 +9249,7 @@
         </p:nvCxnSpPr>
         <p:spPr>
           <a:xfrm rot="5400000" flipH="1" flipV="1">
-            <a:off x="11851186" y="1680758"/>
+            <a:off x="3106721" y="1682022"/>
             <a:ext cx="671125" cy="1964417"/>
           </a:xfrm>
           <a:prstGeom prst="curvedConnector3">
@@ -8699,8 +9293,8 @@
         </p:nvSpPr>
         <p:spPr>
           <a:xfrm>
-            <a:off x="4729907" y="6364648"/>
-            <a:ext cx="3506088" cy="369332"/>
+            <a:off x="-4014558" y="6365912"/>
+            <a:ext cx="3506088" cy="646331"/>
           </a:xfrm>
           <a:prstGeom prst="rect">
             <a:avLst/>
@@ -8723,6 +9317,17 @@
               <a:t>HADDOCK-predicted interface</a:t>
             </a:r>
           </a:p>
+          <a:p>
+            <a:pPr algn="ctr"/>
+            <a:r>
+              <a:rPr lang="en-US" b="1" dirty="0">
+                <a:solidFill>
+                  <a:schemeClr val="accent4"/>
+                </a:solidFill>
+              </a:rPr>
+              <a:t>(Best van der Waals Energy)</a:t>
+            </a:r>
+          </a:p>
         </p:txBody>
       </p:sp>
       <p:sp>
@@ -8739,8 +9344,8 @@
         </p:nvSpPr>
         <p:spPr>
           <a:xfrm>
-            <a:off x="11231275" y="6364648"/>
-            <a:ext cx="4673074" cy="369332"/>
+            <a:off x="2375690" y="6365912"/>
+            <a:ext cx="4895315" cy="646331"/>
           </a:xfrm>
           <a:prstGeom prst="rect">
             <a:avLst/>
@@ -8761,6 +9366,641 @@
                 </a:solidFill>
               </a:rPr>
               <a:t>AlphaFold2 Multimer-predicted interface</a:t>
+            </a:r>
+          </a:p>
+          <a:p>
+            <a:pPr algn="ctr"/>
+            <a:r>
+              <a:rPr lang="en-US" b="1" dirty="0">
+                <a:solidFill>
+                  <a:srgbClr val="7030A0"/>
+                </a:solidFill>
+              </a:rPr>
+              <a:t>(Best AlphaFold2 and </a:t>
+            </a:r>
+            <a:r>
+              <a:rPr lang="en-US" b="1" dirty="0" err="1">
+                <a:solidFill>
+                  <a:srgbClr val="7030A0"/>
+                </a:solidFill>
+              </a:rPr>
+              <a:t>GDock</a:t>
+            </a:r>
+            <a:r>
+              <a:rPr lang="en-US" b="1" dirty="0">
+                <a:solidFill>
+                  <a:srgbClr val="7030A0"/>
+                </a:solidFill>
+              </a:rPr>
+              <a:t> Confidences)</a:t>
+            </a:r>
+          </a:p>
+        </p:txBody>
+      </p:sp>
+      <p:pic>
+        <p:nvPicPr>
+          <p:cNvPr id="51" name="Picture 50" descr="A close-up of a structure&#10;&#10;Description automatically generated">
+            <a:extLst>
+              <a:ext uri="{FF2B5EF4-FFF2-40B4-BE49-F238E27FC236}">
+                <a16:creationId xmlns:a16="http://schemas.microsoft.com/office/drawing/2014/main" id="{1974511B-75E4-E95D-0505-4A8E1F2BA476}"/>
+              </a:ext>
+            </a:extLst>
+          </p:cNvPr>
+          <p:cNvPicPr>
+            <a:picLocks noChangeAspect="1"/>
+          </p:cNvPicPr>
+          <p:nvPr/>
+        </p:nvPicPr>
+        <p:blipFill>
+          <a:blip r:embed="rId4">
+            <a:extLst>
+              <a:ext uri="{28A0092B-C50C-407E-A947-70E740481C1C}">
+                <a14:useLocalDpi xmlns:a14="http://schemas.microsoft.com/office/drawing/2010/main" val="0"/>
+              </a:ext>
+            </a:extLst>
+          </a:blip>
+          <a:stretch>
+            <a:fillRect/>
+          </a:stretch>
+        </p:blipFill>
+        <p:spPr>
+          <a:xfrm>
+            <a:off x="12516604" y="0"/>
+            <a:ext cx="9484859" cy="6858000"/>
+          </a:xfrm>
+          <a:prstGeom prst="rect">
+            <a:avLst/>
+          </a:prstGeom>
+        </p:spPr>
+      </p:pic>
+      <p:sp>
+        <p:nvSpPr>
+          <p:cNvPr id="53" name="Rectangle: Rounded Corners 52">
+            <a:extLst>
+              <a:ext uri="{FF2B5EF4-FFF2-40B4-BE49-F238E27FC236}">
+                <a16:creationId xmlns:a16="http://schemas.microsoft.com/office/drawing/2014/main" id="{EC9DB80E-5325-F3D6-BF55-7F652E4CAE2C}"/>
+              </a:ext>
+            </a:extLst>
+          </p:cNvPr>
+          <p:cNvSpPr/>
+          <p:nvPr/>
+        </p:nvSpPr>
+        <p:spPr>
+          <a:xfrm>
+            <a:off x="16933433" y="1357404"/>
+            <a:ext cx="747317" cy="242595"/>
+          </a:xfrm>
+          <a:prstGeom prst="roundRect">
+            <a:avLst>
+              <a:gd name="adj" fmla="val 50000"/>
+            </a:avLst>
+          </a:prstGeom>
+          <a:solidFill>
+            <a:srgbClr val="FFFF00"/>
+          </a:solidFill>
+          <a:ln>
+            <a:solidFill>
+              <a:srgbClr val="7030A0"/>
+            </a:solidFill>
+          </a:ln>
+        </p:spPr>
+        <p:style>
+          <a:lnRef idx="2">
+            <a:schemeClr val="accent4">
+              <a:shade val="15000"/>
+            </a:schemeClr>
+          </a:lnRef>
+          <a:fillRef idx="1">
+            <a:schemeClr val="accent4"/>
+          </a:fillRef>
+          <a:effectRef idx="0">
+            <a:schemeClr val="accent4"/>
+          </a:effectRef>
+          <a:fontRef idx="minor">
+            <a:schemeClr val="lt1"/>
+          </a:fontRef>
+        </p:style>
+        <p:txBody>
+          <a:bodyPr rtlCol="0" anchor="ctr"/>
+          <a:lstStyle/>
+          <a:p>
+            <a:pPr algn="ctr"/>
+            <a:r>
+              <a:rPr lang="en-US" sz="1600" dirty="0">
+                <a:solidFill>
+                  <a:srgbClr val="7030A0"/>
+                </a:solidFill>
+              </a:rPr>
+              <a:t>D144</a:t>
+            </a:r>
+          </a:p>
+        </p:txBody>
+      </p:sp>
+      <p:sp>
+        <p:nvSpPr>
+          <p:cNvPr id="54" name="Rectangle: Rounded Corners 53">
+            <a:extLst>
+              <a:ext uri="{FF2B5EF4-FFF2-40B4-BE49-F238E27FC236}">
+                <a16:creationId xmlns:a16="http://schemas.microsoft.com/office/drawing/2014/main" id="{B6A104EF-DC3B-1815-85DF-FDCA2332900B}"/>
+              </a:ext>
+            </a:extLst>
+          </p:cNvPr>
+          <p:cNvSpPr/>
+          <p:nvPr/>
+        </p:nvSpPr>
+        <p:spPr>
+          <a:xfrm>
+            <a:off x="18658447" y="2172278"/>
+            <a:ext cx="747317" cy="242595"/>
+          </a:xfrm>
+          <a:prstGeom prst="roundRect">
+            <a:avLst>
+              <a:gd name="adj" fmla="val 50000"/>
+            </a:avLst>
+          </a:prstGeom>
+          <a:solidFill>
+            <a:srgbClr val="FFFF00"/>
+          </a:solidFill>
+          <a:ln>
+            <a:solidFill>
+              <a:srgbClr val="7030A0"/>
+            </a:solidFill>
+          </a:ln>
+        </p:spPr>
+        <p:style>
+          <a:lnRef idx="2">
+            <a:schemeClr val="accent4">
+              <a:shade val="15000"/>
+            </a:schemeClr>
+          </a:lnRef>
+          <a:fillRef idx="1">
+            <a:schemeClr val="accent4"/>
+          </a:fillRef>
+          <a:effectRef idx="0">
+            <a:schemeClr val="accent4"/>
+          </a:effectRef>
+          <a:fontRef idx="minor">
+            <a:schemeClr val="lt1"/>
+          </a:fontRef>
+        </p:style>
+        <p:txBody>
+          <a:bodyPr rtlCol="0" anchor="ctr"/>
+          <a:lstStyle/>
+          <a:p>
+            <a:pPr algn="ctr"/>
+            <a:r>
+              <a:rPr lang="en-US" sz="1600" dirty="0">
+                <a:solidFill>
+                  <a:srgbClr val="7030A0"/>
+                </a:solidFill>
+              </a:rPr>
+              <a:t>T329</a:t>
+            </a:r>
+          </a:p>
+        </p:txBody>
+      </p:sp>
+      <p:sp>
+        <p:nvSpPr>
+          <p:cNvPr id="55" name="Rectangle: Rounded Corners 54">
+            <a:extLst>
+              <a:ext uri="{FF2B5EF4-FFF2-40B4-BE49-F238E27FC236}">
+                <a16:creationId xmlns:a16="http://schemas.microsoft.com/office/drawing/2014/main" id="{80BFE89F-7E43-6D7D-2AAD-7D32CB8E26FC}"/>
+              </a:ext>
+            </a:extLst>
+          </p:cNvPr>
+          <p:cNvSpPr/>
+          <p:nvPr/>
+        </p:nvSpPr>
+        <p:spPr>
+          <a:xfrm>
+            <a:off x="17911129" y="1990332"/>
+            <a:ext cx="747317" cy="242595"/>
+          </a:xfrm>
+          <a:prstGeom prst="roundRect">
+            <a:avLst>
+              <a:gd name="adj" fmla="val 50000"/>
+            </a:avLst>
+          </a:prstGeom>
+          <a:solidFill>
+            <a:srgbClr val="FFFF00"/>
+          </a:solidFill>
+          <a:ln>
+            <a:solidFill>
+              <a:srgbClr val="7030A0"/>
+            </a:solidFill>
+          </a:ln>
+        </p:spPr>
+        <p:style>
+          <a:lnRef idx="2">
+            <a:schemeClr val="accent4">
+              <a:shade val="15000"/>
+            </a:schemeClr>
+          </a:lnRef>
+          <a:fillRef idx="1">
+            <a:schemeClr val="accent4"/>
+          </a:fillRef>
+          <a:effectRef idx="0">
+            <a:schemeClr val="accent4"/>
+          </a:effectRef>
+          <a:fontRef idx="minor">
+            <a:schemeClr val="lt1"/>
+          </a:fontRef>
+        </p:style>
+        <p:txBody>
+          <a:bodyPr rtlCol="0" anchor="ctr"/>
+          <a:lstStyle/>
+          <a:p>
+            <a:pPr algn="ctr"/>
+            <a:r>
+              <a:rPr lang="en-US" sz="1600" dirty="0">
+                <a:solidFill>
+                  <a:srgbClr val="7030A0"/>
+                </a:solidFill>
+              </a:rPr>
+              <a:t>V324</a:t>
+            </a:r>
+          </a:p>
+        </p:txBody>
+      </p:sp>
+      <p:sp>
+        <p:nvSpPr>
+          <p:cNvPr id="56" name="Rectangle: Rounded Corners 55">
+            <a:extLst>
+              <a:ext uri="{FF2B5EF4-FFF2-40B4-BE49-F238E27FC236}">
+                <a16:creationId xmlns:a16="http://schemas.microsoft.com/office/drawing/2014/main" id="{4D1C6212-E02C-B1B2-984A-D27D15FD6243}"/>
+              </a:ext>
+            </a:extLst>
+          </p:cNvPr>
+          <p:cNvSpPr/>
+          <p:nvPr/>
+        </p:nvSpPr>
+        <p:spPr>
+          <a:xfrm>
+            <a:off x="16999615" y="1893677"/>
+            <a:ext cx="747317" cy="242595"/>
+          </a:xfrm>
+          <a:prstGeom prst="roundRect">
+            <a:avLst>
+              <a:gd name="adj" fmla="val 50000"/>
+            </a:avLst>
+          </a:prstGeom>
+          <a:solidFill>
+            <a:schemeClr val="accent6"/>
+          </a:solidFill>
+          <a:ln>
+            <a:solidFill>
+              <a:schemeClr val="tx1"/>
+            </a:solidFill>
+          </a:ln>
+        </p:spPr>
+        <p:style>
+          <a:lnRef idx="2">
+            <a:schemeClr val="accent4">
+              <a:shade val="15000"/>
+            </a:schemeClr>
+          </a:lnRef>
+          <a:fillRef idx="1">
+            <a:schemeClr val="accent4"/>
+          </a:fillRef>
+          <a:effectRef idx="0">
+            <a:schemeClr val="accent4"/>
+          </a:effectRef>
+          <a:fontRef idx="minor">
+            <a:schemeClr val="lt1"/>
+          </a:fontRef>
+        </p:style>
+        <p:txBody>
+          <a:bodyPr rtlCol="0" anchor="ctr"/>
+          <a:lstStyle/>
+          <a:p>
+            <a:pPr algn="ctr"/>
+            <a:r>
+              <a:rPr lang="en-US" sz="1600" dirty="0">
+                <a:solidFill>
+                  <a:schemeClr val="tx1"/>
+                </a:solidFill>
+              </a:rPr>
+              <a:t>Y7</a:t>
+            </a:r>
+          </a:p>
+        </p:txBody>
+      </p:sp>
+      <p:sp>
+        <p:nvSpPr>
+          <p:cNvPr id="58" name="Rectangle: Rounded Corners 57">
+            <a:extLst>
+              <a:ext uri="{FF2B5EF4-FFF2-40B4-BE49-F238E27FC236}">
+                <a16:creationId xmlns:a16="http://schemas.microsoft.com/office/drawing/2014/main" id="{9C2C5665-769B-E9D2-9044-EB5A305CD5A4}"/>
+              </a:ext>
+            </a:extLst>
+          </p:cNvPr>
+          <p:cNvSpPr/>
+          <p:nvPr/>
+        </p:nvSpPr>
+        <p:spPr>
+          <a:xfrm>
+            <a:off x="19243599" y="3307702"/>
+            <a:ext cx="747317" cy="242595"/>
+          </a:xfrm>
+          <a:prstGeom prst="roundRect">
+            <a:avLst>
+              <a:gd name="adj" fmla="val 50000"/>
+            </a:avLst>
+          </a:prstGeom>
+          <a:solidFill>
+            <a:schemeClr val="accent6"/>
+          </a:solidFill>
+          <a:ln>
+            <a:solidFill>
+              <a:schemeClr val="tx1"/>
+            </a:solidFill>
+          </a:ln>
+        </p:spPr>
+        <p:style>
+          <a:lnRef idx="2">
+            <a:schemeClr val="accent4">
+              <a:shade val="15000"/>
+            </a:schemeClr>
+          </a:lnRef>
+          <a:fillRef idx="1">
+            <a:schemeClr val="accent4"/>
+          </a:fillRef>
+          <a:effectRef idx="0">
+            <a:schemeClr val="accent4"/>
+          </a:effectRef>
+          <a:fontRef idx="minor">
+            <a:schemeClr val="lt1"/>
+          </a:fontRef>
+        </p:style>
+        <p:txBody>
+          <a:bodyPr rtlCol="0" anchor="ctr"/>
+          <a:lstStyle/>
+          <a:p>
+            <a:pPr algn="ctr"/>
+            <a:r>
+              <a:rPr lang="en-US" sz="1600" dirty="0">
+                <a:solidFill>
+                  <a:schemeClr val="tx1"/>
+                </a:solidFill>
+              </a:rPr>
+              <a:t>A65</a:t>
+            </a:r>
+          </a:p>
+        </p:txBody>
+      </p:sp>
+      <p:sp>
+        <p:nvSpPr>
+          <p:cNvPr id="59" name="Rectangle: Rounded Corners 58">
+            <a:extLst>
+              <a:ext uri="{FF2B5EF4-FFF2-40B4-BE49-F238E27FC236}">
+                <a16:creationId xmlns:a16="http://schemas.microsoft.com/office/drawing/2014/main" id="{4EFCF649-E1CB-0E4D-E096-0CACD060E1E6}"/>
+              </a:ext>
+            </a:extLst>
+          </p:cNvPr>
+          <p:cNvSpPr/>
+          <p:nvPr/>
+        </p:nvSpPr>
+        <p:spPr>
+          <a:xfrm>
+            <a:off x="18003343" y="3672753"/>
+            <a:ext cx="747317" cy="242595"/>
+          </a:xfrm>
+          <a:prstGeom prst="roundRect">
+            <a:avLst>
+              <a:gd name="adj" fmla="val 50000"/>
+            </a:avLst>
+          </a:prstGeom>
+          <a:solidFill>
+            <a:schemeClr val="accent6"/>
+          </a:solidFill>
+          <a:ln>
+            <a:solidFill>
+              <a:schemeClr val="tx1"/>
+            </a:solidFill>
+          </a:ln>
+        </p:spPr>
+        <p:style>
+          <a:lnRef idx="2">
+            <a:schemeClr val="accent4">
+              <a:shade val="15000"/>
+            </a:schemeClr>
+          </a:lnRef>
+          <a:fillRef idx="1">
+            <a:schemeClr val="accent4"/>
+          </a:fillRef>
+          <a:effectRef idx="0">
+            <a:schemeClr val="accent4"/>
+          </a:effectRef>
+          <a:fontRef idx="minor">
+            <a:schemeClr val="lt1"/>
+          </a:fontRef>
+        </p:style>
+        <p:txBody>
+          <a:bodyPr rtlCol="0" anchor="ctr"/>
+          <a:lstStyle/>
+          <a:p>
+            <a:pPr algn="ctr"/>
+            <a:r>
+              <a:rPr lang="en-US" sz="1600" dirty="0">
+                <a:solidFill>
+                  <a:schemeClr val="tx1"/>
+                </a:solidFill>
+              </a:rPr>
+              <a:t>Y61</a:t>
+            </a:r>
+          </a:p>
+        </p:txBody>
+      </p:sp>
+      <p:cxnSp>
+        <p:nvCxnSpPr>
+          <p:cNvPr id="60" name="Connector: Curved 59">
+            <a:extLst>
+              <a:ext uri="{FF2B5EF4-FFF2-40B4-BE49-F238E27FC236}">
+                <a16:creationId xmlns:a16="http://schemas.microsoft.com/office/drawing/2014/main" id="{69059C3F-AAF9-B6BA-9BD8-9875AC7218DB}"/>
+              </a:ext>
+            </a:extLst>
+          </p:cNvPr>
+          <p:cNvCxnSpPr>
+            <a:cxnSpLocks/>
+            <a:stCxn id="53" idx="2"/>
+            <a:endCxn id="56" idx="0"/>
+          </p:cNvCxnSpPr>
+          <p:nvPr/>
+        </p:nvCxnSpPr>
+        <p:spPr>
+          <a:xfrm rot="16200000" flipH="1">
+            <a:off x="17193344" y="1713747"/>
+            <a:ext cx="293678" cy="66182"/>
+          </a:xfrm>
+          <a:prstGeom prst="curvedConnector3">
+            <a:avLst>
+              <a:gd name="adj1" fmla="val 50000"/>
+            </a:avLst>
+          </a:prstGeom>
+          <a:ln w="28575">
+            <a:solidFill>
+              <a:srgbClr val="FF0000"/>
+            </a:solidFill>
+            <a:prstDash val="dash"/>
+          </a:ln>
+        </p:spPr>
+        <p:style>
+          <a:lnRef idx="1">
+            <a:schemeClr val="accent1"/>
+          </a:lnRef>
+          <a:fillRef idx="0">
+            <a:schemeClr val="accent1"/>
+          </a:fillRef>
+          <a:effectRef idx="0">
+            <a:schemeClr val="accent1"/>
+          </a:effectRef>
+          <a:fontRef idx="minor">
+            <a:schemeClr val="tx1"/>
+          </a:fontRef>
+        </p:style>
+      </p:cxnSp>
+      <p:cxnSp>
+        <p:nvCxnSpPr>
+          <p:cNvPr id="62" name="Connector: Curved 61">
+            <a:extLst>
+              <a:ext uri="{FF2B5EF4-FFF2-40B4-BE49-F238E27FC236}">
+                <a16:creationId xmlns:a16="http://schemas.microsoft.com/office/drawing/2014/main" id="{BF28FE86-3FD3-C380-860E-39C9868684BC}"/>
+              </a:ext>
+            </a:extLst>
+          </p:cNvPr>
+          <p:cNvCxnSpPr>
+            <a:cxnSpLocks/>
+            <a:stCxn id="54" idx="3"/>
+            <a:endCxn id="58" idx="0"/>
+          </p:cNvCxnSpPr>
+          <p:nvPr/>
+        </p:nvCxnSpPr>
+        <p:spPr>
+          <a:xfrm>
+            <a:off x="19405764" y="2293576"/>
+            <a:ext cx="211494" cy="1014126"/>
+          </a:xfrm>
+          <a:prstGeom prst="curvedConnector2">
+            <a:avLst/>
+          </a:prstGeom>
+          <a:ln w="28575">
+            <a:solidFill>
+              <a:srgbClr val="FF0000"/>
+            </a:solidFill>
+            <a:prstDash val="dash"/>
+          </a:ln>
+        </p:spPr>
+        <p:style>
+          <a:lnRef idx="1">
+            <a:schemeClr val="accent1"/>
+          </a:lnRef>
+          <a:fillRef idx="0">
+            <a:schemeClr val="accent1"/>
+          </a:fillRef>
+          <a:effectRef idx="0">
+            <a:schemeClr val="accent1"/>
+          </a:effectRef>
+          <a:fontRef idx="minor">
+            <a:schemeClr val="tx1"/>
+          </a:fontRef>
+        </p:style>
+      </p:cxnSp>
+      <p:cxnSp>
+        <p:nvCxnSpPr>
+          <p:cNvPr id="63" name="Connector: Curved 62">
+            <a:extLst>
+              <a:ext uri="{FF2B5EF4-FFF2-40B4-BE49-F238E27FC236}">
+                <a16:creationId xmlns:a16="http://schemas.microsoft.com/office/drawing/2014/main" id="{D7A5528E-DDA8-4203-4735-6AF21924F0BD}"/>
+              </a:ext>
+            </a:extLst>
+          </p:cNvPr>
+          <p:cNvCxnSpPr>
+            <a:cxnSpLocks/>
+            <a:stCxn id="55" idx="2"/>
+            <a:endCxn id="59" idx="1"/>
+          </p:cNvCxnSpPr>
+          <p:nvPr/>
+        </p:nvCxnSpPr>
+        <p:spPr>
+          <a:xfrm rot="5400000">
+            <a:off x="17363504" y="2872767"/>
+            <a:ext cx="1561124" cy="281445"/>
+          </a:xfrm>
+          <a:prstGeom prst="curvedConnector4">
+            <a:avLst>
+              <a:gd name="adj1" fmla="val 46115"/>
+              <a:gd name="adj2" fmla="val 181224"/>
+            </a:avLst>
+          </a:prstGeom>
+          <a:ln w="28575">
+            <a:solidFill>
+              <a:srgbClr val="FF0000"/>
+            </a:solidFill>
+            <a:prstDash val="dash"/>
+          </a:ln>
+        </p:spPr>
+        <p:style>
+          <a:lnRef idx="1">
+            <a:schemeClr val="accent1"/>
+          </a:lnRef>
+          <a:fillRef idx="0">
+            <a:schemeClr val="accent1"/>
+          </a:fillRef>
+          <a:effectRef idx="0">
+            <a:schemeClr val="accent1"/>
+          </a:effectRef>
+          <a:fontRef idx="minor">
+            <a:schemeClr val="tx1"/>
+          </a:fontRef>
+        </p:style>
+      </p:cxnSp>
+      <p:sp>
+        <p:nvSpPr>
+          <p:cNvPr id="64" name="TextBox 63">
+            <a:extLst>
+              <a:ext uri="{FF2B5EF4-FFF2-40B4-BE49-F238E27FC236}">
+                <a16:creationId xmlns:a16="http://schemas.microsoft.com/office/drawing/2014/main" id="{F7509C0D-FA32-2274-E1FE-44F99E3479B6}"/>
+              </a:ext>
+            </a:extLst>
+          </p:cNvPr>
+          <p:cNvSpPr txBox="1"/>
+          <p:nvPr/>
+        </p:nvSpPr>
+        <p:spPr>
+          <a:xfrm>
+            <a:off x="14277854" y="6365912"/>
+            <a:ext cx="4613186" cy="646331"/>
+          </a:xfrm>
+          <a:prstGeom prst="rect">
+            <a:avLst/>
+          </a:prstGeom>
+          <a:noFill/>
+        </p:spPr>
+        <p:txBody>
+          <a:bodyPr wrap="none" rtlCol="0">
+            <a:spAutoFit/>
+          </a:bodyPr>
+          <a:lstStyle/>
+          <a:p>
+            <a:pPr algn="ctr"/>
+            <a:r>
+              <a:rPr lang="en-US" b="1" dirty="0">
+                <a:solidFill>
+                  <a:srgbClr val="7030A0"/>
+                </a:solidFill>
+              </a:rPr>
+              <a:t>AlphaFold2 Multimer-predicted interface</a:t>
+            </a:r>
+          </a:p>
+          <a:p>
+            <a:pPr algn="ctr"/>
+            <a:r>
+              <a:rPr lang="en-US" b="1" dirty="0">
+                <a:solidFill>
+                  <a:srgbClr val="7030A0"/>
+                </a:solidFill>
+              </a:rPr>
+              <a:t>(Best AlphaFold2 Confidence)</a:t>
             </a:r>
           </a:p>
         </p:txBody>

--- a/haddock/figures/Figures_horiz.pptx
+++ b/haddock/figures/Figures_horiz.pptx
@@ -9,6 +9,7 @@
     <p:sldId id="257" r:id="rId3"/>
     <p:sldId id="259" r:id="rId4"/>
     <p:sldId id="258" r:id="rId5"/>
+    <p:sldId id="260" r:id="rId6"/>
   </p:sldIdLst>
   <p:sldSz cx="12192000" cy="6858000"/>
   <p:notesSz cx="6858000" cy="9144000"/>
@@ -246,7 +247,7 @@
           <a:p>
             <a:fld id="{80E57041-87B6-43BA-9C6F-F6D6CF9D7954}" type="datetimeFigureOut">
               <a:rPr lang="en-US" smtClean="0"/>
-              <a:t>4/17/2024</a:t>
+              <a:t>4/18/2024</a:t>
             </a:fld>
             <a:endParaRPr lang="en-US"/>
           </a:p>
@@ -416,7 +417,7 @@
           <a:p>
             <a:fld id="{80E57041-87B6-43BA-9C6F-F6D6CF9D7954}" type="datetimeFigureOut">
               <a:rPr lang="en-US" smtClean="0"/>
-              <a:t>4/17/2024</a:t>
+              <a:t>4/18/2024</a:t>
             </a:fld>
             <a:endParaRPr lang="en-US"/>
           </a:p>
@@ -596,7 +597,7 @@
           <a:p>
             <a:fld id="{80E57041-87B6-43BA-9C6F-F6D6CF9D7954}" type="datetimeFigureOut">
               <a:rPr lang="en-US" smtClean="0"/>
-              <a:t>4/17/2024</a:t>
+              <a:t>4/18/2024</a:t>
             </a:fld>
             <a:endParaRPr lang="en-US"/>
           </a:p>
@@ -766,7 +767,7 @@
           <a:p>
             <a:fld id="{80E57041-87B6-43BA-9C6F-F6D6CF9D7954}" type="datetimeFigureOut">
               <a:rPr lang="en-US" smtClean="0"/>
-              <a:t>4/17/2024</a:t>
+              <a:t>4/18/2024</a:t>
             </a:fld>
             <a:endParaRPr lang="en-US"/>
           </a:p>
@@ -1012,7 +1013,7 @@
           <a:p>
             <a:fld id="{80E57041-87B6-43BA-9C6F-F6D6CF9D7954}" type="datetimeFigureOut">
               <a:rPr lang="en-US" smtClean="0"/>
-              <a:t>4/17/2024</a:t>
+              <a:t>4/18/2024</a:t>
             </a:fld>
             <a:endParaRPr lang="en-US"/>
           </a:p>
@@ -1244,7 +1245,7 @@
           <a:p>
             <a:fld id="{80E57041-87B6-43BA-9C6F-F6D6CF9D7954}" type="datetimeFigureOut">
               <a:rPr lang="en-US" smtClean="0"/>
-              <a:t>4/17/2024</a:t>
+              <a:t>4/18/2024</a:t>
             </a:fld>
             <a:endParaRPr lang="en-US"/>
           </a:p>
@@ -1611,7 +1612,7 @@
           <a:p>
             <a:fld id="{80E57041-87B6-43BA-9C6F-F6D6CF9D7954}" type="datetimeFigureOut">
               <a:rPr lang="en-US" smtClean="0"/>
-              <a:t>4/17/2024</a:t>
+              <a:t>4/18/2024</a:t>
             </a:fld>
             <a:endParaRPr lang="en-US"/>
           </a:p>
@@ -1729,7 +1730,7 @@
           <a:p>
             <a:fld id="{80E57041-87B6-43BA-9C6F-F6D6CF9D7954}" type="datetimeFigureOut">
               <a:rPr lang="en-US" smtClean="0"/>
-              <a:t>4/17/2024</a:t>
+              <a:t>4/18/2024</a:t>
             </a:fld>
             <a:endParaRPr lang="en-US"/>
           </a:p>
@@ -1824,7 +1825,7 @@
           <a:p>
             <a:fld id="{80E57041-87B6-43BA-9C6F-F6D6CF9D7954}" type="datetimeFigureOut">
               <a:rPr lang="en-US" smtClean="0"/>
-              <a:t>4/17/2024</a:t>
+              <a:t>4/18/2024</a:t>
             </a:fld>
             <a:endParaRPr lang="en-US"/>
           </a:p>
@@ -2101,7 +2102,7 @@
           <a:p>
             <a:fld id="{80E57041-87B6-43BA-9C6F-F6D6CF9D7954}" type="datetimeFigureOut">
               <a:rPr lang="en-US" smtClean="0"/>
-              <a:t>4/17/2024</a:t>
+              <a:t>4/18/2024</a:t>
             </a:fld>
             <a:endParaRPr lang="en-US"/>
           </a:p>
@@ -2358,7 +2359,7 @@
           <a:p>
             <a:fld id="{80E57041-87B6-43BA-9C6F-F6D6CF9D7954}" type="datetimeFigureOut">
               <a:rPr lang="en-US" smtClean="0"/>
-              <a:t>4/17/2024</a:t>
+              <a:t>4/18/2024</a:t>
             </a:fld>
             <a:endParaRPr lang="en-US"/>
           </a:p>
@@ -2571,7 +2572,7 @@
           <a:p>
             <a:fld id="{80E57041-87B6-43BA-9C6F-F6D6CF9D7954}" type="datetimeFigureOut">
               <a:rPr lang="en-US" smtClean="0"/>
-              <a:t>4/17/2024</a:t>
+              <a:t>4/18/2024</a:t>
             </a:fld>
             <a:endParaRPr lang="en-US"/>
           </a:p>
@@ -10018,6 +10019,3590 @@
 </p:sld>
 </file>
 
+<file path=ppt/slides/slide5.xml><?xml version="1.0" encoding="utf-8"?>
+<p:sld xmlns:a="http://schemas.openxmlformats.org/drawingml/2006/main" xmlns:r="http://schemas.openxmlformats.org/officeDocument/2006/relationships" xmlns:p="http://schemas.openxmlformats.org/presentationml/2006/main">
+  <p:cSld>
+    <p:spTree>
+      <p:nvGrpSpPr>
+        <p:cNvPr id="1" name="">
+          <a:extLst>
+            <a:ext uri="{FF2B5EF4-FFF2-40B4-BE49-F238E27FC236}">
+              <a16:creationId xmlns:a16="http://schemas.microsoft.com/office/drawing/2014/main" id="{F23FBE8F-9A63-455B-8388-07434C9FFC17}"/>
+            </a:ext>
+          </a:extLst>
+        </p:cNvPr>
+        <p:cNvGrpSpPr/>
+        <p:nvPr/>
+      </p:nvGrpSpPr>
+      <p:grpSpPr>
+        <a:xfrm>
+          <a:off x="0" y="0"/>
+          <a:ext cx="0" cy="0"/>
+          <a:chOff x="0" y="0"/>
+          <a:chExt cx="0" cy="0"/>
+        </a:xfrm>
+      </p:grpSpPr>
+      <p:pic>
+        <p:nvPicPr>
+          <p:cNvPr id="79" name="Picture 78" descr="A close-up of a purple and white structure&#10;&#10;Description automatically generated">
+            <a:extLst>
+              <a:ext uri="{FF2B5EF4-FFF2-40B4-BE49-F238E27FC236}">
+                <a16:creationId xmlns:a16="http://schemas.microsoft.com/office/drawing/2014/main" id="{47E99E71-B830-6D26-3542-E4A89CED2965}"/>
+              </a:ext>
+            </a:extLst>
+          </p:cNvPr>
+          <p:cNvPicPr>
+            <a:picLocks noChangeAspect="1"/>
+          </p:cNvPicPr>
+          <p:nvPr/>
+        </p:nvPicPr>
+        <p:blipFill>
+          <a:blip r:embed="rId2">
+            <a:extLst>
+              <a:ext uri="{28A0092B-C50C-407E-A947-70E740481C1C}">
+                <a14:useLocalDpi xmlns:a14="http://schemas.microsoft.com/office/drawing/2010/main" val="0"/>
+              </a:ext>
+            </a:extLst>
+          </a:blip>
+          <a:stretch>
+            <a:fillRect/>
+          </a:stretch>
+        </p:blipFill>
+        <p:spPr>
+          <a:xfrm>
+            <a:off x="7014767" y="0"/>
+            <a:ext cx="13651707" cy="6534150"/>
+          </a:xfrm>
+          <a:prstGeom prst="rect">
+            <a:avLst/>
+          </a:prstGeom>
+        </p:spPr>
+      </p:pic>
+      <p:pic>
+        <p:nvPicPr>
+          <p:cNvPr id="3" name="Picture 2" descr="A close-up of a structure&#10;&#10;Description automatically generated">
+            <a:extLst>
+              <a:ext uri="{FF2B5EF4-FFF2-40B4-BE49-F238E27FC236}">
+                <a16:creationId xmlns:a16="http://schemas.microsoft.com/office/drawing/2014/main" id="{FF8B38AC-FCB8-8B53-F420-7D8425A7D08A}"/>
+              </a:ext>
+            </a:extLst>
+          </p:cNvPr>
+          <p:cNvPicPr>
+            <a:picLocks noChangeAspect="1"/>
+          </p:cNvPicPr>
+          <p:nvPr/>
+        </p:nvPicPr>
+        <p:blipFill>
+          <a:blip r:embed="rId3">
+            <a:extLst>
+              <a:ext uri="{28A0092B-C50C-407E-A947-70E740481C1C}">
+                <a14:useLocalDpi xmlns:a14="http://schemas.microsoft.com/office/drawing/2010/main" val="0"/>
+              </a:ext>
+            </a:extLst>
+          </a:blip>
+          <a:stretch>
+            <a:fillRect/>
+          </a:stretch>
+        </p:blipFill>
+        <p:spPr>
+          <a:xfrm>
+            <a:off x="-8681992" y="1261"/>
+            <a:ext cx="11096670" cy="6858000"/>
+          </a:xfrm>
+          <a:prstGeom prst="rect">
+            <a:avLst/>
+          </a:prstGeom>
+        </p:spPr>
+      </p:pic>
+      <p:sp>
+        <p:nvSpPr>
+          <p:cNvPr id="11" name="Rectangle: Rounded Corners 10">
+            <a:extLst>
+              <a:ext uri="{FF2B5EF4-FFF2-40B4-BE49-F238E27FC236}">
+                <a16:creationId xmlns:a16="http://schemas.microsoft.com/office/drawing/2014/main" id="{5C7250CE-4B95-B1C3-4FF2-73E4B6946800}"/>
+              </a:ext>
+            </a:extLst>
+          </p:cNvPr>
+          <p:cNvSpPr/>
+          <p:nvPr/>
+        </p:nvSpPr>
+        <p:spPr>
+          <a:xfrm>
+            <a:off x="905927" y="2035787"/>
+            <a:ext cx="747317" cy="242595"/>
+          </a:xfrm>
+          <a:prstGeom prst="roundRect">
+            <a:avLst>
+              <a:gd name="adj" fmla="val 50000"/>
+            </a:avLst>
+          </a:prstGeom>
+          <a:solidFill>
+            <a:srgbClr val="FFFF00"/>
+          </a:solidFill>
+          <a:ln>
+            <a:solidFill>
+              <a:schemeClr val="accent4"/>
+            </a:solidFill>
+          </a:ln>
+        </p:spPr>
+        <p:style>
+          <a:lnRef idx="2">
+            <a:schemeClr val="accent4">
+              <a:shade val="15000"/>
+            </a:schemeClr>
+          </a:lnRef>
+          <a:fillRef idx="1">
+            <a:schemeClr val="accent4"/>
+          </a:fillRef>
+          <a:effectRef idx="0">
+            <a:schemeClr val="accent4"/>
+          </a:effectRef>
+          <a:fontRef idx="minor">
+            <a:schemeClr val="lt1"/>
+          </a:fontRef>
+        </p:style>
+        <p:txBody>
+          <a:bodyPr rtlCol="0" anchor="ctr"/>
+          <a:lstStyle/>
+          <a:p>
+            <a:pPr algn="ctr"/>
+            <a:r>
+              <a:rPr lang="en-US" sz="1600" dirty="0">
+                <a:solidFill>
+                  <a:schemeClr val="accent4"/>
+                </a:solidFill>
+              </a:rPr>
+              <a:t>D399</a:t>
+            </a:r>
+          </a:p>
+        </p:txBody>
+      </p:sp>
+      <p:sp>
+        <p:nvSpPr>
+          <p:cNvPr id="12" name="Rectangle: Rounded Corners 11">
+            <a:extLst>
+              <a:ext uri="{FF2B5EF4-FFF2-40B4-BE49-F238E27FC236}">
+                <a16:creationId xmlns:a16="http://schemas.microsoft.com/office/drawing/2014/main" id="{6D8585D4-D7C1-21E3-2627-6294B774430F}"/>
+              </a:ext>
+            </a:extLst>
+          </p:cNvPr>
+          <p:cNvSpPr/>
+          <p:nvPr/>
+        </p:nvSpPr>
+        <p:spPr>
+          <a:xfrm>
+            <a:off x="856163" y="368184"/>
+            <a:ext cx="747317" cy="242595"/>
+          </a:xfrm>
+          <a:prstGeom prst="roundRect">
+            <a:avLst>
+              <a:gd name="adj" fmla="val 50000"/>
+            </a:avLst>
+          </a:prstGeom>
+          <a:solidFill>
+            <a:srgbClr val="FFFF00"/>
+          </a:solidFill>
+          <a:ln>
+            <a:solidFill>
+              <a:schemeClr val="accent4"/>
+            </a:solidFill>
+          </a:ln>
+        </p:spPr>
+        <p:style>
+          <a:lnRef idx="2">
+            <a:schemeClr val="accent4">
+              <a:shade val="15000"/>
+            </a:schemeClr>
+          </a:lnRef>
+          <a:fillRef idx="1">
+            <a:schemeClr val="accent4"/>
+          </a:fillRef>
+          <a:effectRef idx="0">
+            <a:schemeClr val="accent4"/>
+          </a:effectRef>
+          <a:fontRef idx="minor">
+            <a:schemeClr val="lt1"/>
+          </a:fontRef>
+        </p:style>
+        <p:txBody>
+          <a:bodyPr rtlCol="0" anchor="ctr"/>
+          <a:lstStyle/>
+          <a:p>
+            <a:pPr algn="ctr"/>
+            <a:r>
+              <a:rPr lang="en-US" sz="1600" dirty="0">
+                <a:solidFill>
+                  <a:schemeClr val="accent4"/>
+                </a:solidFill>
+              </a:rPr>
+              <a:t>L395</a:t>
+            </a:r>
+          </a:p>
+        </p:txBody>
+      </p:sp>
+      <p:sp>
+        <p:nvSpPr>
+          <p:cNvPr id="13" name="Rectangle: Rounded Corners 12">
+            <a:extLst>
+              <a:ext uri="{FF2B5EF4-FFF2-40B4-BE49-F238E27FC236}">
+                <a16:creationId xmlns:a16="http://schemas.microsoft.com/office/drawing/2014/main" id="{01B07B8A-FE49-DA0B-2015-602A9F3ECF5F}"/>
+              </a:ext>
+            </a:extLst>
+          </p:cNvPr>
+          <p:cNvSpPr/>
+          <p:nvPr/>
+        </p:nvSpPr>
+        <p:spPr>
+          <a:xfrm>
+            <a:off x="-1122040" y="4215151"/>
+            <a:ext cx="747317" cy="242595"/>
+          </a:xfrm>
+          <a:prstGeom prst="roundRect">
+            <a:avLst>
+              <a:gd name="adj" fmla="val 50000"/>
+            </a:avLst>
+          </a:prstGeom>
+          <a:solidFill>
+            <a:srgbClr val="FFFF00"/>
+          </a:solidFill>
+          <a:ln>
+            <a:solidFill>
+              <a:schemeClr val="accent4"/>
+            </a:solidFill>
+          </a:ln>
+        </p:spPr>
+        <p:style>
+          <a:lnRef idx="2">
+            <a:schemeClr val="accent4">
+              <a:shade val="15000"/>
+            </a:schemeClr>
+          </a:lnRef>
+          <a:fillRef idx="1">
+            <a:schemeClr val="accent4"/>
+          </a:fillRef>
+          <a:effectRef idx="0">
+            <a:schemeClr val="accent4"/>
+          </a:effectRef>
+          <a:fontRef idx="minor">
+            <a:schemeClr val="lt1"/>
+          </a:fontRef>
+        </p:style>
+        <p:txBody>
+          <a:bodyPr rtlCol="0" anchor="ctr"/>
+          <a:lstStyle/>
+          <a:p>
+            <a:pPr algn="ctr"/>
+            <a:r>
+              <a:rPr lang="en-US" sz="1600" dirty="0">
+                <a:solidFill>
+                  <a:schemeClr val="accent4"/>
+                </a:solidFill>
+              </a:rPr>
+              <a:t>S410</a:t>
+            </a:r>
+          </a:p>
+        </p:txBody>
+      </p:sp>
+      <p:sp>
+        <p:nvSpPr>
+          <p:cNvPr id="14" name="Rectangle: Rounded Corners 13">
+            <a:extLst>
+              <a:ext uri="{FF2B5EF4-FFF2-40B4-BE49-F238E27FC236}">
+                <a16:creationId xmlns:a16="http://schemas.microsoft.com/office/drawing/2014/main" id="{85B783CD-8500-0D30-CE2F-C50F545C2416}"/>
+              </a:ext>
+            </a:extLst>
+          </p:cNvPr>
+          <p:cNvSpPr/>
+          <p:nvPr/>
+        </p:nvSpPr>
+        <p:spPr>
+          <a:xfrm>
+            <a:off x="-882128" y="5534316"/>
+            <a:ext cx="747317" cy="242595"/>
+          </a:xfrm>
+          <a:prstGeom prst="roundRect">
+            <a:avLst>
+              <a:gd name="adj" fmla="val 50000"/>
+            </a:avLst>
+          </a:prstGeom>
+          <a:solidFill>
+            <a:srgbClr val="FFFF00"/>
+          </a:solidFill>
+          <a:ln>
+            <a:solidFill>
+              <a:schemeClr val="accent4"/>
+            </a:solidFill>
+          </a:ln>
+        </p:spPr>
+        <p:style>
+          <a:lnRef idx="2">
+            <a:schemeClr val="accent4">
+              <a:shade val="15000"/>
+            </a:schemeClr>
+          </a:lnRef>
+          <a:fillRef idx="1">
+            <a:schemeClr val="accent4"/>
+          </a:fillRef>
+          <a:effectRef idx="0">
+            <a:schemeClr val="accent4"/>
+          </a:effectRef>
+          <a:fontRef idx="minor">
+            <a:schemeClr val="lt1"/>
+          </a:fontRef>
+        </p:style>
+        <p:txBody>
+          <a:bodyPr rtlCol="0" anchor="ctr"/>
+          <a:lstStyle/>
+          <a:p>
+            <a:pPr algn="ctr"/>
+            <a:r>
+              <a:rPr lang="en-US" sz="1600" dirty="0">
+                <a:solidFill>
+                  <a:schemeClr val="accent4"/>
+                </a:solidFill>
+              </a:rPr>
+              <a:t>S413</a:t>
+            </a:r>
+          </a:p>
+        </p:txBody>
+      </p:sp>
+      <p:sp>
+        <p:nvSpPr>
+          <p:cNvPr id="15" name="Rectangle: Rounded Corners 14">
+            <a:extLst>
+              <a:ext uri="{FF2B5EF4-FFF2-40B4-BE49-F238E27FC236}">
+                <a16:creationId xmlns:a16="http://schemas.microsoft.com/office/drawing/2014/main" id="{3B153AA2-5515-FA0C-2A44-1360C17B277A}"/>
+              </a:ext>
+            </a:extLst>
+          </p:cNvPr>
+          <p:cNvSpPr/>
+          <p:nvPr/>
+        </p:nvSpPr>
+        <p:spPr>
+          <a:xfrm>
+            <a:off x="586489" y="6047544"/>
+            <a:ext cx="747317" cy="242595"/>
+          </a:xfrm>
+          <a:prstGeom prst="roundRect">
+            <a:avLst>
+              <a:gd name="adj" fmla="val 50000"/>
+            </a:avLst>
+          </a:prstGeom>
+          <a:solidFill>
+            <a:srgbClr val="FFFF00"/>
+          </a:solidFill>
+          <a:ln>
+            <a:solidFill>
+              <a:schemeClr val="accent4"/>
+            </a:solidFill>
+          </a:ln>
+        </p:spPr>
+        <p:style>
+          <a:lnRef idx="2">
+            <a:schemeClr val="accent4">
+              <a:shade val="15000"/>
+            </a:schemeClr>
+          </a:lnRef>
+          <a:fillRef idx="1">
+            <a:schemeClr val="accent4"/>
+          </a:fillRef>
+          <a:effectRef idx="0">
+            <a:schemeClr val="accent4"/>
+          </a:effectRef>
+          <a:fontRef idx="minor">
+            <a:schemeClr val="lt1"/>
+          </a:fontRef>
+        </p:style>
+        <p:txBody>
+          <a:bodyPr rtlCol="0" anchor="ctr"/>
+          <a:lstStyle/>
+          <a:p>
+            <a:pPr algn="ctr"/>
+            <a:r>
+              <a:rPr lang="en-US" sz="1600" dirty="0">
+                <a:solidFill>
+                  <a:schemeClr val="accent4"/>
+                </a:solidFill>
+              </a:rPr>
+              <a:t>S416</a:t>
+            </a:r>
+          </a:p>
+        </p:txBody>
+      </p:sp>
+      <p:sp>
+        <p:nvSpPr>
+          <p:cNvPr id="16" name="Rectangle: Rounded Corners 15">
+            <a:extLst>
+              <a:ext uri="{FF2B5EF4-FFF2-40B4-BE49-F238E27FC236}">
+                <a16:creationId xmlns:a16="http://schemas.microsoft.com/office/drawing/2014/main" id="{2F8891FC-48EF-1DE7-34C6-9AA560967636}"/>
+              </a:ext>
+            </a:extLst>
+          </p:cNvPr>
+          <p:cNvSpPr/>
+          <p:nvPr/>
+        </p:nvSpPr>
+        <p:spPr>
+          <a:xfrm>
+            <a:off x="-3395783" y="970314"/>
+            <a:ext cx="747318" cy="242595"/>
+          </a:xfrm>
+          <a:prstGeom prst="roundRect">
+            <a:avLst>
+              <a:gd name="adj" fmla="val 50000"/>
+            </a:avLst>
+          </a:prstGeom>
+          <a:solidFill>
+            <a:srgbClr val="FFFF00"/>
+          </a:solidFill>
+          <a:ln>
+            <a:solidFill>
+              <a:schemeClr val="accent4"/>
+            </a:solidFill>
+          </a:ln>
+        </p:spPr>
+        <p:style>
+          <a:lnRef idx="2">
+            <a:schemeClr val="accent4">
+              <a:shade val="15000"/>
+            </a:schemeClr>
+          </a:lnRef>
+          <a:fillRef idx="1">
+            <a:schemeClr val="accent4"/>
+          </a:fillRef>
+          <a:effectRef idx="0">
+            <a:schemeClr val="accent4"/>
+          </a:effectRef>
+          <a:fontRef idx="minor">
+            <a:schemeClr val="lt1"/>
+          </a:fontRef>
+        </p:style>
+        <p:txBody>
+          <a:bodyPr lIns="0" tIns="0" rIns="0" bIns="0" rtlCol="0" anchor="ctr"/>
+          <a:lstStyle/>
+          <a:p>
+            <a:pPr algn="ctr"/>
+            <a:r>
+              <a:rPr lang="en-US" sz="1600" dirty="0">
+                <a:solidFill>
+                  <a:schemeClr val="accent4"/>
+                </a:solidFill>
+              </a:rPr>
+              <a:t>G335</a:t>
+            </a:r>
+          </a:p>
+        </p:txBody>
+      </p:sp>
+      <p:sp>
+        <p:nvSpPr>
+          <p:cNvPr id="17" name="Rectangle: Rounded Corners 16">
+            <a:extLst>
+              <a:ext uri="{FF2B5EF4-FFF2-40B4-BE49-F238E27FC236}">
+                <a16:creationId xmlns:a16="http://schemas.microsoft.com/office/drawing/2014/main" id="{8B7589BE-C20E-7E04-7A00-972A089417DD}"/>
+              </a:ext>
+            </a:extLst>
+          </p:cNvPr>
+          <p:cNvSpPr/>
+          <p:nvPr/>
+        </p:nvSpPr>
+        <p:spPr>
+          <a:xfrm>
+            <a:off x="-6632621" y="2211743"/>
+            <a:ext cx="747317" cy="242595"/>
+          </a:xfrm>
+          <a:prstGeom prst="roundRect">
+            <a:avLst>
+              <a:gd name="adj" fmla="val 50000"/>
+            </a:avLst>
+          </a:prstGeom>
+          <a:solidFill>
+            <a:srgbClr val="FFFF00"/>
+          </a:solidFill>
+          <a:ln>
+            <a:solidFill>
+              <a:schemeClr val="accent4"/>
+            </a:solidFill>
+          </a:ln>
+        </p:spPr>
+        <p:style>
+          <a:lnRef idx="2">
+            <a:schemeClr val="accent4">
+              <a:shade val="15000"/>
+            </a:schemeClr>
+          </a:lnRef>
+          <a:fillRef idx="1">
+            <a:schemeClr val="accent4"/>
+          </a:fillRef>
+          <a:effectRef idx="0">
+            <a:schemeClr val="accent4"/>
+          </a:effectRef>
+          <a:fontRef idx="minor">
+            <a:schemeClr val="lt1"/>
+          </a:fontRef>
+        </p:style>
+        <p:txBody>
+          <a:bodyPr rtlCol="0" anchor="ctr"/>
+          <a:lstStyle/>
+          <a:p>
+            <a:pPr algn="ctr"/>
+            <a:r>
+              <a:rPr lang="en-US" sz="1600" dirty="0">
+                <a:solidFill>
+                  <a:schemeClr val="accent4"/>
+                </a:solidFill>
+              </a:rPr>
+              <a:t>N77</a:t>
+            </a:r>
+          </a:p>
+        </p:txBody>
+      </p:sp>
+      <p:sp>
+        <p:nvSpPr>
+          <p:cNvPr id="18" name="Rectangle: Rounded Corners 17">
+            <a:extLst>
+              <a:ext uri="{FF2B5EF4-FFF2-40B4-BE49-F238E27FC236}">
+                <a16:creationId xmlns:a16="http://schemas.microsoft.com/office/drawing/2014/main" id="{F2398CD9-7304-3753-BF2E-AF2A198F1C78}"/>
+              </a:ext>
+            </a:extLst>
+          </p:cNvPr>
+          <p:cNvSpPr/>
+          <p:nvPr/>
+        </p:nvSpPr>
+        <p:spPr>
+          <a:xfrm>
+            <a:off x="-3843640" y="1341760"/>
+            <a:ext cx="747317" cy="242595"/>
+          </a:xfrm>
+          <a:prstGeom prst="roundRect">
+            <a:avLst>
+              <a:gd name="adj" fmla="val 50000"/>
+            </a:avLst>
+          </a:prstGeom>
+          <a:solidFill>
+            <a:srgbClr val="FFFF00"/>
+          </a:solidFill>
+          <a:ln>
+            <a:solidFill>
+              <a:schemeClr val="accent4"/>
+            </a:solidFill>
+          </a:ln>
+        </p:spPr>
+        <p:style>
+          <a:lnRef idx="2">
+            <a:schemeClr val="accent4">
+              <a:shade val="15000"/>
+            </a:schemeClr>
+          </a:lnRef>
+          <a:fillRef idx="1">
+            <a:schemeClr val="accent4"/>
+          </a:fillRef>
+          <a:effectRef idx="0">
+            <a:schemeClr val="accent4"/>
+          </a:effectRef>
+          <a:fontRef idx="minor">
+            <a:schemeClr val="lt1"/>
+          </a:fontRef>
+        </p:style>
+        <p:txBody>
+          <a:bodyPr rtlCol="0" anchor="ctr"/>
+          <a:lstStyle/>
+          <a:p>
+            <a:pPr algn="ctr"/>
+            <a:r>
+              <a:rPr lang="en-US" sz="1600" dirty="0">
+                <a:solidFill>
+                  <a:schemeClr val="accent4"/>
+                </a:solidFill>
+              </a:rPr>
+              <a:t>S310</a:t>
+            </a:r>
+          </a:p>
+        </p:txBody>
+      </p:sp>
+      <p:sp>
+        <p:nvSpPr>
+          <p:cNvPr id="19" name="Rectangle: Rounded Corners 18">
+            <a:extLst>
+              <a:ext uri="{FF2B5EF4-FFF2-40B4-BE49-F238E27FC236}">
+                <a16:creationId xmlns:a16="http://schemas.microsoft.com/office/drawing/2014/main" id="{16B38534-2CA5-7612-5A51-E2863A38F0FF}"/>
+              </a:ext>
+            </a:extLst>
+          </p:cNvPr>
+          <p:cNvSpPr/>
+          <p:nvPr/>
+        </p:nvSpPr>
+        <p:spPr>
+          <a:xfrm>
+            <a:off x="-2352926" y="1757659"/>
+            <a:ext cx="747317" cy="242595"/>
+          </a:xfrm>
+          <a:prstGeom prst="roundRect">
+            <a:avLst>
+              <a:gd name="adj" fmla="val 50000"/>
+            </a:avLst>
+          </a:prstGeom>
+          <a:solidFill>
+            <a:srgbClr val="FFFF00"/>
+          </a:solidFill>
+          <a:ln>
+            <a:solidFill>
+              <a:schemeClr val="accent4"/>
+            </a:solidFill>
+          </a:ln>
+        </p:spPr>
+        <p:style>
+          <a:lnRef idx="2">
+            <a:schemeClr val="accent4">
+              <a:shade val="15000"/>
+            </a:schemeClr>
+          </a:lnRef>
+          <a:fillRef idx="1">
+            <a:schemeClr val="accent4"/>
+          </a:fillRef>
+          <a:effectRef idx="0">
+            <a:schemeClr val="accent4"/>
+          </a:effectRef>
+          <a:fontRef idx="minor">
+            <a:schemeClr val="lt1"/>
+          </a:fontRef>
+        </p:style>
+        <p:txBody>
+          <a:bodyPr rtlCol="0" anchor="ctr"/>
+          <a:lstStyle/>
+          <a:p>
+            <a:pPr algn="ctr"/>
+            <a:r>
+              <a:rPr lang="en-US" sz="1600" dirty="0">
+                <a:solidFill>
+                  <a:schemeClr val="accent4"/>
+                </a:solidFill>
+              </a:rPr>
+              <a:t>A336</a:t>
+            </a:r>
+          </a:p>
+        </p:txBody>
+      </p:sp>
+      <p:sp>
+        <p:nvSpPr>
+          <p:cNvPr id="20" name="Rectangle: Rounded Corners 19">
+            <a:extLst>
+              <a:ext uri="{FF2B5EF4-FFF2-40B4-BE49-F238E27FC236}">
+                <a16:creationId xmlns:a16="http://schemas.microsoft.com/office/drawing/2014/main" id="{51786B7A-82B7-7C9D-F4B6-85DECAE135AC}"/>
+              </a:ext>
+            </a:extLst>
+          </p:cNvPr>
+          <p:cNvSpPr/>
+          <p:nvPr/>
+        </p:nvSpPr>
+        <p:spPr>
+          <a:xfrm>
+            <a:off x="-6262816" y="1341760"/>
+            <a:ext cx="747317" cy="242595"/>
+          </a:xfrm>
+          <a:prstGeom prst="roundRect">
+            <a:avLst>
+              <a:gd name="adj" fmla="val 50000"/>
+            </a:avLst>
+          </a:prstGeom>
+          <a:solidFill>
+            <a:schemeClr val="accent6"/>
+          </a:solidFill>
+          <a:ln>
+            <a:solidFill>
+              <a:schemeClr val="tx1"/>
+            </a:solidFill>
+          </a:ln>
+        </p:spPr>
+        <p:style>
+          <a:lnRef idx="2">
+            <a:schemeClr val="accent4">
+              <a:shade val="15000"/>
+            </a:schemeClr>
+          </a:lnRef>
+          <a:fillRef idx="1">
+            <a:schemeClr val="accent4"/>
+          </a:fillRef>
+          <a:effectRef idx="0">
+            <a:schemeClr val="accent4"/>
+          </a:effectRef>
+          <a:fontRef idx="minor">
+            <a:schemeClr val="lt1"/>
+          </a:fontRef>
+        </p:style>
+        <p:txBody>
+          <a:bodyPr rtlCol="0" anchor="ctr"/>
+          <a:lstStyle/>
+          <a:p>
+            <a:pPr algn="ctr"/>
+            <a:r>
+              <a:rPr lang="en-US" sz="1600" dirty="0">
+                <a:solidFill>
+                  <a:schemeClr val="tx1"/>
+                </a:solidFill>
+              </a:rPr>
+              <a:t>K71</a:t>
+            </a:r>
+          </a:p>
+        </p:txBody>
+      </p:sp>
+      <p:sp>
+        <p:nvSpPr>
+          <p:cNvPr id="21" name="Rectangle: Rounded Corners 20">
+            <a:extLst>
+              <a:ext uri="{FF2B5EF4-FFF2-40B4-BE49-F238E27FC236}">
+                <a16:creationId xmlns:a16="http://schemas.microsoft.com/office/drawing/2014/main" id="{A86839A2-9DDB-52EA-D1D3-825DCFE235A4}"/>
+              </a:ext>
+            </a:extLst>
+          </p:cNvPr>
+          <p:cNvSpPr/>
+          <p:nvPr/>
+        </p:nvSpPr>
+        <p:spPr>
+          <a:xfrm>
+            <a:off x="-5639907" y="2682259"/>
+            <a:ext cx="747317" cy="242595"/>
+          </a:xfrm>
+          <a:prstGeom prst="roundRect">
+            <a:avLst>
+              <a:gd name="adj" fmla="val 50000"/>
+            </a:avLst>
+          </a:prstGeom>
+          <a:solidFill>
+            <a:schemeClr val="accent6"/>
+          </a:solidFill>
+          <a:ln>
+            <a:solidFill>
+              <a:schemeClr val="tx1"/>
+            </a:solidFill>
+          </a:ln>
+        </p:spPr>
+        <p:style>
+          <a:lnRef idx="2">
+            <a:schemeClr val="accent4">
+              <a:shade val="15000"/>
+            </a:schemeClr>
+          </a:lnRef>
+          <a:fillRef idx="1">
+            <a:schemeClr val="accent4"/>
+          </a:fillRef>
+          <a:effectRef idx="0">
+            <a:schemeClr val="accent4"/>
+          </a:effectRef>
+          <a:fontRef idx="minor">
+            <a:schemeClr val="lt1"/>
+          </a:fontRef>
+        </p:style>
+        <p:txBody>
+          <a:bodyPr rtlCol="0" anchor="ctr"/>
+          <a:lstStyle/>
+          <a:p>
+            <a:pPr algn="ctr"/>
+            <a:r>
+              <a:rPr lang="en-US" sz="1600" dirty="0">
+                <a:solidFill>
+                  <a:schemeClr val="tx1"/>
+                </a:solidFill>
+              </a:rPr>
+              <a:t>F70</a:t>
+            </a:r>
+          </a:p>
+        </p:txBody>
+      </p:sp>
+      <p:sp>
+        <p:nvSpPr>
+          <p:cNvPr id="22" name="Rectangle: Rounded Corners 21">
+            <a:extLst>
+              <a:ext uri="{FF2B5EF4-FFF2-40B4-BE49-F238E27FC236}">
+                <a16:creationId xmlns:a16="http://schemas.microsoft.com/office/drawing/2014/main" id="{53732E48-9044-5596-4DA3-58022DBC5B96}"/>
+              </a:ext>
+            </a:extLst>
+          </p:cNvPr>
+          <p:cNvSpPr/>
+          <p:nvPr/>
+        </p:nvSpPr>
+        <p:spPr>
+          <a:xfrm>
+            <a:off x="-3507316" y="2157085"/>
+            <a:ext cx="747317" cy="242595"/>
+          </a:xfrm>
+          <a:prstGeom prst="roundRect">
+            <a:avLst>
+              <a:gd name="adj" fmla="val 50000"/>
+            </a:avLst>
+          </a:prstGeom>
+          <a:solidFill>
+            <a:schemeClr val="accent6"/>
+          </a:solidFill>
+          <a:ln>
+            <a:solidFill>
+              <a:schemeClr val="tx1"/>
+            </a:solidFill>
+          </a:ln>
+        </p:spPr>
+        <p:style>
+          <a:lnRef idx="2">
+            <a:schemeClr val="accent4">
+              <a:shade val="15000"/>
+            </a:schemeClr>
+          </a:lnRef>
+          <a:fillRef idx="1">
+            <a:schemeClr val="accent4"/>
+          </a:fillRef>
+          <a:effectRef idx="0">
+            <a:schemeClr val="accent4"/>
+          </a:effectRef>
+          <a:fontRef idx="minor">
+            <a:schemeClr val="lt1"/>
+          </a:fontRef>
+        </p:style>
+        <p:txBody>
+          <a:bodyPr rtlCol="0" anchor="ctr"/>
+          <a:lstStyle/>
+          <a:p>
+            <a:pPr algn="ctr"/>
+            <a:r>
+              <a:rPr lang="en-US" sz="1600" dirty="0">
+                <a:solidFill>
+                  <a:schemeClr val="tx1"/>
+                </a:solidFill>
+              </a:rPr>
+              <a:t>K68</a:t>
+            </a:r>
+          </a:p>
+        </p:txBody>
+      </p:sp>
+      <p:sp>
+        <p:nvSpPr>
+          <p:cNvPr id="23" name="Rectangle: Rounded Corners 22">
+            <a:extLst>
+              <a:ext uri="{FF2B5EF4-FFF2-40B4-BE49-F238E27FC236}">
+                <a16:creationId xmlns:a16="http://schemas.microsoft.com/office/drawing/2014/main" id="{9AFB9916-75C6-1E08-64E1-CF8B3A5B0EC5}"/>
+              </a:ext>
+            </a:extLst>
+          </p:cNvPr>
+          <p:cNvSpPr/>
+          <p:nvPr/>
+        </p:nvSpPr>
+        <p:spPr>
+          <a:xfrm>
+            <a:off x="59084" y="879460"/>
+            <a:ext cx="747317" cy="242595"/>
+          </a:xfrm>
+          <a:prstGeom prst="roundRect">
+            <a:avLst>
+              <a:gd name="adj" fmla="val 50000"/>
+            </a:avLst>
+          </a:prstGeom>
+          <a:solidFill>
+            <a:schemeClr val="accent6"/>
+          </a:solidFill>
+          <a:ln>
+            <a:solidFill>
+              <a:schemeClr val="tx1"/>
+            </a:solidFill>
+          </a:ln>
+        </p:spPr>
+        <p:style>
+          <a:lnRef idx="2">
+            <a:schemeClr val="accent4">
+              <a:shade val="15000"/>
+            </a:schemeClr>
+          </a:lnRef>
+          <a:fillRef idx="1">
+            <a:schemeClr val="accent4"/>
+          </a:fillRef>
+          <a:effectRef idx="0">
+            <a:schemeClr val="accent4"/>
+          </a:effectRef>
+          <a:fontRef idx="minor">
+            <a:schemeClr val="lt1"/>
+          </a:fontRef>
+        </p:style>
+        <p:txBody>
+          <a:bodyPr rtlCol="0" anchor="ctr"/>
+          <a:lstStyle/>
+          <a:p>
+            <a:pPr algn="ctr"/>
+            <a:r>
+              <a:rPr lang="en-US" sz="1600" dirty="0">
+                <a:solidFill>
+                  <a:schemeClr val="tx1"/>
+                </a:solidFill>
+              </a:rPr>
+              <a:t>N46</a:t>
+            </a:r>
+          </a:p>
+        </p:txBody>
+      </p:sp>
+      <p:sp>
+        <p:nvSpPr>
+          <p:cNvPr id="24" name="Rectangle: Rounded Corners 23">
+            <a:extLst>
+              <a:ext uri="{FF2B5EF4-FFF2-40B4-BE49-F238E27FC236}">
+                <a16:creationId xmlns:a16="http://schemas.microsoft.com/office/drawing/2014/main" id="{B52CB33B-63A4-2215-0FEF-EEEC6870231D}"/>
+              </a:ext>
+            </a:extLst>
+          </p:cNvPr>
+          <p:cNvSpPr/>
+          <p:nvPr/>
+        </p:nvSpPr>
+        <p:spPr>
+          <a:xfrm>
+            <a:off x="-1495698" y="4813616"/>
+            <a:ext cx="747317" cy="242595"/>
+          </a:xfrm>
+          <a:prstGeom prst="roundRect">
+            <a:avLst>
+              <a:gd name="adj" fmla="val 50000"/>
+            </a:avLst>
+          </a:prstGeom>
+          <a:solidFill>
+            <a:schemeClr val="accent6"/>
+          </a:solidFill>
+          <a:ln>
+            <a:solidFill>
+              <a:schemeClr val="tx1"/>
+            </a:solidFill>
+          </a:ln>
+        </p:spPr>
+        <p:style>
+          <a:lnRef idx="2">
+            <a:schemeClr val="accent4">
+              <a:shade val="15000"/>
+            </a:schemeClr>
+          </a:lnRef>
+          <a:fillRef idx="1">
+            <a:schemeClr val="accent4"/>
+          </a:fillRef>
+          <a:effectRef idx="0">
+            <a:schemeClr val="accent4"/>
+          </a:effectRef>
+          <a:fontRef idx="minor">
+            <a:schemeClr val="lt1"/>
+          </a:fontRef>
+        </p:style>
+        <p:txBody>
+          <a:bodyPr rtlCol="0" anchor="ctr"/>
+          <a:lstStyle/>
+          <a:p>
+            <a:pPr algn="ctr"/>
+            <a:r>
+              <a:rPr lang="en-US" sz="1600" dirty="0">
+                <a:solidFill>
+                  <a:schemeClr val="tx1"/>
+                </a:solidFill>
+              </a:rPr>
+              <a:t>Y7</a:t>
+            </a:r>
+          </a:p>
+        </p:txBody>
+      </p:sp>
+      <p:sp>
+        <p:nvSpPr>
+          <p:cNvPr id="25" name="Rectangle: Rounded Corners 24">
+            <a:extLst>
+              <a:ext uri="{FF2B5EF4-FFF2-40B4-BE49-F238E27FC236}">
+                <a16:creationId xmlns:a16="http://schemas.microsoft.com/office/drawing/2014/main" id="{826E5010-ADC1-1C84-1361-8FBC3A96F7BE}"/>
+              </a:ext>
+            </a:extLst>
+          </p:cNvPr>
+          <p:cNvSpPr/>
+          <p:nvPr/>
+        </p:nvSpPr>
+        <p:spPr>
+          <a:xfrm>
+            <a:off x="627219" y="4652759"/>
+            <a:ext cx="747317" cy="242595"/>
+          </a:xfrm>
+          <a:prstGeom prst="roundRect">
+            <a:avLst>
+              <a:gd name="adj" fmla="val 50000"/>
+            </a:avLst>
+          </a:prstGeom>
+          <a:solidFill>
+            <a:schemeClr val="accent6"/>
+          </a:solidFill>
+          <a:ln>
+            <a:solidFill>
+              <a:schemeClr val="tx1"/>
+            </a:solidFill>
+          </a:ln>
+        </p:spPr>
+        <p:style>
+          <a:lnRef idx="2">
+            <a:schemeClr val="accent4">
+              <a:shade val="15000"/>
+            </a:schemeClr>
+          </a:lnRef>
+          <a:fillRef idx="1">
+            <a:schemeClr val="accent4"/>
+          </a:fillRef>
+          <a:effectRef idx="0">
+            <a:schemeClr val="accent4"/>
+          </a:effectRef>
+          <a:fontRef idx="minor">
+            <a:schemeClr val="lt1"/>
+          </a:fontRef>
+        </p:style>
+        <p:txBody>
+          <a:bodyPr rtlCol="0" anchor="ctr"/>
+          <a:lstStyle/>
+          <a:p>
+            <a:pPr algn="ctr"/>
+            <a:r>
+              <a:rPr lang="en-US" sz="1600" dirty="0">
+                <a:solidFill>
+                  <a:schemeClr val="tx1"/>
+                </a:solidFill>
+              </a:rPr>
+              <a:t>L5</a:t>
+            </a:r>
+          </a:p>
+        </p:txBody>
+      </p:sp>
+      <p:sp>
+        <p:nvSpPr>
+          <p:cNvPr id="26" name="Rectangle: Rounded Corners 25">
+            <a:extLst>
+              <a:ext uri="{FF2B5EF4-FFF2-40B4-BE49-F238E27FC236}">
+                <a16:creationId xmlns:a16="http://schemas.microsoft.com/office/drawing/2014/main" id="{861A2EF3-846F-1B3A-3487-140DC70F4FF8}"/>
+              </a:ext>
+            </a:extLst>
+          </p:cNvPr>
+          <p:cNvSpPr/>
+          <p:nvPr/>
+        </p:nvSpPr>
+        <p:spPr>
+          <a:xfrm>
+            <a:off x="856164" y="5655611"/>
+            <a:ext cx="747317" cy="242595"/>
+          </a:xfrm>
+          <a:prstGeom prst="roundRect">
+            <a:avLst>
+              <a:gd name="adj" fmla="val 50000"/>
+            </a:avLst>
+          </a:prstGeom>
+          <a:solidFill>
+            <a:schemeClr val="accent6"/>
+          </a:solidFill>
+          <a:ln>
+            <a:solidFill>
+              <a:schemeClr val="tx1"/>
+            </a:solidFill>
+          </a:ln>
+        </p:spPr>
+        <p:style>
+          <a:lnRef idx="2">
+            <a:schemeClr val="accent4">
+              <a:shade val="15000"/>
+            </a:schemeClr>
+          </a:lnRef>
+          <a:fillRef idx="1">
+            <a:schemeClr val="accent4"/>
+          </a:fillRef>
+          <a:effectRef idx="0">
+            <a:schemeClr val="accent4"/>
+          </a:effectRef>
+          <a:fontRef idx="minor">
+            <a:schemeClr val="lt1"/>
+          </a:fontRef>
+        </p:style>
+        <p:txBody>
+          <a:bodyPr rtlCol="0" anchor="ctr"/>
+          <a:lstStyle/>
+          <a:p>
+            <a:pPr algn="ctr"/>
+            <a:r>
+              <a:rPr lang="en-US" sz="1600" dirty="0">
+                <a:solidFill>
+                  <a:schemeClr val="tx1"/>
+                </a:solidFill>
+              </a:rPr>
+              <a:t>S6</a:t>
+            </a:r>
+          </a:p>
+        </p:txBody>
+      </p:sp>
+      <p:sp>
+        <p:nvSpPr>
+          <p:cNvPr id="27" name="Rectangle: Rounded Corners 26">
+            <a:extLst>
+              <a:ext uri="{FF2B5EF4-FFF2-40B4-BE49-F238E27FC236}">
+                <a16:creationId xmlns:a16="http://schemas.microsoft.com/office/drawing/2014/main" id="{52CBAB23-B662-7792-0A80-18A690D6EE10}"/>
+              </a:ext>
+            </a:extLst>
+          </p:cNvPr>
+          <p:cNvSpPr/>
+          <p:nvPr/>
+        </p:nvSpPr>
+        <p:spPr>
+          <a:xfrm>
+            <a:off x="-1495698" y="1515064"/>
+            <a:ext cx="747317" cy="242595"/>
+          </a:xfrm>
+          <a:prstGeom prst="roundRect">
+            <a:avLst>
+              <a:gd name="adj" fmla="val 50000"/>
+            </a:avLst>
+          </a:prstGeom>
+          <a:solidFill>
+            <a:srgbClr val="CC00CC"/>
+          </a:solidFill>
+          <a:ln>
+            <a:solidFill>
+              <a:schemeClr val="tx1"/>
+            </a:solidFill>
+          </a:ln>
+        </p:spPr>
+        <p:style>
+          <a:lnRef idx="2">
+            <a:schemeClr val="accent4">
+              <a:shade val="15000"/>
+            </a:schemeClr>
+          </a:lnRef>
+          <a:fillRef idx="1">
+            <a:schemeClr val="accent4"/>
+          </a:fillRef>
+          <a:effectRef idx="0">
+            <a:schemeClr val="accent4"/>
+          </a:effectRef>
+          <a:fontRef idx="minor">
+            <a:schemeClr val="lt1"/>
+          </a:fontRef>
+        </p:style>
+        <p:txBody>
+          <a:bodyPr rtlCol="0" anchor="ctr"/>
+          <a:lstStyle/>
+          <a:p>
+            <a:pPr algn="ctr"/>
+            <a:r>
+              <a:rPr lang="en-US" sz="1600" dirty="0">
+                <a:solidFill>
+                  <a:schemeClr val="bg1"/>
+                </a:solidFill>
+              </a:rPr>
+              <a:t>H25</a:t>
+            </a:r>
+          </a:p>
+        </p:txBody>
+      </p:sp>
+      <p:sp>
+        <p:nvSpPr>
+          <p:cNvPr id="4" name="Rectangle: Rounded Corners 3">
+            <a:extLst>
+              <a:ext uri="{FF2B5EF4-FFF2-40B4-BE49-F238E27FC236}">
+                <a16:creationId xmlns:a16="http://schemas.microsoft.com/office/drawing/2014/main" id="{FA80E582-88CE-A79A-8DA9-24A966FC77E9}"/>
+              </a:ext>
+            </a:extLst>
+          </p:cNvPr>
+          <p:cNvSpPr/>
+          <p:nvPr/>
+        </p:nvSpPr>
+        <p:spPr>
+          <a:xfrm>
+            <a:off x="1374536" y="1065576"/>
+            <a:ext cx="747317" cy="242595"/>
+          </a:xfrm>
+          <a:prstGeom prst="roundRect">
+            <a:avLst>
+              <a:gd name="adj" fmla="val 50000"/>
+            </a:avLst>
+          </a:prstGeom>
+          <a:solidFill>
+            <a:srgbClr val="CC00CC"/>
+          </a:solidFill>
+          <a:ln>
+            <a:solidFill>
+              <a:schemeClr val="tx1"/>
+            </a:solidFill>
+          </a:ln>
+        </p:spPr>
+        <p:style>
+          <a:lnRef idx="2">
+            <a:schemeClr val="accent4">
+              <a:shade val="15000"/>
+            </a:schemeClr>
+          </a:lnRef>
+          <a:fillRef idx="1">
+            <a:schemeClr val="accent4"/>
+          </a:fillRef>
+          <a:effectRef idx="0">
+            <a:schemeClr val="accent4"/>
+          </a:effectRef>
+          <a:fontRef idx="minor">
+            <a:schemeClr val="lt1"/>
+          </a:fontRef>
+        </p:style>
+        <p:txBody>
+          <a:bodyPr rtlCol="0" anchor="ctr"/>
+          <a:lstStyle/>
+          <a:p>
+            <a:pPr algn="ctr"/>
+            <a:r>
+              <a:rPr lang="en-US" sz="1600" dirty="0">
+                <a:solidFill>
+                  <a:schemeClr val="bg1"/>
+                </a:solidFill>
+              </a:rPr>
+              <a:t>R47</a:t>
+            </a:r>
+          </a:p>
+        </p:txBody>
+      </p:sp>
+      <p:cxnSp>
+        <p:nvCxnSpPr>
+          <p:cNvPr id="2" name="Connector: Curved 1">
+            <a:extLst>
+              <a:ext uri="{FF2B5EF4-FFF2-40B4-BE49-F238E27FC236}">
+                <a16:creationId xmlns:a16="http://schemas.microsoft.com/office/drawing/2014/main" id="{80CA50E9-443D-C509-A2EA-8690F0921E55}"/>
+              </a:ext>
+            </a:extLst>
+          </p:cNvPr>
+          <p:cNvCxnSpPr>
+            <a:cxnSpLocks/>
+            <a:stCxn id="19" idx="2"/>
+            <a:endCxn id="22" idx="3"/>
+          </p:cNvCxnSpPr>
+          <p:nvPr/>
+        </p:nvCxnSpPr>
+        <p:spPr>
+          <a:xfrm rot="5400000">
+            <a:off x="-2508697" y="1748952"/>
+            <a:ext cx="278129" cy="780732"/>
+          </a:xfrm>
+          <a:prstGeom prst="curvedConnector2">
+            <a:avLst/>
+          </a:prstGeom>
+          <a:ln w="28575">
+            <a:solidFill>
+              <a:srgbClr val="FF0000"/>
+            </a:solidFill>
+            <a:prstDash val="dash"/>
+          </a:ln>
+        </p:spPr>
+        <p:style>
+          <a:lnRef idx="1">
+            <a:schemeClr val="accent1"/>
+          </a:lnRef>
+          <a:fillRef idx="0">
+            <a:schemeClr val="accent1"/>
+          </a:fillRef>
+          <a:effectRef idx="0">
+            <a:schemeClr val="accent1"/>
+          </a:effectRef>
+          <a:fontRef idx="minor">
+            <a:schemeClr val="tx1"/>
+          </a:fontRef>
+        </p:style>
+      </p:cxnSp>
+      <p:cxnSp>
+        <p:nvCxnSpPr>
+          <p:cNvPr id="7" name="Connector: Curved 6">
+            <a:extLst>
+              <a:ext uri="{FF2B5EF4-FFF2-40B4-BE49-F238E27FC236}">
+                <a16:creationId xmlns:a16="http://schemas.microsoft.com/office/drawing/2014/main" id="{E7B73936-6228-B573-7BC4-D8DBF9B7C6AC}"/>
+              </a:ext>
+            </a:extLst>
+          </p:cNvPr>
+          <p:cNvCxnSpPr>
+            <a:cxnSpLocks/>
+            <a:stCxn id="27" idx="0"/>
+          </p:cNvCxnSpPr>
+          <p:nvPr/>
+        </p:nvCxnSpPr>
+        <p:spPr>
+          <a:xfrm rot="16200000" flipV="1">
+            <a:off x="-2102983" y="534120"/>
+            <a:ext cx="435464" cy="1526424"/>
+          </a:xfrm>
+          <a:prstGeom prst="curvedConnector2">
+            <a:avLst/>
+          </a:prstGeom>
+          <a:ln w="28575">
+            <a:solidFill>
+              <a:srgbClr val="FF0000"/>
+            </a:solidFill>
+            <a:prstDash val="dash"/>
+          </a:ln>
+        </p:spPr>
+        <p:style>
+          <a:lnRef idx="1">
+            <a:schemeClr val="accent1"/>
+          </a:lnRef>
+          <a:fillRef idx="0">
+            <a:schemeClr val="accent1"/>
+          </a:fillRef>
+          <a:effectRef idx="0">
+            <a:schemeClr val="accent1"/>
+          </a:effectRef>
+          <a:fontRef idx="minor">
+            <a:schemeClr val="tx1"/>
+          </a:fontRef>
+        </p:style>
+      </p:cxnSp>
+      <p:cxnSp>
+        <p:nvCxnSpPr>
+          <p:cNvPr id="31" name="Connector: Curved 30">
+            <a:extLst>
+              <a:ext uri="{FF2B5EF4-FFF2-40B4-BE49-F238E27FC236}">
+                <a16:creationId xmlns:a16="http://schemas.microsoft.com/office/drawing/2014/main" id="{27EC7736-E92C-B1D5-0CD9-E758140E80C7}"/>
+              </a:ext>
+            </a:extLst>
+          </p:cNvPr>
+          <p:cNvCxnSpPr>
+            <a:cxnSpLocks/>
+            <a:stCxn id="18" idx="2"/>
+            <a:endCxn id="20" idx="2"/>
+          </p:cNvCxnSpPr>
+          <p:nvPr/>
+        </p:nvCxnSpPr>
+        <p:spPr>
+          <a:xfrm rot="5400000">
+            <a:off x="-4679569" y="374767"/>
+            <a:ext cx="12700" cy="2419176"/>
+          </a:xfrm>
+          <a:prstGeom prst="curvedConnector3">
+            <a:avLst>
+              <a:gd name="adj1" fmla="val 1800000"/>
+            </a:avLst>
+          </a:prstGeom>
+          <a:ln w="28575">
+            <a:solidFill>
+              <a:srgbClr val="FF0000"/>
+            </a:solidFill>
+            <a:prstDash val="dash"/>
+          </a:ln>
+        </p:spPr>
+        <p:style>
+          <a:lnRef idx="1">
+            <a:schemeClr val="accent1"/>
+          </a:lnRef>
+          <a:fillRef idx="0">
+            <a:schemeClr val="accent1"/>
+          </a:fillRef>
+          <a:effectRef idx="0">
+            <a:schemeClr val="accent1"/>
+          </a:effectRef>
+          <a:fontRef idx="minor">
+            <a:schemeClr val="tx1"/>
+          </a:fontRef>
+        </p:style>
+      </p:cxnSp>
+      <p:cxnSp>
+        <p:nvCxnSpPr>
+          <p:cNvPr id="34" name="Connector: Curved 33">
+            <a:extLst>
+              <a:ext uri="{FF2B5EF4-FFF2-40B4-BE49-F238E27FC236}">
+                <a16:creationId xmlns:a16="http://schemas.microsoft.com/office/drawing/2014/main" id="{10E6E918-6959-DE75-996B-3A730656735B}"/>
+              </a:ext>
+            </a:extLst>
+          </p:cNvPr>
+          <p:cNvCxnSpPr>
+            <a:cxnSpLocks/>
+            <a:stCxn id="17" idx="2"/>
+            <a:endCxn id="21" idx="1"/>
+          </p:cNvCxnSpPr>
+          <p:nvPr/>
+        </p:nvCxnSpPr>
+        <p:spPr>
+          <a:xfrm rot="16200000" flipH="1">
+            <a:off x="-6124044" y="2319419"/>
+            <a:ext cx="349219" cy="619055"/>
+          </a:xfrm>
+          <a:prstGeom prst="curvedConnector2">
+            <a:avLst/>
+          </a:prstGeom>
+          <a:ln w="28575">
+            <a:solidFill>
+              <a:srgbClr val="FF0000"/>
+            </a:solidFill>
+            <a:prstDash val="dash"/>
+          </a:ln>
+        </p:spPr>
+        <p:style>
+          <a:lnRef idx="1">
+            <a:schemeClr val="accent1"/>
+          </a:lnRef>
+          <a:fillRef idx="0">
+            <a:schemeClr val="accent1"/>
+          </a:fillRef>
+          <a:effectRef idx="0">
+            <a:schemeClr val="accent1"/>
+          </a:effectRef>
+          <a:fontRef idx="minor">
+            <a:schemeClr val="tx1"/>
+          </a:fontRef>
+        </p:style>
+      </p:cxnSp>
+      <p:cxnSp>
+        <p:nvCxnSpPr>
+          <p:cNvPr id="37" name="Connector: Curved 36">
+            <a:extLst>
+              <a:ext uri="{FF2B5EF4-FFF2-40B4-BE49-F238E27FC236}">
+                <a16:creationId xmlns:a16="http://schemas.microsoft.com/office/drawing/2014/main" id="{17F7CE0E-B10C-A6A3-D80A-BEF33AB40EDE}"/>
+              </a:ext>
+            </a:extLst>
+          </p:cNvPr>
+          <p:cNvCxnSpPr>
+            <a:cxnSpLocks/>
+            <a:stCxn id="13" idx="1"/>
+            <a:endCxn id="24" idx="1"/>
+          </p:cNvCxnSpPr>
+          <p:nvPr/>
+        </p:nvCxnSpPr>
+        <p:spPr>
+          <a:xfrm rot="10800000" flipV="1">
+            <a:off x="-1495698" y="4336448"/>
+            <a:ext cx="373658" cy="598465"/>
+          </a:xfrm>
+          <a:prstGeom prst="curvedConnector3">
+            <a:avLst>
+              <a:gd name="adj1" fmla="val 137873"/>
+            </a:avLst>
+          </a:prstGeom>
+          <a:ln w="28575">
+            <a:solidFill>
+              <a:srgbClr val="FF0000"/>
+            </a:solidFill>
+            <a:prstDash val="dash"/>
+          </a:ln>
+        </p:spPr>
+        <p:style>
+          <a:lnRef idx="1">
+            <a:schemeClr val="accent1"/>
+          </a:lnRef>
+          <a:fillRef idx="0">
+            <a:schemeClr val="accent1"/>
+          </a:fillRef>
+          <a:effectRef idx="0">
+            <a:schemeClr val="accent1"/>
+          </a:effectRef>
+          <a:fontRef idx="minor">
+            <a:schemeClr val="tx1"/>
+          </a:fontRef>
+        </p:style>
+      </p:cxnSp>
+      <p:cxnSp>
+        <p:nvCxnSpPr>
+          <p:cNvPr id="45" name="Connector: Curved 44">
+            <a:extLst>
+              <a:ext uri="{FF2B5EF4-FFF2-40B4-BE49-F238E27FC236}">
+                <a16:creationId xmlns:a16="http://schemas.microsoft.com/office/drawing/2014/main" id="{4FB0CFA9-6A30-E959-B328-92B37C2F27A1}"/>
+              </a:ext>
+            </a:extLst>
+          </p:cNvPr>
+          <p:cNvCxnSpPr>
+            <a:cxnSpLocks/>
+            <a:stCxn id="4" idx="2"/>
+            <a:endCxn id="11" idx="0"/>
+          </p:cNvCxnSpPr>
+          <p:nvPr/>
+        </p:nvCxnSpPr>
+        <p:spPr>
+          <a:xfrm rot="5400000">
+            <a:off x="1150083" y="1437675"/>
+            <a:ext cx="727616" cy="468609"/>
+          </a:xfrm>
+          <a:prstGeom prst="curvedConnector3">
+            <a:avLst>
+              <a:gd name="adj1" fmla="val 50000"/>
+            </a:avLst>
+          </a:prstGeom>
+          <a:ln w="28575">
+            <a:solidFill>
+              <a:srgbClr val="FF0000"/>
+            </a:solidFill>
+            <a:prstDash val="dash"/>
+          </a:ln>
+        </p:spPr>
+        <p:style>
+          <a:lnRef idx="1">
+            <a:schemeClr val="accent1"/>
+          </a:lnRef>
+          <a:fillRef idx="0">
+            <a:schemeClr val="accent1"/>
+          </a:fillRef>
+          <a:effectRef idx="0">
+            <a:schemeClr val="accent1"/>
+          </a:effectRef>
+          <a:fontRef idx="minor">
+            <a:schemeClr val="tx1"/>
+          </a:fontRef>
+        </p:style>
+      </p:cxnSp>
+      <p:cxnSp>
+        <p:nvCxnSpPr>
+          <p:cNvPr id="49" name="Connector: Curved 48">
+            <a:extLst>
+              <a:ext uri="{FF2B5EF4-FFF2-40B4-BE49-F238E27FC236}">
+                <a16:creationId xmlns:a16="http://schemas.microsoft.com/office/drawing/2014/main" id="{E6EF169D-4589-9786-9B6C-E462E141F353}"/>
+              </a:ext>
+            </a:extLst>
+          </p:cNvPr>
+          <p:cNvCxnSpPr>
+            <a:cxnSpLocks/>
+            <a:stCxn id="12" idx="2"/>
+            <a:endCxn id="23" idx="3"/>
+          </p:cNvCxnSpPr>
+          <p:nvPr/>
+        </p:nvCxnSpPr>
+        <p:spPr>
+          <a:xfrm rot="5400000">
+            <a:off x="823123" y="594058"/>
+            <a:ext cx="389979" cy="423421"/>
+          </a:xfrm>
+          <a:prstGeom prst="curvedConnector2">
+            <a:avLst/>
+          </a:prstGeom>
+          <a:ln w="28575">
+            <a:solidFill>
+              <a:srgbClr val="FF0000"/>
+            </a:solidFill>
+            <a:prstDash val="dash"/>
+          </a:ln>
+        </p:spPr>
+        <p:style>
+          <a:lnRef idx="1">
+            <a:schemeClr val="accent1"/>
+          </a:lnRef>
+          <a:fillRef idx="0">
+            <a:schemeClr val="accent1"/>
+          </a:fillRef>
+          <a:effectRef idx="0">
+            <a:schemeClr val="accent1"/>
+          </a:effectRef>
+          <a:fontRef idx="minor">
+            <a:schemeClr val="tx1"/>
+          </a:fontRef>
+        </p:style>
+      </p:cxnSp>
+      <p:cxnSp>
+        <p:nvCxnSpPr>
+          <p:cNvPr id="52" name="Connector: Curved 51">
+            <a:extLst>
+              <a:ext uri="{FF2B5EF4-FFF2-40B4-BE49-F238E27FC236}">
+                <a16:creationId xmlns:a16="http://schemas.microsoft.com/office/drawing/2014/main" id="{6E370D8A-0931-874D-7CD2-61470521395D}"/>
+              </a:ext>
+            </a:extLst>
+          </p:cNvPr>
+          <p:cNvCxnSpPr>
+            <a:cxnSpLocks/>
+            <a:stCxn id="27" idx="2"/>
+            <a:endCxn id="19" idx="2"/>
+          </p:cNvCxnSpPr>
+          <p:nvPr/>
+        </p:nvCxnSpPr>
+        <p:spPr>
+          <a:xfrm rot="5400000">
+            <a:off x="-1671950" y="1450342"/>
+            <a:ext cx="242595" cy="857228"/>
+          </a:xfrm>
+          <a:prstGeom prst="curvedConnector3">
+            <a:avLst>
+              <a:gd name="adj1" fmla="val 194231"/>
+            </a:avLst>
+          </a:prstGeom>
+          <a:ln w="28575">
+            <a:solidFill>
+              <a:srgbClr val="FF0000"/>
+            </a:solidFill>
+            <a:prstDash val="dash"/>
+          </a:ln>
+        </p:spPr>
+        <p:style>
+          <a:lnRef idx="1">
+            <a:schemeClr val="accent1"/>
+          </a:lnRef>
+          <a:fillRef idx="0">
+            <a:schemeClr val="accent1"/>
+          </a:fillRef>
+          <a:effectRef idx="0">
+            <a:schemeClr val="accent1"/>
+          </a:effectRef>
+          <a:fontRef idx="minor">
+            <a:schemeClr val="tx1"/>
+          </a:fontRef>
+        </p:style>
+      </p:cxnSp>
+      <p:cxnSp>
+        <p:nvCxnSpPr>
+          <p:cNvPr id="57" name="Connector: Curved 56">
+            <a:extLst>
+              <a:ext uri="{FF2B5EF4-FFF2-40B4-BE49-F238E27FC236}">
+                <a16:creationId xmlns:a16="http://schemas.microsoft.com/office/drawing/2014/main" id="{B6D32229-B229-8D6E-A5F8-ED229319323C}"/>
+              </a:ext>
+            </a:extLst>
+          </p:cNvPr>
+          <p:cNvCxnSpPr>
+            <a:cxnSpLocks/>
+            <a:stCxn id="14" idx="3"/>
+            <a:endCxn id="26" idx="1"/>
+          </p:cNvCxnSpPr>
+          <p:nvPr/>
+        </p:nvCxnSpPr>
+        <p:spPr>
+          <a:xfrm>
+            <a:off x="-134811" y="5655614"/>
+            <a:ext cx="990975" cy="121295"/>
+          </a:xfrm>
+          <a:prstGeom prst="curvedConnector3">
+            <a:avLst>
+              <a:gd name="adj1" fmla="val 50000"/>
+            </a:avLst>
+          </a:prstGeom>
+          <a:ln w="28575">
+            <a:solidFill>
+              <a:srgbClr val="FF0000"/>
+            </a:solidFill>
+            <a:prstDash val="dash"/>
+          </a:ln>
+        </p:spPr>
+        <p:style>
+          <a:lnRef idx="1">
+            <a:schemeClr val="accent1"/>
+          </a:lnRef>
+          <a:fillRef idx="0">
+            <a:schemeClr val="accent1"/>
+          </a:fillRef>
+          <a:effectRef idx="0">
+            <a:schemeClr val="accent1"/>
+          </a:effectRef>
+          <a:fontRef idx="minor">
+            <a:schemeClr val="tx1"/>
+          </a:fontRef>
+        </p:style>
+      </p:cxnSp>
+      <p:cxnSp>
+        <p:nvCxnSpPr>
+          <p:cNvPr id="61" name="Connector: Curved 60">
+            <a:extLst>
+              <a:ext uri="{FF2B5EF4-FFF2-40B4-BE49-F238E27FC236}">
+                <a16:creationId xmlns:a16="http://schemas.microsoft.com/office/drawing/2014/main" id="{B9177B86-D523-2699-B319-89A529DF7205}"/>
+              </a:ext>
+            </a:extLst>
+          </p:cNvPr>
+          <p:cNvCxnSpPr>
+            <a:cxnSpLocks/>
+            <a:stCxn id="25" idx="3"/>
+            <a:endCxn id="15" idx="3"/>
+          </p:cNvCxnSpPr>
+          <p:nvPr/>
+        </p:nvCxnSpPr>
+        <p:spPr>
+          <a:xfrm flipH="1">
+            <a:off x="1333806" y="4774057"/>
+            <a:ext cx="40730" cy="1394785"/>
+          </a:xfrm>
+          <a:prstGeom prst="curvedConnector3">
+            <a:avLst>
+              <a:gd name="adj1" fmla="val -1324874"/>
+            </a:avLst>
+          </a:prstGeom>
+          <a:ln w="28575">
+            <a:solidFill>
+              <a:srgbClr val="FF0000"/>
+            </a:solidFill>
+            <a:prstDash val="dash"/>
+          </a:ln>
+        </p:spPr>
+        <p:style>
+          <a:lnRef idx="1">
+            <a:schemeClr val="accent1"/>
+          </a:lnRef>
+          <a:fillRef idx="0">
+            <a:schemeClr val="accent1"/>
+          </a:fillRef>
+          <a:effectRef idx="0">
+            <a:schemeClr val="accent1"/>
+          </a:effectRef>
+          <a:fontRef idx="minor">
+            <a:schemeClr val="tx1"/>
+          </a:fontRef>
+        </p:style>
+      </p:cxnSp>
+      <p:pic>
+        <p:nvPicPr>
+          <p:cNvPr id="5" name="Picture 4" descr="A close-up of a structure&#10;&#10;Description automatically generated">
+            <a:extLst>
+              <a:ext uri="{FF2B5EF4-FFF2-40B4-BE49-F238E27FC236}">
+                <a16:creationId xmlns:a16="http://schemas.microsoft.com/office/drawing/2014/main" id="{073078E9-5445-2D6E-49A7-EBEE879EA1D9}"/>
+              </a:ext>
+            </a:extLst>
+          </p:cNvPr>
+          <p:cNvPicPr>
+            <a:picLocks noChangeAspect="1"/>
+          </p:cNvPicPr>
+          <p:nvPr/>
+        </p:nvPicPr>
+        <p:blipFill>
+          <a:blip r:embed="rId4">
+            <a:extLst>
+              <a:ext uri="{28A0092B-C50C-407E-A947-70E740481C1C}">
+                <a14:useLocalDpi xmlns:a14="http://schemas.microsoft.com/office/drawing/2010/main" val="0"/>
+              </a:ext>
+            </a:extLst>
+          </a:blip>
+          <a:stretch>
+            <a:fillRect/>
+          </a:stretch>
+        </p:blipFill>
+        <p:spPr>
+          <a:xfrm>
+            <a:off x="2794687" y="0"/>
+            <a:ext cx="9397313" cy="6858000"/>
+          </a:xfrm>
+          <a:prstGeom prst="rect">
+            <a:avLst/>
+          </a:prstGeom>
+        </p:spPr>
+      </p:pic>
+      <p:sp>
+        <p:nvSpPr>
+          <p:cNvPr id="6" name="Rectangle: Rounded Corners 5">
+            <a:extLst>
+              <a:ext uri="{FF2B5EF4-FFF2-40B4-BE49-F238E27FC236}">
+                <a16:creationId xmlns:a16="http://schemas.microsoft.com/office/drawing/2014/main" id="{1CD4BB62-3806-D5EB-7405-E29BBD79D34B}"/>
+              </a:ext>
+            </a:extLst>
+          </p:cNvPr>
+          <p:cNvSpPr/>
+          <p:nvPr/>
+        </p:nvSpPr>
+        <p:spPr>
+          <a:xfrm>
+            <a:off x="5601493" y="904193"/>
+            <a:ext cx="747317" cy="242595"/>
+          </a:xfrm>
+          <a:prstGeom prst="roundRect">
+            <a:avLst>
+              <a:gd name="adj" fmla="val 50000"/>
+            </a:avLst>
+          </a:prstGeom>
+          <a:solidFill>
+            <a:srgbClr val="FFFF00"/>
+          </a:solidFill>
+          <a:ln>
+            <a:solidFill>
+              <a:srgbClr val="7030A0"/>
+            </a:solidFill>
+          </a:ln>
+        </p:spPr>
+        <p:style>
+          <a:lnRef idx="2">
+            <a:schemeClr val="accent4">
+              <a:shade val="15000"/>
+            </a:schemeClr>
+          </a:lnRef>
+          <a:fillRef idx="1">
+            <a:schemeClr val="accent4"/>
+          </a:fillRef>
+          <a:effectRef idx="0">
+            <a:schemeClr val="accent4"/>
+          </a:effectRef>
+          <a:fontRef idx="minor">
+            <a:schemeClr val="lt1"/>
+          </a:fontRef>
+        </p:style>
+        <p:txBody>
+          <a:bodyPr rtlCol="0" anchor="ctr"/>
+          <a:lstStyle/>
+          <a:p>
+            <a:pPr algn="ctr"/>
+            <a:r>
+              <a:rPr lang="en-US" sz="1600" dirty="0">
+                <a:solidFill>
+                  <a:srgbClr val="7030A0"/>
+                </a:solidFill>
+              </a:rPr>
+              <a:t>R226</a:t>
+            </a:r>
+          </a:p>
+        </p:txBody>
+      </p:sp>
+      <p:sp>
+        <p:nvSpPr>
+          <p:cNvPr id="8" name="Rectangle: Rounded Corners 7">
+            <a:extLst>
+              <a:ext uri="{FF2B5EF4-FFF2-40B4-BE49-F238E27FC236}">
+                <a16:creationId xmlns:a16="http://schemas.microsoft.com/office/drawing/2014/main" id="{DB05CB86-C786-36DE-B9C9-87D2A4DDC3F8}"/>
+              </a:ext>
+            </a:extLst>
+          </p:cNvPr>
+          <p:cNvSpPr/>
+          <p:nvPr/>
+        </p:nvSpPr>
+        <p:spPr>
+          <a:xfrm>
+            <a:off x="6746026" y="2449965"/>
+            <a:ext cx="747317" cy="242595"/>
+          </a:xfrm>
+          <a:prstGeom prst="roundRect">
+            <a:avLst>
+              <a:gd name="adj" fmla="val 50000"/>
+            </a:avLst>
+          </a:prstGeom>
+          <a:solidFill>
+            <a:srgbClr val="FFFF00"/>
+          </a:solidFill>
+          <a:ln>
+            <a:solidFill>
+              <a:srgbClr val="7030A0"/>
+            </a:solidFill>
+          </a:ln>
+        </p:spPr>
+        <p:style>
+          <a:lnRef idx="2">
+            <a:schemeClr val="accent4">
+              <a:shade val="15000"/>
+            </a:schemeClr>
+          </a:lnRef>
+          <a:fillRef idx="1">
+            <a:schemeClr val="accent4"/>
+          </a:fillRef>
+          <a:effectRef idx="0">
+            <a:schemeClr val="accent4"/>
+          </a:effectRef>
+          <a:fontRef idx="minor">
+            <a:schemeClr val="lt1"/>
+          </a:fontRef>
+        </p:style>
+        <p:txBody>
+          <a:bodyPr rtlCol="0" anchor="ctr"/>
+          <a:lstStyle/>
+          <a:p>
+            <a:pPr algn="ctr"/>
+            <a:r>
+              <a:rPr lang="en-US" sz="1600" dirty="0">
+                <a:solidFill>
+                  <a:srgbClr val="7030A0"/>
+                </a:solidFill>
+              </a:rPr>
+              <a:t>I320</a:t>
+            </a:r>
+          </a:p>
+        </p:txBody>
+      </p:sp>
+      <p:sp>
+        <p:nvSpPr>
+          <p:cNvPr id="9" name="Rectangle: Rounded Corners 8">
+            <a:extLst>
+              <a:ext uri="{FF2B5EF4-FFF2-40B4-BE49-F238E27FC236}">
+                <a16:creationId xmlns:a16="http://schemas.microsoft.com/office/drawing/2014/main" id="{C523D652-4427-6FA2-8161-C21CFEA33513}"/>
+              </a:ext>
+            </a:extLst>
+          </p:cNvPr>
+          <p:cNvSpPr/>
+          <p:nvPr/>
+        </p:nvSpPr>
+        <p:spPr>
+          <a:xfrm>
+            <a:off x="6898448" y="3787353"/>
+            <a:ext cx="747317" cy="242595"/>
+          </a:xfrm>
+          <a:prstGeom prst="roundRect">
+            <a:avLst>
+              <a:gd name="adj" fmla="val 50000"/>
+            </a:avLst>
+          </a:prstGeom>
+          <a:solidFill>
+            <a:srgbClr val="FFFF00"/>
+          </a:solidFill>
+          <a:ln>
+            <a:solidFill>
+              <a:srgbClr val="7030A0"/>
+            </a:solidFill>
+          </a:ln>
+        </p:spPr>
+        <p:style>
+          <a:lnRef idx="2">
+            <a:schemeClr val="accent4">
+              <a:shade val="15000"/>
+            </a:schemeClr>
+          </a:lnRef>
+          <a:fillRef idx="1">
+            <a:schemeClr val="accent4"/>
+          </a:fillRef>
+          <a:effectRef idx="0">
+            <a:schemeClr val="accent4"/>
+          </a:effectRef>
+          <a:fontRef idx="minor">
+            <a:schemeClr val="lt1"/>
+          </a:fontRef>
+        </p:style>
+        <p:txBody>
+          <a:bodyPr rtlCol="0" anchor="ctr"/>
+          <a:lstStyle/>
+          <a:p>
+            <a:pPr algn="ctr"/>
+            <a:r>
+              <a:rPr lang="en-US" sz="1600" dirty="0">
+                <a:solidFill>
+                  <a:srgbClr val="7030A0"/>
+                </a:solidFill>
+              </a:rPr>
+              <a:t>R319</a:t>
+            </a:r>
+          </a:p>
+        </p:txBody>
+      </p:sp>
+      <p:sp>
+        <p:nvSpPr>
+          <p:cNvPr id="10" name="Rectangle: Rounded Corners 9">
+            <a:extLst>
+              <a:ext uri="{FF2B5EF4-FFF2-40B4-BE49-F238E27FC236}">
+                <a16:creationId xmlns:a16="http://schemas.microsoft.com/office/drawing/2014/main" id="{23D32DC3-149E-5E4B-44BA-7375586F83BC}"/>
+              </a:ext>
+            </a:extLst>
+          </p:cNvPr>
+          <p:cNvSpPr/>
+          <p:nvPr/>
+        </p:nvSpPr>
+        <p:spPr>
+          <a:xfrm>
+            <a:off x="2556604" y="2207370"/>
+            <a:ext cx="747317" cy="242595"/>
+          </a:xfrm>
+          <a:prstGeom prst="roundRect">
+            <a:avLst>
+              <a:gd name="adj" fmla="val 50000"/>
+            </a:avLst>
+          </a:prstGeom>
+          <a:solidFill>
+            <a:srgbClr val="FFFF00"/>
+          </a:solidFill>
+          <a:ln>
+            <a:solidFill>
+              <a:srgbClr val="7030A0"/>
+            </a:solidFill>
+          </a:ln>
+        </p:spPr>
+        <p:style>
+          <a:lnRef idx="2">
+            <a:schemeClr val="accent4">
+              <a:shade val="15000"/>
+            </a:schemeClr>
+          </a:lnRef>
+          <a:fillRef idx="1">
+            <a:schemeClr val="accent4"/>
+          </a:fillRef>
+          <a:effectRef idx="0">
+            <a:schemeClr val="accent4"/>
+          </a:effectRef>
+          <a:fontRef idx="minor">
+            <a:schemeClr val="lt1"/>
+          </a:fontRef>
+        </p:style>
+        <p:txBody>
+          <a:bodyPr rtlCol="0" anchor="ctr"/>
+          <a:lstStyle/>
+          <a:p>
+            <a:pPr algn="ctr"/>
+            <a:r>
+              <a:rPr lang="en-US" sz="1600" dirty="0">
+                <a:solidFill>
+                  <a:srgbClr val="7030A0"/>
+                </a:solidFill>
+              </a:rPr>
+              <a:t>F403</a:t>
+            </a:r>
+          </a:p>
+        </p:txBody>
+      </p:sp>
+      <p:sp>
+        <p:nvSpPr>
+          <p:cNvPr id="28" name="Rectangle: Rounded Corners 27">
+            <a:extLst>
+              <a:ext uri="{FF2B5EF4-FFF2-40B4-BE49-F238E27FC236}">
+                <a16:creationId xmlns:a16="http://schemas.microsoft.com/office/drawing/2014/main" id="{F3232A1C-E3DF-646E-65FE-153E78DFAB23}"/>
+              </a:ext>
+            </a:extLst>
+          </p:cNvPr>
+          <p:cNvSpPr/>
+          <p:nvPr/>
+        </p:nvSpPr>
+        <p:spPr>
+          <a:xfrm>
+            <a:off x="2086416" y="3615613"/>
+            <a:ext cx="747317" cy="242595"/>
+          </a:xfrm>
+          <a:prstGeom prst="roundRect">
+            <a:avLst>
+              <a:gd name="adj" fmla="val 50000"/>
+            </a:avLst>
+          </a:prstGeom>
+          <a:solidFill>
+            <a:srgbClr val="FFFF00"/>
+          </a:solidFill>
+          <a:ln>
+            <a:solidFill>
+              <a:srgbClr val="7030A0"/>
+            </a:solidFill>
+          </a:ln>
+        </p:spPr>
+        <p:style>
+          <a:lnRef idx="2">
+            <a:schemeClr val="accent4">
+              <a:shade val="15000"/>
+            </a:schemeClr>
+          </a:lnRef>
+          <a:fillRef idx="1">
+            <a:schemeClr val="accent4"/>
+          </a:fillRef>
+          <a:effectRef idx="0">
+            <a:schemeClr val="accent4"/>
+          </a:effectRef>
+          <a:fontRef idx="minor">
+            <a:schemeClr val="lt1"/>
+          </a:fontRef>
+        </p:style>
+        <p:txBody>
+          <a:bodyPr rtlCol="0" anchor="ctr"/>
+          <a:lstStyle/>
+          <a:p>
+            <a:pPr algn="ctr"/>
+            <a:r>
+              <a:rPr lang="en-US" sz="1600" dirty="0">
+                <a:solidFill>
+                  <a:srgbClr val="7030A0"/>
+                </a:solidFill>
+              </a:rPr>
+              <a:t>D401</a:t>
+            </a:r>
+          </a:p>
+        </p:txBody>
+      </p:sp>
+      <p:sp>
+        <p:nvSpPr>
+          <p:cNvPr id="29" name="Rectangle: Rounded Corners 28">
+            <a:extLst>
+              <a:ext uri="{FF2B5EF4-FFF2-40B4-BE49-F238E27FC236}">
+                <a16:creationId xmlns:a16="http://schemas.microsoft.com/office/drawing/2014/main" id="{A7DDFC43-59E2-435D-6321-D0F03734DEC8}"/>
+              </a:ext>
+            </a:extLst>
+          </p:cNvPr>
+          <p:cNvSpPr/>
+          <p:nvPr/>
+        </p:nvSpPr>
+        <p:spPr>
+          <a:xfrm>
+            <a:off x="2086416" y="2999792"/>
+            <a:ext cx="747317" cy="242595"/>
+          </a:xfrm>
+          <a:prstGeom prst="roundRect">
+            <a:avLst>
+              <a:gd name="adj" fmla="val 50000"/>
+            </a:avLst>
+          </a:prstGeom>
+          <a:solidFill>
+            <a:srgbClr val="FFFF00"/>
+          </a:solidFill>
+          <a:ln>
+            <a:solidFill>
+              <a:srgbClr val="7030A0"/>
+            </a:solidFill>
+          </a:ln>
+        </p:spPr>
+        <p:style>
+          <a:lnRef idx="2">
+            <a:schemeClr val="accent4">
+              <a:shade val="15000"/>
+            </a:schemeClr>
+          </a:lnRef>
+          <a:fillRef idx="1">
+            <a:schemeClr val="accent4"/>
+          </a:fillRef>
+          <a:effectRef idx="0">
+            <a:schemeClr val="accent4"/>
+          </a:effectRef>
+          <a:fontRef idx="minor">
+            <a:schemeClr val="lt1"/>
+          </a:fontRef>
+        </p:style>
+        <p:txBody>
+          <a:bodyPr rtlCol="0" anchor="ctr"/>
+          <a:lstStyle/>
+          <a:p>
+            <a:pPr algn="ctr"/>
+            <a:r>
+              <a:rPr lang="en-US" sz="1600" dirty="0">
+                <a:solidFill>
+                  <a:srgbClr val="7030A0"/>
+                </a:solidFill>
+              </a:rPr>
+              <a:t>D399</a:t>
+            </a:r>
+          </a:p>
+        </p:txBody>
+      </p:sp>
+      <p:sp>
+        <p:nvSpPr>
+          <p:cNvPr id="30" name="Rectangle: Rounded Corners 29">
+            <a:extLst>
+              <a:ext uri="{FF2B5EF4-FFF2-40B4-BE49-F238E27FC236}">
+                <a16:creationId xmlns:a16="http://schemas.microsoft.com/office/drawing/2014/main" id="{9A96E3D5-5225-CCBE-3BD9-B73180767CFD}"/>
+              </a:ext>
+            </a:extLst>
+          </p:cNvPr>
+          <p:cNvSpPr/>
+          <p:nvPr/>
+        </p:nvSpPr>
+        <p:spPr>
+          <a:xfrm>
+            <a:off x="4361476" y="904192"/>
+            <a:ext cx="747317" cy="242595"/>
+          </a:xfrm>
+          <a:prstGeom prst="roundRect">
+            <a:avLst>
+              <a:gd name="adj" fmla="val 50000"/>
+            </a:avLst>
+          </a:prstGeom>
+          <a:solidFill>
+            <a:schemeClr val="accent6"/>
+          </a:solidFill>
+          <a:ln>
+            <a:solidFill>
+              <a:schemeClr val="tx1"/>
+            </a:solidFill>
+          </a:ln>
+        </p:spPr>
+        <p:style>
+          <a:lnRef idx="2">
+            <a:schemeClr val="accent4">
+              <a:shade val="15000"/>
+            </a:schemeClr>
+          </a:lnRef>
+          <a:fillRef idx="1">
+            <a:schemeClr val="accent4"/>
+          </a:fillRef>
+          <a:effectRef idx="0">
+            <a:schemeClr val="accent4"/>
+          </a:effectRef>
+          <a:fontRef idx="minor">
+            <a:schemeClr val="lt1"/>
+          </a:fontRef>
+        </p:style>
+        <p:txBody>
+          <a:bodyPr rtlCol="0" anchor="ctr"/>
+          <a:lstStyle/>
+          <a:p>
+            <a:pPr algn="ctr"/>
+            <a:r>
+              <a:rPr lang="en-US" sz="1600" dirty="0">
+                <a:solidFill>
+                  <a:schemeClr val="tx1"/>
+                </a:solidFill>
+              </a:rPr>
+              <a:t>M72</a:t>
+            </a:r>
+          </a:p>
+        </p:txBody>
+      </p:sp>
+      <p:sp>
+        <p:nvSpPr>
+          <p:cNvPr id="32" name="Rectangle: Rounded Corners 31">
+            <a:extLst>
+              <a:ext uri="{FF2B5EF4-FFF2-40B4-BE49-F238E27FC236}">
+                <a16:creationId xmlns:a16="http://schemas.microsoft.com/office/drawing/2014/main" id="{9057201C-5909-AC18-F396-4776370C28E4}"/>
+              </a:ext>
+            </a:extLst>
+          </p:cNvPr>
+          <p:cNvSpPr/>
+          <p:nvPr/>
+        </p:nvSpPr>
+        <p:spPr>
+          <a:xfrm>
+            <a:off x="6054295" y="1929683"/>
+            <a:ext cx="747317" cy="242595"/>
+          </a:xfrm>
+          <a:prstGeom prst="roundRect">
+            <a:avLst>
+              <a:gd name="adj" fmla="val 50000"/>
+            </a:avLst>
+          </a:prstGeom>
+          <a:solidFill>
+            <a:schemeClr val="accent6"/>
+          </a:solidFill>
+          <a:ln>
+            <a:solidFill>
+              <a:schemeClr val="tx1"/>
+            </a:solidFill>
+          </a:ln>
+        </p:spPr>
+        <p:style>
+          <a:lnRef idx="2">
+            <a:schemeClr val="accent4">
+              <a:shade val="15000"/>
+            </a:schemeClr>
+          </a:lnRef>
+          <a:fillRef idx="1">
+            <a:schemeClr val="accent4"/>
+          </a:fillRef>
+          <a:effectRef idx="0">
+            <a:schemeClr val="accent4"/>
+          </a:effectRef>
+          <a:fontRef idx="minor">
+            <a:schemeClr val="lt1"/>
+          </a:fontRef>
+        </p:style>
+        <p:txBody>
+          <a:bodyPr rtlCol="0" anchor="ctr"/>
+          <a:lstStyle/>
+          <a:p>
+            <a:pPr algn="ctr"/>
+            <a:r>
+              <a:rPr lang="en-US" sz="1600" dirty="0">
+                <a:solidFill>
+                  <a:schemeClr val="tx1"/>
+                </a:solidFill>
+              </a:rPr>
+              <a:t>R69</a:t>
+            </a:r>
+          </a:p>
+        </p:txBody>
+      </p:sp>
+      <p:sp>
+        <p:nvSpPr>
+          <p:cNvPr id="33" name="Rectangle: Rounded Corners 32">
+            <a:extLst>
+              <a:ext uri="{FF2B5EF4-FFF2-40B4-BE49-F238E27FC236}">
+                <a16:creationId xmlns:a16="http://schemas.microsoft.com/office/drawing/2014/main" id="{EFF7F896-417B-1295-7A61-FB7024DE732D}"/>
+              </a:ext>
+            </a:extLst>
+          </p:cNvPr>
+          <p:cNvSpPr/>
+          <p:nvPr/>
+        </p:nvSpPr>
+        <p:spPr>
+          <a:xfrm>
+            <a:off x="4050833" y="2086072"/>
+            <a:ext cx="747317" cy="242595"/>
+          </a:xfrm>
+          <a:prstGeom prst="roundRect">
+            <a:avLst>
+              <a:gd name="adj" fmla="val 50000"/>
+            </a:avLst>
+          </a:prstGeom>
+          <a:solidFill>
+            <a:schemeClr val="accent6"/>
+          </a:solidFill>
+          <a:ln>
+            <a:solidFill>
+              <a:schemeClr val="tx1"/>
+            </a:solidFill>
+          </a:ln>
+        </p:spPr>
+        <p:style>
+          <a:lnRef idx="2">
+            <a:schemeClr val="accent4">
+              <a:shade val="15000"/>
+            </a:schemeClr>
+          </a:lnRef>
+          <a:fillRef idx="1">
+            <a:schemeClr val="accent4"/>
+          </a:fillRef>
+          <a:effectRef idx="0">
+            <a:schemeClr val="accent4"/>
+          </a:effectRef>
+          <a:fontRef idx="minor">
+            <a:schemeClr val="lt1"/>
+          </a:fontRef>
+        </p:style>
+        <p:txBody>
+          <a:bodyPr rtlCol="0" anchor="ctr"/>
+          <a:lstStyle/>
+          <a:p>
+            <a:pPr algn="ctr"/>
+            <a:r>
+              <a:rPr lang="en-US" sz="1600" dirty="0">
+                <a:solidFill>
+                  <a:schemeClr val="tx1"/>
+                </a:solidFill>
+              </a:rPr>
+              <a:t>K64</a:t>
+            </a:r>
+          </a:p>
+        </p:txBody>
+      </p:sp>
+      <p:sp>
+        <p:nvSpPr>
+          <p:cNvPr id="35" name="Rectangle: Rounded Corners 34">
+            <a:extLst>
+              <a:ext uri="{FF2B5EF4-FFF2-40B4-BE49-F238E27FC236}">
+                <a16:creationId xmlns:a16="http://schemas.microsoft.com/office/drawing/2014/main" id="{7D8FE411-B3C4-0690-C097-298DEBDD9D20}"/>
+              </a:ext>
+            </a:extLst>
+          </p:cNvPr>
+          <p:cNvSpPr/>
+          <p:nvPr/>
+        </p:nvSpPr>
+        <p:spPr>
+          <a:xfrm>
+            <a:off x="4184195" y="3121089"/>
+            <a:ext cx="747317" cy="242595"/>
+          </a:xfrm>
+          <a:prstGeom prst="roundRect">
+            <a:avLst>
+              <a:gd name="adj" fmla="val 50000"/>
+            </a:avLst>
+          </a:prstGeom>
+          <a:solidFill>
+            <a:schemeClr val="accent6"/>
+          </a:solidFill>
+          <a:ln>
+            <a:solidFill>
+              <a:schemeClr val="tx1"/>
+            </a:solidFill>
+          </a:ln>
+        </p:spPr>
+        <p:style>
+          <a:lnRef idx="2">
+            <a:schemeClr val="accent4">
+              <a:shade val="15000"/>
+            </a:schemeClr>
+          </a:lnRef>
+          <a:fillRef idx="1">
+            <a:schemeClr val="accent4"/>
+          </a:fillRef>
+          <a:effectRef idx="0">
+            <a:schemeClr val="accent4"/>
+          </a:effectRef>
+          <a:fontRef idx="minor">
+            <a:schemeClr val="lt1"/>
+          </a:fontRef>
+        </p:style>
+        <p:txBody>
+          <a:bodyPr rtlCol="0" anchor="ctr"/>
+          <a:lstStyle/>
+          <a:p>
+            <a:pPr algn="ctr"/>
+            <a:r>
+              <a:rPr lang="en-US" sz="1600" dirty="0">
+                <a:solidFill>
+                  <a:schemeClr val="tx1"/>
+                </a:solidFill>
+              </a:rPr>
+              <a:t>E60</a:t>
+            </a:r>
+          </a:p>
+        </p:txBody>
+      </p:sp>
+      <p:sp>
+        <p:nvSpPr>
+          <p:cNvPr id="36" name="Rectangle: Rounded Corners 35">
+            <a:extLst>
+              <a:ext uri="{FF2B5EF4-FFF2-40B4-BE49-F238E27FC236}">
+                <a16:creationId xmlns:a16="http://schemas.microsoft.com/office/drawing/2014/main" id="{F4FD5644-A05F-2CA5-2433-E2A54F6209C8}"/>
+              </a:ext>
+            </a:extLst>
+          </p:cNvPr>
+          <p:cNvSpPr/>
+          <p:nvPr/>
+        </p:nvSpPr>
+        <p:spPr>
+          <a:xfrm>
+            <a:off x="3944170" y="3615613"/>
+            <a:ext cx="747317" cy="242595"/>
+          </a:xfrm>
+          <a:prstGeom prst="roundRect">
+            <a:avLst>
+              <a:gd name="adj" fmla="val 50000"/>
+            </a:avLst>
+          </a:prstGeom>
+          <a:solidFill>
+            <a:schemeClr val="accent6"/>
+          </a:solidFill>
+          <a:ln>
+            <a:solidFill>
+              <a:schemeClr val="tx1"/>
+            </a:solidFill>
+          </a:ln>
+        </p:spPr>
+        <p:style>
+          <a:lnRef idx="2">
+            <a:schemeClr val="accent4">
+              <a:shade val="15000"/>
+            </a:schemeClr>
+          </a:lnRef>
+          <a:fillRef idx="1">
+            <a:schemeClr val="accent4"/>
+          </a:fillRef>
+          <a:effectRef idx="0">
+            <a:schemeClr val="accent4"/>
+          </a:effectRef>
+          <a:fontRef idx="minor">
+            <a:schemeClr val="lt1"/>
+          </a:fontRef>
+        </p:style>
+        <p:txBody>
+          <a:bodyPr rtlCol="0" anchor="ctr"/>
+          <a:lstStyle/>
+          <a:p>
+            <a:pPr algn="ctr"/>
+            <a:r>
+              <a:rPr lang="en-US" sz="1600" dirty="0">
+                <a:solidFill>
+                  <a:schemeClr val="tx1"/>
+                </a:solidFill>
+              </a:rPr>
+              <a:t>K56</a:t>
+            </a:r>
+          </a:p>
+        </p:txBody>
+      </p:sp>
+      <p:sp>
+        <p:nvSpPr>
+          <p:cNvPr id="38" name="Rectangle: Rounded Corners 37">
+            <a:extLst>
+              <a:ext uri="{FF2B5EF4-FFF2-40B4-BE49-F238E27FC236}">
+                <a16:creationId xmlns:a16="http://schemas.microsoft.com/office/drawing/2014/main" id="{93872CBD-A4A6-52DB-727A-53679E19CAF9}"/>
+              </a:ext>
+            </a:extLst>
+          </p:cNvPr>
+          <p:cNvSpPr/>
+          <p:nvPr/>
+        </p:nvSpPr>
+        <p:spPr>
+          <a:xfrm>
+            <a:off x="5169595" y="2878494"/>
+            <a:ext cx="747317" cy="242595"/>
+          </a:xfrm>
+          <a:prstGeom prst="roundRect">
+            <a:avLst>
+              <a:gd name="adj" fmla="val 50000"/>
+            </a:avLst>
+          </a:prstGeom>
+          <a:solidFill>
+            <a:schemeClr val="accent6"/>
+          </a:solidFill>
+          <a:ln>
+            <a:solidFill>
+              <a:schemeClr val="tx1"/>
+            </a:solidFill>
+          </a:ln>
+        </p:spPr>
+        <p:style>
+          <a:lnRef idx="2">
+            <a:schemeClr val="accent4">
+              <a:shade val="15000"/>
+            </a:schemeClr>
+          </a:lnRef>
+          <a:fillRef idx="1">
+            <a:schemeClr val="accent4"/>
+          </a:fillRef>
+          <a:effectRef idx="0">
+            <a:schemeClr val="accent4"/>
+          </a:effectRef>
+          <a:fontRef idx="minor">
+            <a:schemeClr val="lt1"/>
+          </a:fontRef>
+        </p:style>
+        <p:txBody>
+          <a:bodyPr rtlCol="0" anchor="ctr"/>
+          <a:lstStyle/>
+          <a:p>
+            <a:pPr algn="ctr"/>
+            <a:r>
+              <a:rPr lang="en-US" sz="1600" dirty="0">
+                <a:solidFill>
+                  <a:schemeClr val="tx1"/>
+                </a:solidFill>
+              </a:rPr>
+              <a:t>N30</a:t>
+            </a:r>
+          </a:p>
+        </p:txBody>
+      </p:sp>
+      <p:sp>
+        <p:nvSpPr>
+          <p:cNvPr id="39" name="Rectangle: Rounded Corners 38">
+            <a:extLst>
+              <a:ext uri="{FF2B5EF4-FFF2-40B4-BE49-F238E27FC236}">
+                <a16:creationId xmlns:a16="http://schemas.microsoft.com/office/drawing/2014/main" id="{9C7207A9-73EA-43A1-DCDF-EDB94A9A89DB}"/>
+              </a:ext>
+            </a:extLst>
+          </p:cNvPr>
+          <p:cNvSpPr/>
+          <p:nvPr/>
+        </p:nvSpPr>
+        <p:spPr>
+          <a:xfrm>
+            <a:off x="5770399" y="4101961"/>
+            <a:ext cx="747317" cy="242595"/>
+          </a:xfrm>
+          <a:prstGeom prst="roundRect">
+            <a:avLst>
+              <a:gd name="adj" fmla="val 50000"/>
+            </a:avLst>
+          </a:prstGeom>
+          <a:solidFill>
+            <a:schemeClr val="accent6"/>
+          </a:solidFill>
+          <a:ln>
+            <a:solidFill>
+              <a:schemeClr val="tx1"/>
+            </a:solidFill>
+          </a:ln>
+        </p:spPr>
+        <p:style>
+          <a:lnRef idx="2">
+            <a:schemeClr val="accent4">
+              <a:shade val="15000"/>
+            </a:schemeClr>
+          </a:lnRef>
+          <a:fillRef idx="1">
+            <a:schemeClr val="accent4"/>
+          </a:fillRef>
+          <a:effectRef idx="0">
+            <a:schemeClr val="accent4"/>
+          </a:effectRef>
+          <a:fontRef idx="minor">
+            <a:schemeClr val="lt1"/>
+          </a:fontRef>
+        </p:style>
+        <p:txBody>
+          <a:bodyPr rtlCol="0" anchor="ctr"/>
+          <a:lstStyle/>
+          <a:p>
+            <a:pPr algn="ctr"/>
+            <a:r>
+              <a:rPr lang="en-US" sz="1600" dirty="0">
+                <a:solidFill>
+                  <a:schemeClr val="tx1"/>
+                </a:solidFill>
+              </a:rPr>
+              <a:t>N33</a:t>
+            </a:r>
+          </a:p>
+        </p:txBody>
+      </p:sp>
+      <p:cxnSp>
+        <p:nvCxnSpPr>
+          <p:cNvPr id="40" name="Connector: Curved 39">
+            <a:extLst>
+              <a:ext uri="{FF2B5EF4-FFF2-40B4-BE49-F238E27FC236}">
+                <a16:creationId xmlns:a16="http://schemas.microsoft.com/office/drawing/2014/main" id="{4EF56A1A-35D1-2F27-BA6E-0B4FFAAFF5B0}"/>
+              </a:ext>
+            </a:extLst>
+          </p:cNvPr>
+          <p:cNvCxnSpPr>
+            <a:cxnSpLocks/>
+            <a:stCxn id="30" idx="3"/>
+            <a:endCxn id="6" idx="1"/>
+          </p:cNvCxnSpPr>
+          <p:nvPr/>
+        </p:nvCxnSpPr>
+        <p:spPr>
+          <a:xfrm>
+            <a:off x="5108793" y="1025490"/>
+            <a:ext cx="492700" cy="1"/>
+          </a:xfrm>
+          <a:prstGeom prst="curvedConnector3">
+            <a:avLst/>
+          </a:prstGeom>
+          <a:ln w="28575">
+            <a:solidFill>
+              <a:srgbClr val="FF0000"/>
+            </a:solidFill>
+            <a:prstDash val="dash"/>
+          </a:ln>
+        </p:spPr>
+        <p:style>
+          <a:lnRef idx="1">
+            <a:schemeClr val="accent1"/>
+          </a:lnRef>
+          <a:fillRef idx="0">
+            <a:schemeClr val="accent1"/>
+          </a:fillRef>
+          <a:effectRef idx="0">
+            <a:schemeClr val="accent1"/>
+          </a:effectRef>
+          <a:fontRef idx="minor">
+            <a:schemeClr val="tx1"/>
+          </a:fontRef>
+        </p:style>
+      </p:cxnSp>
+      <p:cxnSp>
+        <p:nvCxnSpPr>
+          <p:cNvPr id="41" name="Connector: Curved 40">
+            <a:extLst>
+              <a:ext uri="{FF2B5EF4-FFF2-40B4-BE49-F238E27FC236}">
+                <a16:creationId xmlns:a16="http://schemas.microsoft.com/office/drawing/2014/main" id="{4CD3112D-BEC6-BD5F-059E-2B493B17CEA6}"/>
+              </a:ext>
+            </a:extLst>
+          </p:cNvPr>
+          <p:cNvCxnSpPr>
+            <a:cxnSpLocks/>
+            <a:stCxn id="6" idx="2"/>
+          </p:cNvCxnSpPr>
+          <p:nvPr/>
+        </p:nvCxnSpPr>
+        <p:spPr>
+          <a:xfrm rot="16200000" flipH="1">
+            <a:off x="5770534" y="1351406"/>
+            <a:ext cx="782895" cy="373658"/>
+          </a:xfrm>
+          <a:prstGeom prst="curvedConnector3">
+            <a:avLst>
+              <a:gd name="adj1" fmla="val 50000"/>
+            </a:avLst>
+          </a:prstGeom>
+          <a:ln w="28575">
+            <a:solidFill>
+              <a:srgbClr val="FF0000"/>
+            </a:solidFill>
+            <a:prstDash val="dash"/>
+          </a:ln>
+        </p:spPr>
+        <p:style>
+          <a:lnRef idx="1">
+            <a:schemeClr val="accent1"/>
+          </a:lnRef>
+          <a:fillRef idx="0">
+            <a:schemeClr val="accent1"/>
+          </a:fillRef>
+          <a:effectRef idx="0">
+            <a:schemeClr val="accent1"/>
+          </a:effectRef>
+          <a:fontRef idx="minor">
+            <a:schemeClr val="tx1"/>
+          </a:fontRef>
+        </p:style>
+      </p:cxnSp>
+      <p:cxnSp>
+        <p:nvCxnSpPr>
+          <p:cNvPr id="42" name="Connector: Curved 41">
+            <a:extLst>
+              <a:ext uri="{FF2B5EF4-FFF2-40B4-BE49-F238E27FC236}">
+                <a16:creationId xmlns:a16="http://schemas.microsoft.com/office/drawing/2014/main" id="{5C3DEB38-86CB-F3F6-AC33-E217B954AE42}"/>
+              </a:ext>
+            </a:extLst>
+          </p:cNvPr>
+          <p:cNvCxnSpPr>
+            <a:cxnSpLocks/>
+            <a:stCxn id="8" idx="1"/>
+            <a:endCxn id="38" idx="0"/>
+          </p:cNvCxnSpPr>
+          <p:nvPr/>
+        </p:nvCxnSpPr>
+        <p:spPr>
+          <a:xfrm rot="10800000" flipV="1">
+            <a:off x="5543254" y="2571262"/>
+            <a:ext cx="1202772" cy="307231"/>
+          </a:xfrm>
+          <a:prstGeom prst="curvedConnector2">
+            <a:avLst/>
+          </a:prstGeom>
+          <a:ln w="28575">
+            <a:solidFill>
+              <a:srgbClr val="FF0000"/>
+            </a:solidFill>
+            <a:prstDash val="dash"/>
+          </a:ln>
+        </p:spPr>
+        <p:style>
+          <a:lnRef idx="1">
+            <a:schemeClr val="accent1"/>
+          </a:lnRef>
+          <a:fillRef idx="0">
+            <a:schemeClr val="accent1"/>
+          </a:fillRef>
+          <a:effectRef idx="0">
+            <a:schemeClr val="accent1"/>
+          </a:effectRef>
+          <a:fontRef idx="minor">
+            <a:schemeClr val="tx1"/>
+          </a:fontRef>
+        </p:style>
+      </p:cxnSp>
+      <p:cxnSp>
+        <p:nvCxnSpPr>
+          <p:cNvPr id="43" name="Connector: Curved 42">
+            <a:extLst>
+              <a:ext uri="{FF2B5EF4-FFF2-40B4-BE49-F238E27FC236}">
+                <a16:creationId xmlns:a16="http://schemas.microsoft.com/office/drawing/2014/main" id="{D4E80856-DEF6-DF6D-2A9B-A2D480BBBCAA}"/>
+              </a:ext>
+            </a:extLst>
+          </p:cNvPr>
+          <p:cNvCxnSpPr>
+            <a:cxnSpLocks/>
+            <a:stCxn id="9" idx="2"/>
+            <a:endCxn id="39" idx="3"/>
+          </p:cNvCxnSpPr>
+          <p:nvPr/>
+        </p:nvCxnSpPr>
+        <p:spPr>
+          <a:xfrm rot="5400000">
+            <a:off x="6798257" y="3749408"/>
+            <a:ext cx="193311" cy="754391"/>
+          </a:xfrm>
+          <a:prstGeom prst="curvedConnector2">
+            <a:avLst/>
+          </a:prstGeom>
+          <a:ln w="28575">
+            <a:solidFill>
+              <a:srgbClr val="FF0000"/>
+            </a:solidFill>
+            <a:prstDash val="dash"/>
+          </a:ln>
+        </p:spPr>
+        <p:style>
+          <a:lnRef idx="1">
+            <a:schemeClr val="accent1"/>
+          </a:lnRef>
+          <a:fillRef idx="0">
+            <a:schemeClr val="accent1"/>
+          </a:fillRef>
+          <a:effectRef idx="0">
+            <a:schemeClr val="accent1"/>
+          </a:effectRef>
+          <a:fontRef idx="minor">
+            <a:schemeClr val="tx1"/>
+          </a:fontRef>
+        </p:style>
+      </p:cxnSp>
+      <p:cxnSp>
+        <p:nvCxnSpPr>
+          <p:cNvPr id="44" name="Connector: Curved 43">
+            <a:extLst>
+              <a:ext uri="{FF2B5EF4-FFF2-40B4-BE49-F238E27FC236}">
+                <a16:creationId xmlns:a16="http://schemas.microsoft.com/office/drawing/2014/main" id="{6AD9E818-6B34-6B61-FC09-2D22C0A935EE}"/>
+              </a:ext>
+            </a:extLst>
+          </p:cNvPr>
+          <p:cNvCxnSpPr>
+            <a:cxnSpLocks/>
+            <a:stCxn id="28" idx="2"/>
+            <a:endCxn id="36" idx="2"/>
+          </p:cNvCxnSpPr>
+          <p:nvPr/>
+        </p:nvCxnSpPr>
+        <p:spPr>
+          <a:xfrm rot="16200000" flipH="1">
+            <a:off x="3388952" y="2929331"/>
+            <a:ext cx="12700" cy="1857754"/>
+          </a:xfrm>
+          <a:prstGeom prst="curvedConnector3">
+            <a:avLst>
+              <a:gd name="adj1" fmla="val 3955102"/>
+            </a:avLst>
+          </a:prstGeom>
+          <a:ln w="28575">
+            <a:solidFill>
+              <a:srgbClr val="FF0000"/>
+            </a:solidFill>
+            <a:prstDash val="dash"/>
+          </a:ln>
+        </p:spPr>
+        <p:style>
+          <a:lnRef idx="1">
+            <a:schemeClr val="accent1"/>
+          </a:lnRef>
+          <a:fillRef idx="0">
+            <a:schemeClr val="accent1"/>
+          </a:fillRef>
+          <a:effectRef idx="0">
+            <a:schemeClr val="accent1"/>
+          </a:effectRef>
+          <a:fontRef idx="minor">
+            <a:schemeClr val="tx1"/>
+          </a:fontRef>
+        </p:style>
+      </p:cxnSp>
+      <p:cxnSp>
+        <p:nvCxnSpPr>
+          <p:cNvPr id="46" name="Connector: Curved 45">
+            <a:extLst>
+              <a:ext uri="{FF2B5EF4-FFF2-40B4-BE49-F238E27FC236}">
+                <a16:creationId xmlns:a16="http://schemas.microsoft.com/office/drawing/2014/main" id="{B0D356AB-D40C-E344-4F7C-05A3E9C60C84}"/>
+              </a:ext>
+            </a:extLst>
+          </p:cNvPr>
+          <p:cNvCxnSpPr>
+            <a:cxnSpLocks/>
+            <a:stCxn id="10" idx="2"/>
+            <a:endCxn id="35" idx="0"/>
+          </p:cNvCxnSpPr>
+          <p:nvPr/>
+        </p:nvCxnSpPr>
+        <p:spPr>
+          <a:xfrm rot="16200000" flipH="1">
+            <a:off x="3408496" y="1971731"/>
+            <a:ext cx="671124" cy="1627591"/>
+          </a:xfrm>
+          <a:prstGeom prst="curvedConnector3">
+            <a:avLst>
+              <a:gd name="adj1" fmla="val 99124"/>
+            </a:avLst>
+          </a:prstGeom>
+          <a:ln w="28575">
+            <a:solidFill>
+              <a:srgbClr val="FF0000"/>
+            </a:solidFill>
+            <a:prstDash val="dash"/>
+          </a:ln>
+        </p:spPr>
+        <p:style>
+          <a:lnRef idx="1">
+            <a:schemeClr val="accent1"/>
+          </a:lnRef>
+          <a:fillRef idx="0">
+            <a:schemeClr val="accent1"/>
+          </a:fillRef>
+          <a:effectRef idx="0">
+            <a:schemeClr val="accent1"/>
+          </a:effectRef>
+          <a:fontRef idx="minor">
+            <a:schemeClr val="tx1"/>
+          </a:fontRef>
+        </p:style>
+      </p:cxnSp>
+      <p:cxnSp>
+        <p:nvCxnSpPr>
+          <p:cNvPr id="47" name="Connector: Curved 46">
+            <a:extLst>
+              <a:ext uri="{FF2B5EF4-FFF2-40B4-BE49-F238E27FC236}">
+                <a16:creationId xmlns:a16="http://schemas.microsoft.com/office/drawing/2014/main" id="{A531E00B-B023-97CE-FD7A-9F68A91A10C2}"/>
+              </a:ext>
+            </a:extLst>
+          </p:cNvPr>
+          <p:cNvCxnSpPr>
+            <a:cxnSpLocks/>
+            <a:stCxn id="29" idx="0"/>
+            <a:endCxn id="33" idx="2"/>
+          </p:cNvCxnSpPr>
+          <p:nvPr/>
+        </p:nvCxnSpPr>
+        <p:spPr>
+          <a:xfrm rot="5400000" flipH="1" flipV="1">
+            <a:off x="3106721" y="1682022"/>
+            <a:ext cx="671125" cy="1964417"/>
+          </a:xfrm>
+          <a:prstGeom prst="curvedConnector3">
+            <a:avLst>
+              <a:gd name="adj1" fmla="val 40731"/>
+            </a:avLst>
+          </a:prstGeom>
+          <a:ln w="28575">
+            <a:solidFill>
+              <a:srgbClr val="FF0000"/>
+            </a:solidFill>
+            <a:prstDash val="dash"/>
+          </a:ln>
+        </p:spPr>
+        <p:style>
+          <a:lnRef idx="1">
+            <a:schemeClr val="accent1"/>
+          </a:lnRef>
+          <a:fillRef idx="0">
+            <a:schemeClr val="accent1"/>
+          </a:fillRef>
+          <a:effectRef idx="0">
+            <a:schemeClr val="accent1"/>
+          </a:effectRef>
+          <a:fontRef idx="minor">
+            <a:schemeClr val="tx1"/>
+          </a:fontRef>
+        </p:style>
+      </p:cxnSp>
+      <p:sp>
+        <p:nvSpPr>
+          <p:cNvPr id="48" name="TextBox 47">
+            <a:extLst>
+              <a:ext uri="{FF2B5EF4-FFF2-40B4-BE49-F238E27FC236}">
+                <a16:creationId xmlns:a16="http://schemas.microsoft.com/office/drawing/2014/main" id="{5F520631-C52A-F3E1-48C2-BA8FA8452402}"/>
+              </a:ext>
+            </a:extLst>
+          </p:cNvPr>
+          <p:cNvSpPr txBox="1"/>
+          <p:nvPr/>
+        </p:nvSpPr>
+        <p:spPr>
+          <a:xfrm>
+            <a:off x="-4014558" y="6365912"/>
+            <a:ext cx="3506088" cy="646331"/>
+          </a:xfrm>
+          <a:prstGeom prst="rect">
+            <a:avLst/>
+          </a:prstGeom>
+          <a:noFill/>
+        </p:spPr>
+        <p:txBody>
+          <a:bodyPr wrap="none" rtlCol="0">
+            <a:spAutoFit/>
+          </a:bodyPr>
+          <a:lstStyle/>
+          <a:p>
+            <a:pPr algn="ctr"/>
+            <a:r>
+              <a:rPr lang="en-US" b="1" dirty="0">
+                <a:solidFill>
+                  <a:schemeClr val="accent4"/>
+                </a:solidFill>
+              </a:rPr>
+              <a:t>HADDOCK-predicted interface</a:t>
+            </a:r>
+          </a:p>
+          <a:p>
+            <a:pPr algn="ctr"/>
+            <a:r>
+              <a:rPr lang="en-US" b="1" dirty="0">
+                <a:solidFill>
+                  <a:schemeClr val="accent4"/>
+                </a:solidFill>
+              </a:rPr>
+              <a:t>(Best van der Waals Energy)</a:t>
+            </a:r>
+          </a:p>
+        </p:txBody>
+      </p:sp>
+      <p:sp>
+        <p:nvSpPr>
+          <p:cNvPr id="50" name="TextBox 49">
+            <a:extLst>
+              <a:ext uri="{FF2B5EF4-FFF2-40B4-BE49-F238E27FC236}">
+                <a16:creationId xmlns:a16="http://schemas.microsoft.com/office/drawing/2014/main" id="{239B5120-A94E-0ACC-626E-D343D8F10251}"/>
+              </a:ext>
+            </a:extLst>
+          </p:cNvPr>
+          <p:cNvSpPr txBox="1"/>
+          <p:nvPr/>
+        </p:nvSpPr>
+        <p:spPr>
+          <a:xfrm>
+            <a:off x="2375690" y="6365912"/>
+            <a:ext cx="4895315" cy="646331"/>
+          </a:xfrm>
+          <a:prstGeom prst="rect">
+            <a:avLst/>
+          </a:prstGeom>
+          <a:noFill/>
+        </p:spPr>
+        <p:txBody>
+          <a:bodyPr wrap="none" rtlCol="0">
+            <a:spAutoFit/>
+          </a:bodyPr>
+          <a:lstStyle/>
+          <a:p>
+            <a:pPr algn="ctr"/>
+            <a:r>
+              <a:rPr lang="en-US" b="1" dirty="0">
+                <a:solidFill>
+                  <a:srgbClr val="7030A0"/>
+                </a:solidFill>
+              </a:rPr>
+              <a:t>AlphaFold2 Multimer-predicted interface</a:t>
+            </a:r>
+          </a:p>
+          <a:p>
+            <a:pPr algn="ctr"/>
+            <a:r>
+              <a:rPr lang="en-US" b="1" dirty="0">
+                <a:solidFill>
+                  <a:srgbClr val="7030A0"/>
+                </a:solidFill>
+              </a:rPr>
+              <a:t>(Best AlphaFold2 and </a:t>
+            </a:r>
+            <a:r>
+              <a:rPr lang="en-US" b="1" dirty="0" err="1">
+                <a:solidFill>
+                  <a:srgbClr val="7030A0"/>
+                </a:solidFill>
+              </a:rPr>
+              <a:t>GDock</a:t>
+            </a:r>
+            <a:r>
+              <a:rPr lang="en-US" b="1" dirty="0">
+                <a:solidFill>
+                  <a:srgbClr val="7030A0"/>
+                </a:solidFill>
+              </a:rPr>
+              <a:t> Confidences)</a:t>
+            </a:r>
+          </a:p>
+        </p:txBody>
+      </p:sp>
+      <p:sp>
+        <p:nvSpPr>
+          <p:cNvPr id="53" name="Rectangle: Rounded Corners 52">
+            <a:extLst>
+              <a:ext uri="{FF2B5EF4-FFF2-40B4-BE49-F238E27FC236}">
+                <a16:creationId xmlns:a16="http://schemas.microsoft.com/office/drawing/2014/main" id="{668C3A9C-BF61-397C-DE53-C92DEA7BE05E}"/>
+              </a:ext>
+            </a:extLst>
+          </p:cNvPr>
+          <p:cNvSpPr/>
+          <p:nvPr/>
+        </p:nvSpPr>
+        <p:spPr>
+          <a:xfrm>
+            <a:off x="14931498" y="879459"/>
+            <a:ext cx="747317" cy="242595"/>
+          </a:xfrm>
+          <a:prstGeom prst="roundRect">
+            <a:avLst>
+              <a:gd name="adj" fmla="val 50000"/>
+            </a:avLst>
+          </a:prstGeom>
+          <a:solidFill>
+            <a:srgbClr val="FFFF00"/>
+          </a:solidFill>
+          <a:ln>
+            <a:solidFill>
+              <a:srgbClr val="7030A0"/>
+            </a:solidFill>
+          </a:ln>
+        </p:spPr>
+        <p:style>
+          <a:lnRef idx="2">
+            <a:schemeClr val="accent4">
+              <a:shade val="15000"/>
+            </a:schemeClr>
+          </a:lnRef>
+          <a:fillRef idx="1">
+            <a:schemeClr val="accent4"/>
+          </a:fillRef>
+          <a:effectRef idx="0">
+            <a:schemeClr val="accent4"/>
+          </a:effectRef>
+          <a:fontRef idx="minor">
+            <a:schemeClr val="lt1"/>
+          </a:fontRef>
+        </p:style>
+        <p:txBody>
+          <a:bodyPr rtlCol="0" anchor="ctr"/>
+          <a:lstStyle/>
+          <a:p>
+            <a:pPr algn="ctr"/>
+            <a:r>
+              <a:rPr lang="en-US" sz="1600" dirty="0">
+                <a:solidFill>
+                  <a:srgbClr val="7030A0"/>
+                </a:solidFill>
+              </a:rPr>
+              <a:t>D144</a:t>
+            </a:r>
+          </a:p>
+        </p:txBody>
+      </p:sp>
+      <p:sp>
+        <p:nvSpPr>
+          <p:cNvPr id="54" name="Rectangle: Rounded Corners 53">
+            <a:extLst>
+              <a:ext uri="{FF2B5EF4-FFF2-40B4-BE49-F238E27FC236}">
+                <a16:creationId xmlns:a16="http://schemas.microsoft.com/office/drawing/2014/main" id="{491BEBB3-E595-2341-3EF4-0DC126CDFB98}"/>
+              </a:ext>
+            </a:extLst>
+          </p:cNvPr>
+          <p:cNvSpPr/>
+          <p:nvPr/>
+        </p:nvSpPr>
+        <p:spPr>
+          <a:xfrm>
+            <a:off x="14384325" y="3494315"/>
+            <a:ext cx="747317" cy="242595"/>
+          </a:xfrm>
+          <a:prstGeom prst="roundRect">
+            <a:avLst>
+              <a:gd name="adj" fmla="val 50000"/>
+            </a:avLst>
+          </a:prstGeom>
+          <a:solidFill>
+            <a:srgbClr val="FFFF00"/>
+          </a:solidFill>
+          <a:ln>
+            <a:solidFill>
+              <a:srgbClr val="7030A0"/>
+            </a:solidFill>
+          </a:ln>
+        </p:spPr>
+        <p:style>
+          <a:lnRef idx="2">
+            <a:schemeClr val="accent4">
+              <a:shade val="15000"/>
+            </a:schemeClr>
+          </a:lnRef>
+          <a:fillRef idx="1">
+            <a:schemeClr val="accent4"/>
+          </a:fillRef>
+          <a:effectRef idx="0">
+            <a:schemeClr val="accent4"/>
+          </a:effectRef>
+          <a:fontRef idx="minor">
+            <a:schemeClr val="lt1"/>
+          </a:fontRef>
+        </p:style>
+        <p:txBody>
+          <a:bodyPr rtlCol="0" anchor="ctr"/>
+          <a:lstStyle/>
+          <a:p>
+            <a:pPr algn="ctr"/>
+            <a:r>
+              <a:rPr lang="en-US" sz="1600" dirty="0">
+                <a:solidFill>
+                  <a:srgbClr val="7030A0"/>
+                </a:solidFill>
+              </a:rPr>
+              <a:t>T329</a:t>
+            </a:r>
+          </a:p>
+        </p:txBody>
+      </p:sp>
+      <p:sp>
+        <p:nvSpPr>
+          <p:cNvPr id="55" name="Rectangle: Rounded Corners 54">
+            <a:extLst>
+              <a:ext uri="{FF2B5EF4-FFF2-40B4-BE49-F238E27FC236}">
+                <a16:creationId xmlns:a16="http://schemas.microsoft.com/office/drawing/2014/main" id="{9BF7B477-39B2-51CC-DC36-C11C8B34547C}"/>
+              </a:ext>
+            </a:extLst>
+          </p:cNvPr>
+          <p:cNvSpPr/>
+          <p:nvPr/>
+        </p:nvSpPr>
+        <p:spPr>
+          <a:xfrm>
+            <a:off x="14298044" y="2878493"/>
+            <a:ext cx="747317" cy="242595"/>
+          </a:xfrm>
+          <a:prstGeom prst="roundRect">
+            <a:avLst>
+              <a:gd name="adj" fmla="val 50000"/>
+            </a:avLst>
+          </a:prstGeom>
+          <a:solidFill>
+            <a:srgbClr val="FFFF00"/>
+          </a:solidFill>
+          <a:ln>
+            <a:solidFill>
+              <a:srgbClr val="7030A0"/>
+            </a:solidFill>
+          </a:ln>
+        </p:spPr>
+        <p:style>
+          <a:lnRef idx="2">
+            <a:schemeClr val="accent4">
+              <a:shade val="15000"/>
+            </a:schemeClr>
+          </a:lnRef>
+          <a:fillRef idx="1">
+            <a:schemeClr val="accent4"/>
+          </a:fillRef>
+          <a:effectRef idx="0">
+            <a:schemeClr val="accent4"/>
+          </a:effectRef>
+          <a:fontRef idx="minor">
+            <a:schemeClr val="lt1"/>
+          </a:fontRef>
+        </p:style>
+        <p:txBody>
+          <a:bodyPr rtlCol="0" anchor="ctr"/>
+          <a:lstStyle/>
+          <a:p>
+            <a:pPr algn="ctr"/>
+            <a:r>
+              <a:rPr lang="en-US" sz="1600" dirty="0">
+                <a:solidFill>
+                  <a:srgbClr val="7030A0"/>
+                </a:solidFill>
+              </a:rPr>
+              <a:t>V324</a:t>
+            </a:r>
+          </a:p>
+        </p:txBody>
+      </p:sp>
+      <p:sp>
+        <p:nvSpPr>
+          <p:cNvPr id="56" name="Rectangle: Rounded Corners 55">
+            <a:extLst>
+              <a:ext uri="{FF2B5EF4-FFF2-40B4-BE49-F238E27FC236}">
+                <a16:creationId xmlns:a16="http://schemas.microsoft.com/office/drawing/2014/main" id="{890F7F96-96BC-67AA-41E6-B6F65C6A147C}"/>
+              </a:ext>
+            </a:extLst>
+          </p:cNvPr>
+          <p:cNvSpPr/>
+          <p:nvPr/>
+        </p:nvSpPr>
+        <p:spPr>
+          <a:xfrm>
+            <a:off x="14036061" y="1470643"/>
+            <a:ext cx="747317" cy="242595"/>
+          </a:xfrm>
+          <a:prstGeom prst="roundRect">
+            <a:avLst>
+              <a:gd name="adj" fmla="val 50000"/>
+            </a:avLst>
+          </a:prstGeom>
+          <a:solidFill>
+            <a:schemeClr val="accent6"/>
+          </a:solidFill>
+          <a:ln>
+            <a:solidFill>
+              <a:schemeClr val="tx1"/>
+            </a:solidFill>
+          </a:ln>
+        </p:spPr>
+        <p:style>
+          <a:lnRef idx="2">
+            <a:schemeClr val="accent4">
+              <a:shade val="15000"/>
+            </a:schemeClr>
+          </a:lnRef>
+          <a:fillRef idx="1">
+            <a:schemeClr val="accent4"/>
+          </a:fillRef>
+          <a:effectRef idx="0">
+            <a:schemeClr val="accent4"/>
+          </a:effectRef>
+          <a:fontRef idx="minor">
+            <a:schemeClr val="lt1"/>
+          </a:fontRef>
+        </p:style>
+        <p:txBody>
+          <a:bodyPr rtlCol="0" anchor="ctr"/>
+          <a:lstStyle/>
+          <a:p>
+            <a:pPr algn="ctr"/>
+            <a:r>
+              <a:rPr lang="en-US" sz="1600" dirty="0">
+                <a:solidFill>
+                  <a:schemeClr val="tx1"/>
+                </a:solidFill>
+              </a:rPr>
+              <a:t>Y7</a:t>
+            </a:r>
+          </a:p>
+        </p:txBody>
+      </p:sp>
+      <p:sp>
+        <p:nvSpPr>
+          <p:cNvPr id="58" name="Rectangle: Rounded Corners 57">
+            <a:extLst>
+              <a:ext uri="{FF2B5EF4-FFF2-40B4-BE49-F238E27FC236}">
+                <a16:creationId xmlns:a16="http://schemas.microsoft.com/office/drawing/2014/main" id="{701B8610-5A28-E8F2-ACF6-32432B118675}"/>
+              </a:ext>
+            </a:extLst>
+          </p:cNvPr>
+          <p:cNvSpPr/>
+          <p:nvPr/>
+        </p:nvSpPr>
+        <p:spPr>
+          <a:xfrm>
+            <a:off x="13094406" y="4090695"/>
+            <a:ext cx="747317" cy="242595"/>
+          </a:xfrm>
+          <a:prstGeom prst="roundRect">
+            <a:avLst>
+              <a:gd name="adj" fmla="val 50000"/>
+            </a:avLst>
+          </a:prstGeom>
+          <a:solidFill>
+            <a:schemeClr val="accent6"/>
+          </a:solidFill>
+          <a:ln>
+            <a:solidFill>
+              <a:schemeClr val="tx1"/>
+            </a:solidFill>
+          </a:ln>
+        </p:spPr>
+        <p:style>
+          <a:lnRef idx="2">
+            <a:schemeClr val="accent4">
+              <a:shade val="15000"/>
+            </a:schemeClr>
+          </a:lnRef>
+          <a:fillRef idx="1">
+            <a:schemeClr val="accent4"/>
+          </a:fillRef>
+          <a:effectRef idx="0">
+            <a:schemeClr val="accent4"/>
+          </a:effectRef>
+          <a:fontRef idx="minor">
+            <a:schemeClr val="lt1"/>
+          </a:fontRef>
+        </p:style>
+        <p:txBody>
+          <a:bodyPr rtlCol="0" anchor="ctr"/>
+          <a:lstStyle/>
+          <a:p>
+            <a:pPr algn="ctr"/>
+            <a:r>
+              <a:rPr lang="en-US" sz="1600" dirty="0">
+                <a:solidFill>
+                  <a:schemeClr val="tx1"/>
+                </a:solidFill>
+              </a:rPr>
+              <a:t>A65</a:t>
+            </a:r>
+          </a:p>
+        </p:txBody>
+      </p:sp>
+      <p:sp>
+        <p:nvSpPr>
+          <p:cNvPr id="59" name="Rectangle: Rounded Corners 58">
+            <a:extLst>
+              <a:ext uri="{FF2B5EF4-FFF2-40B4-BE49-F238E27FC236}">
+                <a16:creationId xmlns:a16="http://schemas.microsoft.com/office/drawing/2014/main" id="{BACA6997-1231-EFB2-719A-EA2DE2766F0E}"/>
+              </a:ext>
+            </a:extLst>
+          </p:cNvPr>
+          <p:cNvSpPr/>
+          <p:nvPr/>
+        </p:nvSpPr>
+        <p:spPr>
+          <a:xfrm>
+            <a:off x="12831616" y="2707237"/>
+            <a:ext cx="747317" cy="242595"/>
+          </a:xfrm>
+          <a:prstGeom prst="roundRect">
+            <a:avLst>
+              <a:gd name="adj" fmla="val 50000"/>
+            </a:avLst>
+          </a:prstGeom>
+          <a:solidFill>
+            <a:schemeClr val="accent6"/>
+          </a:solidFill>
+          <a:ln>
+            <a:solidFill>
+              <a:schemeClr val="tx1"/>
+            </a:solidFill>
+          </a:ln>
+        </p:spPr>
+        <p:style>
+          <a:lnRef idx="2">
+            <a:schemeClr val="accent4">
+              <a:shade val="15000"/>
+            </a:schemeClr>
+          </a:lnRef>
+          <a:fillRef idx="1">
+            <a:schemeClr val="accent4"/>
+          </a:fillRef>
+          <a:effectRef idx="0">
+            <a:schemeClr val="accent4"/>
+          </a:effectRef>
+          <a:fontRef idx="minor">
+            <a:schemeClr val="lt1"/>
+          </a:fontRef>
+        </p:style>
+        <p:txBody>
+          <a:bodyPr rtlCol="0" anchor="ctr"/>
+          <a:lstStyle/>
+          <a:p>
+            <a:pPr algn="ctr"/>
+            <a:r>
+              <a:rPr lang="en-US" sz="1600" dirty="0">
+                <a:solidFill>
+                  <a:schemeClr val="tx1"/>
+                </a:solidFill>
+              </a:rPr>
+              <a:t>Y61</a:t>
+            </a:r>
+          </a:p>
+        </p:txBody>
+      </p:sp>
+      <p:cxnSp>
+        <p:nvCxnSpPr>
+          <p:cNvPr id="60" name="Connector: Curved 59">
+            <a:extLst>
+              <a:ext uri="{FF2B5EF4-FFF2-40B4-BE49-F238E27FC236}">
+                <a16:creationId xmlns:a16="http://schemas.microsoft.com/office/drawing/2014/main" id="{F431F0D1-F405-52C3-3CEF-FFF16B7A3258}"/>
+              </a:ext>
+            </a:extLst>
+          </p:cNvPr>
+          <p:cNvCxnSpPr>
+            <a:cxnSpLocks/>
+            <a:stCxn id="53" idx="2"/>
+            <a:endCxn id="56" idx="3"/>
+          </p:cNvCxnSpPr>
+          <p:nvPr/>
+        </p:nvCxnSpPr>
+        <p:spPr>
+          <a:xfrm rot="5400000">
+            <a:off x="14809325" y="1096108"/>
+            <a:ext cx="469887" cy="521779"/>
+          </a:xfrm>
+          <a:prstGeom prst="curvedConnector2">
+            <a:avLst/>
+          </a:prstGeom>
+          <a:ln w="28575">
+            <a:solidFill>
+              <a:srgbClr val="FF0000"/>
+            </a:solidFill>
+            <a:prstDash val="dash"/>
+          </a:ln>
+        </p:spPr>
+        <p:style>
+          <a:lnRef idx="1">
+            <a:schemeClr val="accent1"/>
+          </a:lnRef>
+          <a:fillRef idx="0">
+            <a:schemeClr val="accent1"/>
+          </a:fillRef>
+          <a:effectRef idx="0">
+            <a:schemeClr val="accent1"/>
+          </a:effectRef>
+          <a:fontRef idx="minor">
+            <a:schemeClr val="tx1"/>
+          </a:fontRef>
+        </p:style>
+      </p:cxnSp>
+      <p:cxnSp>
+        <p:nvCxnSpPr>
+          <p:cNvPr id="62" name="Connector: Curved 61">
+            <a:extLst>
+              <a:ext uri="{FF2B5EF4-FFF2-40B4-BE49-F238E27FC236}">
+                <a16:creationId xmlns:a16="http://schemas.microsoft.com/office/drawing/2014/main" id="{E32E5AEB-78BF-E0F3-FCFF-EFF265A24FA2}"/>
+              </a:ext>
+            </a:extLst>
+          </p:cNvPr>
+          <p:cNvCxnSpPr>
+            <a:cxnSpLocks/>
+            <a:stCxn id="54" idx="2"/>
+            <a:endCxn id="58" idx="3"/>
+          </p:cNvCxnSpPr>
+          <p:nvPr/>
+        </p:nvCxnSpPr>
+        <p:spPr>
+          <a:xfrm rot="5400000">
+            <a:off x="14062313" y="3516321"/>
+            <a:ext cx="475083" cy="916261"/>
+          </a:xfrm>
+          <a:prstGeom prst="curvedConnector2">
+            <a:avLst/>
+          </a:prstGeom>
+          <a:ln w="28575">
+            <a:solidFill>
+              <a:srgbClr val="FF0000"/>
+            </a:solidFill>
+            <a:prstDash val="dash"/>
+          </a:ln>
+        </p:spPr>
+        <p:style>
+          <a:lnRef idx="1">
+            <a:schemeClr val="accent1"/>
+          </a:lnRef>
+          <a:fillRef idx="0">
+            <a:schemeClr val="accent1"/>
+          </a:fillRef>
+          <a:effectRef idx="0">
+            <a:schemeClr val="accent1"/>
+          </a:effectRef>
+          <a:fontRef idx="minor">
+            <a:schemeClr val="tx1"/>
+          </a:fontRef>
+        </p:style>
+      </p:cxnSp>
+      <p:cxnSp>
+        <p:nvCxnSpPr>
+          <p:cNvPr id="63" name="Connector: Curved 62">
+            <a:extLst>
+              <a:ext uri="{FF2B5EF4-FFF2-40B4-BE49-F238E27FC236}">
+                <a16:creationId xmlns:a16="http://schemas.microsoft.com/office/drawing/2014/main" id="{43C2F3D4-87EF-4B3A-620F-8A68B95DE91B}"/>
+              </a:ext>
+            </a:extLst>
+          </p:cNvPr>
+          <p:cNvCxnSpPr>
+            <a:cxnSpLocks/>
+            <a:stCxn id="55" idx="1"/>
+            <a:endCxn id="59" idx="3"/>
+          </p:cNvCxnSpPr>
+          <p:nvPr/>
+        </p:nvCxnSpPr>
+        <p:spPr>
+          <a:xfrm rot="10800000">
+            <a:off x="13578934" y="2828535"/>
+            <a:ext cx="719111" cy="171256"/>
+          </a:xfrm>
+          <a:prstGeom prst="curvedConnector3">
+            <a:avLst>
+              <a:gd name="adj1" fmla="val 50000"/>
+            </a:avLst>
+          </a:prstGeom>
+          <a:ln w="28575">
+            <a:solidFill>
+              <a:srgbClr val="FF0000"/>
+            </a:solidFill>
+            <a:prstDash val="dash"/>
+          </a:ln>
+        </p:spPr>
+        <p:style>
+          <a:lnRef idx="1">
+            <a:schemeClr val="accent1"/>
+          </a:lnRef>
+          <a:fillRef idx="0">
+            <a:schemeClr val="accent1"/>
+          </a:fillRef>
+          <a:effectRef idx="0">
+            <a:schemeClr val="accent1"/>
+          </a:effectRef>
+          <a:fontRef idx="minor">
+            <a:schemeClr val="tx1"/>
+          </a:fontRef>
+        </p:style>
+      </p:cxnSp>
+      <p:sp>
+        <p:nvSpPr>
+          <p:cNvPr id="64" name="TextBox 63">
+            <a:extLst>
+              <a:ext uri="{FF2B5EF4-FFF2-40B4-BE49-F238E27FC236}">
+                <a16:creationId xmlns:a16="http://schemas.microsoft.com/office/drawing/2014/main" id="{A37285C4-AF8F-6E37-4DEB-A0E20E92188E}"/>
+              </a:ext>
+            </a:extLst>
+          </p:cNvPr>
+          <p:cNvSpPr txBox="1"/>
+          <p:nvPr/>
+        </p:nvSpPr>
+        <p:spPr>
+          <a:xfrm>
+            <a:off x="12957054" y="6365912"/>
+            <a:ext cx="4613186" cy="646331"/>
+          </a:xfrm>
+          <a:prstGeom prst="rect">
+            <a:avLst/>
+          </a:prstGeom>
+          <a:noFill/>
+        </p:spPr>
+        <p:txBody>
+          <a:bodyPr wrap="none" rtlCol="0">
+            <a:spAutoFit/>
+          </a:bodyPr>
+          <a:lstStyle/>
+          <a:p>
+            <a:pPr algn="ctr"/>
+            <a:r>
+              <a:rPr lang="en-US" b="1" dirty="0">
+                <a:solidFill>
+                  <a:srgbClr val="7030A0"/>
+                </a:solidFill>
+              </a:rPr>
+              <a:t>AlphaFold2 Multimer-predicted interface</a:t>
+            </a:r>
+          </a:p>
+          <a:p>
+            <a:pPr algn="ctr"/>
+            <a:r>
+              <a:rPr lang="en-US" b="1" dirty="0">
+                <a:solidFill>
+                  <a:srgbClr val="7030A0"/>
+                </a:solidFill>
+              </a:rPr>
+              <a:t>(Best AlphaFold2 Confidence)</a:t>
+            </a:r>
+          </a:p>
+        </p:txBody>
+      </p:sp>
+    </p:spTree>
+    <p:extLst>
+      <p:ext uri="{BB962C8B-B14F-4D97-AF65-F5344CB8AC3E}">
+        <p14:creationId xmlns:p14="http://schemas.microsoft.com/office/powerpoint/2010/main" val="2605893747"/>
+      </p:ext>
+    </p:extLst>
+  </p:cSld>
+  <p:clrMapOvr>
+    <a:masterClrMapping/>
+  </p:clrMapOvr>
+</p:sld>
+</file>
+
 <file path=ppt/theme/theme1.xml><?xml version="1.0" encoding="utf-8"?>
 <a:theme xmlns:a="http://schemas.openxmlformats.org/drawingml/2006/main" name="Office Theme">
   <a:themeElements>
